--- a/paper/figures/data_pipeline.pptx
+++ b/paper/figures/data_pipeline.pptx
@@ -2,7 +2,7 @@
 <file path=ppt/presentation.xml><?xml version="1.0" encoding="utf-8"?>
 <p:presentation xmlns:a="http://schemas.openxmlformats.org/drawingml/2006/main" xmlns:r="http://schemas.openxmlformats.org/officeDocument/2006/relationships" xmlns:p="http://schemas.openxmlformats.org/presentationml/2006/main" saveSubsetFonts="1" autoCompressPictures="0">
   <p:sldMasterIdLst>
-    <p:sldMasterId id="2147483648" r:id="rId1"/>
+    <p:sldMasterId id="2147483684" r:id="rId1"/>
   </p:sldMasterIdLst>
   <p:notesMasterIdLst>
     <p:notesMasterId r:id="rId3"/>
@@ -10,13 +10,13 @@
   <p:sldIdLst>
     <p:sldId id="258" r:id="rId2"/>
   </p:sldIdLst>
-  <p:sldSz cx="12192000" cy="6858000"/>
+  <p:sldSz cx="8999538" cy="4319588"/>
   <p:notesSz cx="6858000" cy="9144000"/>
   <p:defaultTextStyle>
     <a:defPPr>
-      <a:defRPr lang="en-AT"/>
+      <a:defRPr lang="en-US"/>
     </a:defPPr>
-    <a:lvl1pPr marL="0" algn="l" defTabSz="914400" rtl="0" eaLnBrk="1" latinLnBrk="0" hangingPunct="1">
+    <a:lvl1pPr marL="0" algn="l" defTabSz="457200" rtl="0" eaLnBrk="1" latinLnBrk="0" hangingPunct="1">
       <a:defRPr sz="1800" kern="1200">
         <a:solidFill>
           <a:schemeClr val="tx1"/>
@@ -26,7 +26,7 @@
         <a:cs typeface="+mn-cs"/>
       </a:defRPr>
     </a:lvl1pPr>
-    <a:lvl2pPr marL="457200" algn="l" defTabSz="914400" rtl="0" eaLnBrk="1" latinLnBrk="0" hangingPunct="1">
+    <a:lvl2pPr marL="457200" algn="l" defTabSz="457200" rtl="0" eaLnBrk="1" latinLnBrk="0" hangingPunct="1">
       <a:defRPr sz="1800" kern="1200">
         <a:solidFill>
           <a:schemeClr val="tx1"/>
@@ -36,7 +36,7 @@
         <a:cs typeface="+mn-cs"/>
       </a:defRPr>
     </a:lvl2pPr>
-    <a:lvl3pPr marL="914400" algn="l" defTabSz="914400" rtl="0" eaLnBrk="1" latinLnBrk="0" hangingPunct="1">
+    <a:lvl3pPr marL="914400" algn="l" defTabSz="457200" rtl="0" eaLnBrk="1" latinLnBrk="0" hangingPunct="1">
       <a:defRPr sz="1800" kern="1200">
         <a:solidFill>
           <a:schemeClr val="tx1"/>
@@ -46,7 +46,7 @@
         <a:cs typeface="+mn-cs"/>
       </a:defRPr>
     </a:lvl3pPr>
-    <a:lvl4pPr marL="1371600" algn="l" defTabSz="914400" rtl="0" eaLnBrk="1" latinLnBrk="0" hangingPunct="1">
+    <a:lvl4pPr marL="1371600" algn="l" defTabSz="457200" rtl="0" eaLnBrk="1" latinLnBrk="0" hangingPunct="1">
       <a:defRPr sz="1800" kern="1200">
         <a:solidFill>
           <a:schemeClr val="tx1"/>
@@ -56,7 +56,7 @@
         <a:cs typeface="+mn-cs"/>
       </a:defRPr>
     </a:lvl4pPr>
-    <a:lvl5pPr marL="1828800" algn="l" defTabSz="914400" rtl="0" eaLnBrk="1" latinLnBrk="0" hangingPunct="1">
+    <a:lvl5pPr marL="1828800" algn="l" defTabSz="457200" rtl="0" eaLnBrk="1" latinLnBrk="0" hangingPunct="1">
       <a:defRPr sz="1800" kern="1200">
         <a:solidFill>
           <a:schemeClr val="tx1"/>
@@ -66,7 +66,7 @@
         <a:cs typeface="+mn-cs"/>
       </a:defRPr>
     </a:lvl5pPr>
-    <a:lvl6pPr marL="2286000" algn="l" defTabSz="914400" rtl="0" eaLnBrk="1" latinLnBrk="0" hangingPunct="1">
+    <a:lvl6pPr marL="2286000" algn="l" defTabSz="457200" rtl="0" eaLnBrk="1" latinLnBrk="0" hangingPunct="1">
       <a:defRPr sz="1800" kern="1200">
         <a:solidFill>
           <a:schemeClr val="tx1"/>
@@ -76,7 +76,7 @@
         <a:cs typeface="+mn-cs"/>
       </a:defRPr>
     </a:lvl6pPr>
-    <a:lvl7pPr marL="2743200" algn="l" defTabSz="914400" rtl="0" eaLnBrk="1" latinLnBrk="0" hangingPunct="1">
+    <a:lvl7pPr marL="2743200" algn="l" defTabSz="457200" rtl="0" eaLnBrk="1" latinLnBrk="0" hangingPunct="1">
       <a:defRPr sz="1800" kern="1200">
         <a:solidFill>
           <a:schemeClr val="tx1"/>
@@ -86,7 +86,7 @@
         <a:cs typeface="+mn-cs"/>
       </a:defRPr>
     </a:lvl7pPr>
-    <a:lvl8pPr marL="3200400" algn="l" defTabSz="914400" rtl="0" eaLnBrk="1" latinLnBrk="0" hangingPunct="1">
+    <a:lvl8pPr marL="3200400" algn="l" defTabSz="457200" rtl="0" eaLnBrk="1" latinLnBrk="0" hangingPunct="1">
       <a:defRPr sz="1800" kern="1200">
         <a:solidFill>
           <a:schemeClr val="tx1"/>
@@ -96,7 +96,7 @@
         <a:cs typeface="+mn-cs"/>
       </a:defRPr>
     </a:lvl8pPr>
-    <a:lvl9pPr marL="3657600" algn="l" defTabSz="914400" rtl="0" eaLnBrk="1" latinLnBrk="0" hangingPunct="1">
+    <a:lvl9pPr marL="3657600" algn="l" defTabSz="457200" rtl="0" eaLnBrk="1" latinLnBrk="0" hangingPunct="1">
       <a:defRPr sz="1800" kern="1200">
         <a:solidFill>
           <a:schemeClr val="tx1"/>
@@ -197,7 +197,7 @@
           <a:p>
             <a:fld id="{ACC8D1E5-734B-D648-9544-C1B3E7710CE7}" type="datetimeFigureOut">
               <a:rPr lang="en-GB" smtClean="0"/>
-              <a:t>19/01/2021</a:t>
+              <a:t>21/01/2021</a:t>
             </a:fld>
             <a:endParaRPr lang="en-GB"/>
           </a:p>
@@ -215,8 +215,8 @@
         </p:nvSpPr>
         <p:spPr>
           <a:xfrm>
-            <a:off x="685800" y="1143000"/>
-            <a:ext cx="5486400" cy="3086100"/>
+            <a:off x="214313" y="1143000"/>
+            <a:ext cx="6429375" cy="3086100"/>
           </a:xfrm>
           <a:prstGeom prst="rect">
             <a:avLst/>
@@ -491,7 +491,12 @@
             <p:ph type="sldImg"/>
           </p:nvPr>
         </p:nvSpPr>
-        <p:spPr/>
+        <p:spPr>
+          <a:xfrm>
+            <a:off x="214313" y="1143000"/>
+            <a:ext cx="6429375" cy="3086100"/>
+          </a:xfrm>
+        </p:spPr>
       </p:sp>
       <p:sp>
         <p:nvSpPr>
@@ -567,13 +572,7 @@
       </p:grpSpPr>
       <p:sp>
         <p:nvSpPr>
-          <p:cNvPr id="2" name="Title 1">
-            <a:extLst>
-              <a:ext uri="{FF2B5EF4-FFF2-40B4-BE49-F238E27FC236}">
-                <a16:creationId xmlns:a16="http://schemas.microsoft.com/office/drawing/2014/main" id="{E012E042-8EC7-BC43-8F5A-C5AE2503F3EF}"/>
-              </a:ext>
-            </a:extLst>
-          </p:cNvPr>
+          <p:cNvPr id="2" name="Title 1"/>
           <p:cNvSpPr>
             <a:spLocks noGrp="1"/>
           </p:cNvSpPr>
@@ -583,15 +582,15 @@
         </p:nvSpPr>
         <p:spPr>
           <a:xfrm>
-            <a:off x="1524000" y="1122363"/>
-            <a:ext cx="9144000" cy="2387600"/>
+            <a:off x="1124942" y="706933"/>
+            <a:ext cx="6749654" cy="1503857"/>
           </a:xfrm>
         </p:spPr>
         <p:txBody>
           <a:bodyPr anchor="b"/>
           <a:lstStyle>
             <a:lvl1pPr algn="ctr">
-              <a:defRPr sz="6000"/>
+              <a:defRPr sz="3779"/>
             </a:lvl1pPr>
           </a:lstStyle>
           <a:p>
@@ -599,18 +598,13 @@
               <a:rPr lang="en-GB"/>
               <a:t>Click to edit Master title style</a:t>
             </a:r>
-          </a:p>
-        </p:txBody>
-      </p:sp>
-      <p:sp>
-        <p:nvSpPr>
-          <p:cNvPr id="3" name="Subtitle 2">
-            <a:extLst>
-              <a:ext uri="{FF2B5EF4-FFF2-40B4-BE49-F238E27FC236}">
-                <a16:creationId xmlns:a16="http://schemas.microsoft.com/office/drawing/2014/main" id="{AEDC1110-C2D1-984D-82AF-A470399BB938}"/>
-              </a:ext>
-            </a:extLst>
-          </p:cNvPr>
+            <a:endParaRPr lang="en-US" dirty="0"/>
+          </a:p>
+        </p:txBody>
+      </p:sp>
+      <p:sp>
+        <p:nvSpPr>
+          <p:cNvPr id="3" name="Subtitle 2"/>
           <p:cNvSpPr>
             <a:spLocks noGrp="1"/>
           </p:cNvSpPr>
@@ -620,8 +614,8 @@
         </p:nvSpPr>
         <p:spPr>
           <a:xfrm>
-            <a:off x="1524000" y="3602038"/>
-            <a:ext cx="9144000" cy="1655762"/>
+            <a:off x="1124942" y="2268784"/>
+            <a:ext cx="6749654" cy="1042900"/>
           </a:xfrm>
         </p:spPr>
         <p:txBody>
@@ -629,39 +623,39 @@
           <a:lstStyle>
             <a:lvl1pPr marL="0" indent="0" algn="ctr">
               <a:buNone/>
-              <a:defRPr sz="2400"/>
+              <a:defRPr sz="1512"/>
             </a:lvl1pPr>
-            <a:lvl2pPr marL="457200" indent="0" algn="ctr">
-              <a:buNone/>
-              <a:defRPr sz="2000"/>
+            <a:lvl2pPr marL="287990" indent="0" algn="ctr">
+              <a:buNone/>
+              <a:defRPr sz="1260"/>
             </a:lvl2pPr>
-            <a:lvl3pPr marL="914400" indent="0" algn="ctr">
-              <a:buNone/>
-              <a:defRPr sz="1800"/>
+            <a:lvl3pPr marL="575981" indent="0" algn="ctr">
+              <a:buNone/>
+              <a:defRPr sz="1134"/>
             </a:lvl3pPr>
-            <a:lvl4pPr marL="1371600" indent="0" algn="ctr">
-              <a:buNone/>
-              <a:defRPr sz="1600"/>
+            <a:lvl4pPr marL="863971" indent="0" algn="ctr">
+              <a:buNone/>
+              <a:defRPr sz="1008"/>
             </a:lvl4pPr>
-            <a:lvl5pPr marL="1828800" indent="0" algn="ctr">
-              <a:buNone/>
-              <a:defRPr sz="1600"/>
+            <a:lvl5pPr marL="1151961" indent="0" algn="ctr">
+              <a:buNone/>
+              <a:defRPr sz="1008"/>
             </a:lvl5pPr>
-            <a:lvl6pPr marL="2286000" indent="0" algn="ctr">
-              <a:buNone/>
-              <a:defRPr sz="1600"/>
+            <a:lvl6pPr marL="1439951" indent="0" algn="ctr">
+              <a:buNone/>
+              <a:defRPr sz="1008"/>
             </a:lvl6pPr>
-            <a:lvl7pPr marL="2743200" indent="0" algn="ctr">
-              <a:buNone/>
-              <a:defRPr sz="1600"/>
+            <a:lvl7pPr marL="1727942" indent="0" algn="ctr">
+              <a:buNone/>
+              <a:defRPr sz="1008"/>
             </a:lvl7pPr>
-            <a:lvl8pPr marL="3200400" indent="0" algn="ctr">
-              <a:buNone/>
-              <a:defRPr sz="1600"/>
+            <a:lvl8pPr marL="2015932" indent="0" algn="ctr">
+              <a:buNone/>
+              <a:defRPr sz="1008"/>
             </a:lvl8pPr>
-            <a:lvl9pPr marL="3657600" indent="0" algn="ctr">
-              <a:buNone/>
-              <a:defRPr sz="1600"/>
+            <a:lvl9pPr marL="2303922" indent="0" algn="ctr">
+              <a:buNone/>
+              <a:defRPr sz="1008"/>
             </a:lvl9pPr>
           </a:lstStyle>
           <a:p>
@@ -669,18 +663,13 @@
               <a:rPr lang="en-GB"/>
               <a:t>Click to edit Master subtitle style</a:t>
             </a:r>
-          </a:p>
-        </p:txBody>
-      </p:sp>
-      <p:sp>
-        <p:nvSpPr>
-          <p:cNvPr id="4" name="Date Placeholder 3">
-            <a:extLst>
-              <a:ext uri="{FF2B5EF4-FFF2-40B4-BE49-F238E27FC236}">
-                <a16:creationId xmlns:a16="http://schemas.microsoft.com/office/drawing/2014/main" id="{A791FF1D-75E6-B144-99D8-7B78C640F645}"/>
-              </a:ext>
-            </a:extLst>
-          </p:cNvPr>
+            <a:endParaRPr lang="en-US" dirty="0"/>
+          </a:p>
+        </p:txBody>
+      </p:sp>
+      <p:sp>
+        <p:nvSpPr>
+          <p:cNvPr id="4" name="Date Placeholder 3"/>
           <p:cNvSpPr>
             <a:spLocks noGrp="1"/>
           </p:cNvSpPr>
@@ -695,7 +684,7 @@
           <a:p>
             <a:fld id="{70A666A6-2FAB-D348-B19D-8A510A298A73}" type="datetimeFigureOut">
               <a:rPr lang="en-GB" smtClean="0"/>
-              <a:t>19/01/2021</a:t>
+              <a:t>21/01/2021</a:t>
             </a:fld>
             <a:endParaRPr lang="en-GB"/>
           </a:p>
@@ -703,13 +692,7 @@
       </p:sp>
       <p:sp>
         <p:nvSpPr>
-          <p:cNvPr id="5" name="Footer Placeholder 4">
-            <a:extLst>
-              <a:ext uri="{FF2B5EF4-FFF2-40B4-BE49-F238E27FC236}">
-                <a16:creationId xmlns:a16="http://schemas.microsoft.com/office/drawing/2014/main" id="{D6F5009B-A2E7-274B-B1E7-9799C8C5AE25}"/>
-              </a:ext>
-            </a:extLst>
-          </p:cNvPr>
+          <p:cNvPr id="5" name="Footer Placeholder 4"/>
           <p:cNvSpPr>
             <a:spLocks noGrp="1"/>
           </p:cNvSpPr>
@@ -728,13 +711,7 @@
       </p:sp>
       <p:sp>
         <p:nvSpPr>
-          <p:cNvPr id="6" name="Slide Number Placeholder 5">
-            <a:extLst>
-              <a:ext uri="{FF2B5EF4-FFF2-40B4-BE49-F238E27FC236}">
-                <a16:creationId xmlns:a16="http://schemas.microsoft.com/office/drawing/2014/main" id="{5C376CC7-6166-2541-988C-5FE3B1EE65AB}"/>
-              </a:ext>
-            </a:extLst>
-          </p:cNvPr>
+          <p:cNvPr id="6" name="Slide Number Placeholder 5"/>
           <p:cNvSpPr>
             <a:spLocks noGrp="1"/>
           </p:cNvSpPr>
@@ -758,7 +735,7 @@
     </p:spTree>
     <p:extLst>
       <p:ext uri="{BB962C8B-B14F-4D97-AF65-F5344CB8AC3E}">
-        <p14:creationId xmlns:p14="http://schemas.microsoft.com/office/powerpoint/2010/main" val="2602972317"/>
+        <p14:creationId xmlns:p14="http://schemas.microsoft.com/office/powerpoint/2010/main" val="3805618612"/>
       </p:ext>
     </p:extLst>
   </p:cSld>
@@ -787,13 +764,7 @@
       </p:grpSpPr>
       <p:sp>
         <p:nvSpPr>
-          <p:cNvPr id="2" name="Title 1">
-            <a:extLst>
-              <a:ext uri="{FF2B5EF4-FFF2-40B4-BE49-F238E27FC236}">
-                <a16:creationId xmlns:a16="http://schemas.microsoft.com/office/drawing/2014/main" id="{8E039A7C-D1BE-C944-B902-4628A939535C}"/>
-              </a:ext>
-            </a:extLst>
-          </p:cNvPr>
+          <p:cNvPr id="2" name="Title 1"/>
           <p:cNvSpPr>
             <a:spLocks noGrp="1"/>
           </p:cNvSpPr>
@@ -810,18 +781,13 @@
               <a:rPr lang="en-GB"/>
               <a:t>Click to edit Master title style</a:t>
             </a:r>
-          </a:p>
-        </p:txBody>
-      </p:sp>
-      <p:sp>
-        <p:nvSpPr>
-          <p:cNvPr id="3" name="Vertical Text Placeholder 2">
-            <a:extLst>
-              <a:ext uri="{FF2B5EF4-FFF2-40B4-BE49-F238E27FC236}">
-                <a16:creationId xmlns:a16="http://schemas.microsoft.com/office/drawing/2014/main" id="{20D2BA8B-33F3-4F4A-A81E-1A2FEBC5F042}"/>
-              </a:ext>
-            </a:extLst>
-          </p:cNvPr>
+            <a:endParaRPr lang="en-US" dirty="0"/>
+          </a:p>
+        </p:txBody>
+      </p:sp>
+      <p:sp>
+        <p:nvSpPr>
+          <p:cNvPr id="3" name="Vertical Text Placeholder 2"/>
           <p:cNvSpPr>
             <a:spLocks noGrp="1"/>
           </p:cNvSpPr>
@@ -867,18 +833,13 @@
               <a:rPr lang="en-GB"/>
               <a:t>Fifth level</a:t>
             </a:r>
-          </a:p>
-        </p:txBody>
-      </p:sp>
-      <p:sp>
-        <p:nvSpPr>
-          <p:cNvPr id="4" name="Date Placeholder 3">
-            <a:extLst>
-              <a:ext uri="{FF2B5EF4-FFF2-40B4-BE49-F238E27FC236}">
-                <a16:creationId xmlns:a16="http://schemas.microsoft.com/office/drawing/2014/main" id="{A74D7A46-4640-494E-8E13-2DDF063E945A}"/>
-              </a:ext>
-            </a:extLst>
-          </p:cNvPr>
+            <a:endParaRPr lang="en-US" dirty="0"/>
+          </a:p>
+        </p:txBody>
+      </p:sp>
+      <p:sp>
+        <p:nvSpPr>
+          <p:cNvPr id="4" name="Date Placeholder 3"/>
           <p:cNvSpPr>
             <a:spLocks noGrp="1"/>
           </p:cNvSpPr>
@@ -893,7 +854,7 @@
           <a:p>
             <a:fld id="{70A666A6-2FAB-D348-B19D-8A510A298A73}" type="datetimeFigureOut">
               <a:rPr lang="en-GB" smtClean="0"/>
-              <a:t>19/01/2021</a:t>
+              <a:t>21/01/2021</a:t>
             </a:fld>
             <a:endParaRPr lang="en-GB"/>
           </a:p>
@@ -901,13 +862,7 @@
       </p:sp>
       <p:sp>
         <p:nvSpPr>
-          <p:cNvPr id="5" name="Footer Placeholder 4">
-            <a:extLst>
-              <a:ext uri="{FF2B5EF4-FFF2-40B4-BE49-F238E27FC236}">
-                <a16:creationId xmlns:a16="http://schemas.microsoft.com/office/drawing/2014/main" id="{8B4B4A6B-AA3C-244E-8124-B8EE2D04A9D3}"/>
-              </a:ext>
-            </a:extLst>
-          </p:cNvPr>
+          <p:cNvPr id="5" name="Footer Placeholder 4"/>
           <p:cNvSpPr>
             <a:spLocks noGrp="1"/>
           </p:cNvSpPr>
@@ -926,13 +881,7 @@
       </p:sp>
       <p:sp>
         <p:nvSpPr>
-          <p:cNvPr id="6" name="Slide Number Placeholder 5">
-            <a:extLst>
-              <a:ext uri="{FF2B5EF4-FFF2-40B4-BE49-F238E27FC236}">
-                <a16:creationId xmlns:a16="http://schemas.microsoft.com/office/drawing/2014/main" id="{84655323-3ECB-2747-B3A0-0BCDBD182A8E}"/>
-              </a:ext>
-            </a:extLst>
-          </p:cNvPr>
+          <p:cNvPr id="6" name="Slide Number Placeholder 5"/>
           <p:cNvSpPr>
             <a:spLocks noGrp="1"/>
           </p:cNvSpPr>
@@ -956,7 +905,7 @@
     </p:spTree>
     <p:extLst>
       <p:ext uri="{BB962C8B-B14F-4D97-AF65-F5344CB8AC3E}">
-        <p14:creationId xmlns:p14="http://schemas.microsoft.com/office/powerpoint/2010/main" val="2923856986"/>
+        <p14:creationId xmlns:p14="http://schemas.microsoft.com/office/powerpoint/2010/main" val="664478154"/>
       </p:ext>
     </p:extLst>
   </p:cSld>
@@ -985,13 +934,7 @@
       </p:grpSpPr>
       <p:sp>
         <p:nvSpPr>
-          <p:cNvPr id="2" name="Vertical Title 1">
-            <a:extLst>
-              <a:ext uri="{FF2B5EF4-FFF2-40B4-BE49-F238E27FC236}">
-                <a16:creationId xmlns:a16="http://schemas.microsoft.com/office/drawing/2014/main" id="{B6344D9D-1D0B-C040-9588-3D544305DC75}"/>
-              </a:ext>
-            </a:extLst>
-          </p:cNvPr>
+          <p:cNvPr id="2" name="Vertical Title 1"/>
           <p:cNvSpPr>
             <a:spLocks noGrp="1"/>
           </p:cNvSpPr>
@@ -1001,8 +944,8 @@
         </p:nvSpPr>
         <p:spPr>
           <a:xfrm>
-            <a:off x="8724900" y="365125"/>
-            <a:ext cx="2628900" cy="5811838"/>
+            <a:off x="6440295" y="229978"/>
+            <a:ext cx="1940525" cy="3660651"/>
           </a:xfrm>
         </p:spPr>
         <p:txBody>
@@ -1013,18 +956,13 @@
               <a:rPr lang="en-GB"/>
               <a:t>Click to edit Master title style</a:t>
             </a:r>
-          </a:p>
-        </p:txBody>
-      </p:sp>
-      <p:sp>
-        <p:nvSpPr>
-          <p:cNvPr id="3" name="Vertical Text Placeholder 2">
-            <a:extLst>
-              <a:ext uri="{FF2B5EF4-FFF2-40B4-BE49-F238E27FC236}">
-                <a16:creationId xmlns:a16="http://schemas.microsoft.com/office/drawing/2014/main" id="{24937346-C034-9E46-89A5-D3A959C6BC89}"/>
-              </a:ext>
-            </a:extLst>
-          </p:cNvPr>
+            <a:endParaRPr lang="en-US" dirty="0"/>
+          </a:p>
+        </p:txBody>
+      </p:sp>
+      <p:sp>
+        <p:nvSpPr>
+          <p:cNvPr id="3" name="Vertical Text Placeholder 2"/>
           <p:cNvSpPr>
             <a:spLocks noGrp="1"/>
           </p:cNvSpPr>
@@ -1034,8 +972,8 @@
         </p:nvSpPr>
         <p:spPr>
           <a:xfrm>
-            <a:off x="838200" y="365125"/>
-            <a:ext cx="7734300" cy="5811838"/>
+            <a:off x="618718" y="229978"/>
+            <a:ext cx="5709082" cy="3660651"/>
           </a:xfrm>
         </p:spPr>
         <p:txBody>
@@ -1075,18 +1013,13 @@
               <a:rPr lang="en-GB"/>
               <a:t>Fifth level</a:t>
             </a:r>
-          </a:p>
-        </p:txBody>
-      </p:sp>
-      <p:sp>
-        <p:nvSpPr>
-          <p:cNvPr id="4" name="Date Placeholder 3">
-            <a:extLst>
-              <a:ext uri="{FF2B5EF4-FFF2-40B4-BE49-F238E27FC236}">
-                <a16:creationId xmlns:a16="http://schemas.microsoft.com/office/drawing/2014/main" id="{960E6C03-648A-9C49-8EAF-AF480769DD1F}"/>
-              </a:ext>
-            </a:extLst>
-          </p:cNvPr>
+            <a:endParaRPr lang="en-US" dirty="0"/>
+          </a:p>
+        </p:txBody>
+      </p:sp>
+      <p:sp>
+        <p:nvSpPr>
+          <p:cNvPr id="4" name="Date Placeholder 3"/>
           <p:cNvSpPr>
             <a:spLocks noGrp="1"/>
           </p:cNvSpPr>
@@ -1101,7 +1034,7 @@
           <a:p>
             <a:fld id="{70A666A6-2FAB-D348-B19D-8A510A298A73}" type="datetimeFigureOut">
               <a:rPr lang="en-GB" smtClean="0"/>
-              <a:t>19/01/2021</a:t>
+              <a:t>21/01/2021</a:t>
             </a:fld>
             <a:endParaRPr lang="en-GB"/>
           </a:p>
@@ -1109,13 +1042,7 @@
       </p:sp>
       <p:sp>
         <p:nvSpPr>
-          <p:cNvPr id="5" name="Footer Placeholder 4">
-            <a:extLst>
-              <a:ext uri="{FF2B5EF4-FFF2-40B4-BE49-F238E27FC236}">
-                <a16:creationId xmlns:a16="http://schemas.microsoft.com/office/drawing/2014/main" id="{D8A0067D-0BA1-9347-B22C-506B3109E6B8}"/>
-              </a:ext>
-            </a:extLst>
-          </p:cNvPr>
+          <p:cNvPr id="5" name="Footer Placeholder 4"/>
           <p:cNvSpPr>
             <a:spLocks noGrp="1"/>
           </p:cNvSpPr>
@@ -1134,13 +1061,7 @@
       </p:sp>
       <p:sp>
         <p:nvSpPr>
-          <p:cNvPr id="6" name="Slide Number Placeholder 5">
-            <a:extLst>
-              <a:ext uri="{FF2B5EF4-FFF2-40B4-BE49-F238E27FC236}">
-                <a16:creationId xmlns:a16="http://schemas.microsoft.com/office/drawing/2014/main" id="{9ECAB1B8-74DF-8749-BA36-F57030608154}"/>
-              </a:ext>
-            </a:extLst>
-          </p:cNvPr>
+          <p:cNvPr id="6" name="Slide Number Placeholder 5"/>
           <p:cNvSpPr>
             <a:spLocks noGrp="1"/>
           </p:cNvSpPr>
@@ -1164,7 +1085,7 @@
     </p:spTree>
     <p:extLst>
       <p:ext uri="{BB962C8B-B14F-4D97-AF65-F5344CB8AC3E}">
-        <p14:creationId xmlns:p14="http://schemas.microsoft.com/office/powerpoint/2010/main" val="555375271"/>
+        <p14:creationId xmlns:p14="http://schemas.microsoft.com/office/powerpoint/2010/main" val="2677667442"/>
       </p:ext>
     </p:extLst>
   </p:cSld>
@@ -1193,13 +1114,7 @@
       </p:grpSpPr>
       <p:sp>
         <p:nvSpPr>
-          <p:cNvPr id="2" name="Title 1">
-            <a:extLst>
-              <a:ext uri="{FF2B5EF4-FFF2-40B4-BE49-F238E27FC236}">
-                <a16:creationId xmlns:a16="http://schemas.microsoft.com/office/drawing/2014/main" id="{E00CBB60-BB1D-524A-AF2F-0E93D4F9E91A}"/>
-              </a:ext>
-            </a:extLst>
-          </p:cNvPr>
+          <p:cNvPr id="2" name="Title 1"/>
           <p:cNvSpPr>
             <a:spLocks noGrp="1"/>
           </p:cNvSpPr>
@@ -1216,18 +1131,13 @@
               <a:rPr lang="en-GB"/>
               <a:t>Click to edit Master title style</a:t>
             </a:r>
-          </a:p>
-        </p:txBody>
-      </p:sp>
-      <p:sp>
-        <p:nvSpPr>
-          <p:cNvPr id="3" name="Content Placeholder 2">
-            <a:extLst>
-              <a:ext uri="{FF2B5EF4-FFF2-40B4-BE49-F238E27FC236}">
-                <a16:creationId xmlns:a16="http://schemas.microsoft.com/office/drawing/2014/main" id="{BE9B40DC-1F93-E742-933C-411FCBDB27A4}"/>
-              </a:ext>
-            </a:extLst>
-          </p:cNvPr>
+            <a:endParaRPr lang="en-US" dirty="0"/>
+          </a:p>
+        </p:txBody>
+      </p:sp>
+      <p:sp>
+        <p:nvSpPr>
+          <p:cNvPr id="3" name="Content Placeholder 2"/>
           <p:cNvSpPr>
             <a:spLocks noGrp="1"/>
           </p:cNvSpPr>
@@ -1273,18 +1183,13 @@
               <a:rPr lang="en-GB"/>
               <a:t>Fifth level</a:t>
             </a:r>
-          </a:p>
-        </p:txBody>
-      </p:sp>
-      <p:sp>
-        <p:nvSpPr>
-          <p:cNvPr id="4" name="Date Placeholder 3">
-            <a:extLst>
-              <a:ext uri="{FF2B5EF4-FFF2-40B4-BE49-F238E27FC236}">
-                <a16:creationId xmlns:a16="http://schemas.microsoft.com/office/drawing/2014/main" id="{EC54A05E-5BFD-6149-9D6D-0B9B4A7FF2AE}"/>
-              </a:ext>
-            </a:extLst>
-          </p:cNvPr>
+            <a:endParaRPr lang="en-US" dirty="0"/>
+          </a:p>
+        </p:txBody>
+      </p:sp>
+      <p:sp>
+        <p:nvSpPr>
+          <p:cNvPr id="4" name="Date Placeholder 3"/>
           <p:cNvSpPr>
             <a:spLocks noGrp="1"/>
           </p:cNvSpPr>
@@ -1299,7 +1204,7 @@
           <a:p>
             <a:fld id="{70A666A6-2FAB-D348-B19D-8A510A298A73}" type="datetimeFigureOut">
               <a:rPr lang="en-GB" smtClean="0"/>
-              <a:t>19/01/2021</a:t>
+              <a:t>21/01/2021</a:t>
             </a:fld>
             <a:endParaRPr lang="en-GB"/>
           </a:p>
@@ -1307,13 +1212,7 @@
       </p:sp>
       <p:sp>
         <p:nvSpPr>
-          <p:cNvPr id="5" name="Footer Placeholder 4">
-            <a:extLst>
-              <a:ext uri="{FF2B5EF4-FFF2-40B4-BE49-F238E27FC236}">
-                <a16:creationId xmlns:a16="http://schemas.microsoft.com/office/drawing/2014/main" id="{0E6305FC-D7ED-F143-A304-EE3B3940D731}"/>
-              </a:ext>
-            </a:extLst>
-          </p:cNvPr>
+          <p:cNvPr id="5" name="Footer Placeholder 4"/>
           <p:cNvSpPr>
             <a:spLocks noGrp="1"/>
           </p:cNvSpPr>
@@ -1332,13 +1231,7 @@
       </p:sp>
       <p:sp>
         <p:nvSpPr>
-          <p:cNvPr id="6" name="Slide Number Placeholder 5">
-            <a:extLst>
-              <a:ext uri="{FF2B5EF4-FFF2-40B4-BE49-F238E27FC236}">
-                <a16:creationId xmlns:a16="http://schemas.microsoft.com/office/drawing/2014/main" id="{C6D225B3-BAA2-A04C-8DB5-A797481EBEF5}"/>
-              </a:ext>
-            </a:extLst>
-          </p:cNvPr>
+          <p:cNvPr id="6" name="Slide Number Placeholder 5"/>
           <p:cNvSpPr>
             <a:spLocks noGrp="1"/>
           </p:cNvSpPr>
@@ -1362,7 +1255,7 @@
     </p:spTree>
     <p:extLst>
       <p:ext uri="{BB962C8B-B14F-4D97-AF65-F5344CB8AC3E}">
-        <p14:creationId xmlns:p14="http://schemas.microsoft.com/office/powerpoint/2010/main" val="1844839363"/>
+        <p14:creationId xmlns:p14="http://schemas.microsoft.com/office/powerpoint/2010/main" val="3883254133"/>
       </p:ext>
     </p:extLst>
   </p:cSld>
@@ -1391,13 +1284,7 @@
       </p:grpSpPr>
       <p:sp>
         <p:nvSpPr>
-          <p:cNvPr id="2" name="Title 1">
-            <a:extLst>
-              <a:ext uri="{FF2B5EF4-FFF2-40B4-BE49-F238E27FC236}">
-                <a16:creationId xmlns:a16="http://schemas.microsoft.com/office/drawing/2014/main" id="{A9E40EAF-2E7A-7A4D-9125-31F8CB46D692}"/>
-              </a:ext>
-            </a:extLst>
-          </p:cNvPr>
+          <p:cNvPr id="2" name="Title 1"/>
           <p:cNvSpPr>
             <a:spLocks noGrp="1"/>
           </p:cNvSpPr>
@@ -1407,15 +1294,15 @@
         </p:nvSpPr>
         <p:spPr>
           <a:xfrm>
-            <a:off x="831850" y="1709738"/>
-            <a:ext cx="10515600" cy="2852737"/>
+            <a:off x="614031" y="1076898"/>
+            <a:ext cx="7762102" cy="1796828"/>
           </a:xfrm>
         </p:spPr>
         <p:txBody>
           <a:bodyPr anchor="b"/>
           <a:lstStyle>
             <a:lvl1pPr>
-              <a:defRPr sz="6000"/>
+              <a:defRPr sz="3779"/>
             </a:lvl1pPr>
           </a:lstStyle>
           <a:p>
@@ -1423,18 +1310,13 @@
               <a:rPr lang="en-GB"/>
               <a:t>Click to edit Master title style</a:t>
             </a:r>
-          </a:p>
-        </p:txBody>
-      </p:sp>
-      <p:sp>
-        <p:nvSpPr>
-          <p:cNvPr id="3" name="Text Placeholder 2">
-            <a:extLst>
-              <a:ext uri="{FF2B5EF4-FFF2-40B4-BE49-F238E27FC236}">
-                <a16:creationId xmlns:a16="http://schemas.microsoft.com/office/drawing/2014/main" id="{E27D1AED-E1AC-4342-B886-A19B3D70E26C}"/>
-              </a:ext>
-            </a:extLst>
-          </p:cNvPr>
+            <a:endParaRPr lang="en-US" dirty="0"/>
+          </a:p>
+        </p:txBody>
+      </p:sp>
+      <p:sp>
+        <p:nvSpPr>
+          <p:cNvPr id="3" name="Text Placeholder 2"/>
           <p:cNvSpPr>
             <a:spLocks noGrp="1"/>
           </p:cNvSpPr>
@@ -1444,8 +1326,8 @@
         </p:nvSpPr>
         <p:spPr>
           <a:xfrm>
-            <a:off x="831850" y="4589463"/>
-            <a:ext cx="10515600" cy="1500187"/>
+            <a:off x="614031" y="2890725"/>
+            <a:ext cx="7762102" cy="944910"/>
           </a:xfrm>
         </p:spPr>
         <p:txBody>
@@ -1453,7 +1335,7 @@
           <a:lstStyle>
             <a:lvl1pPr marL="0" indent="0">
               <a:buNone/>
-              <a:defRPr sz="2400">
+              <a:defRPr sz="1512">
                 <a:solidFill>
                   <a:schemeClr val="tx1">
                     <a:tint val="75000"/>
@@ -1461,9 +1343,9 @@
                 </a:solidFill>
               </a:defRPr>
             </a:lvl1pPr>
-            <a:lvl2pPr marL="457200" indent="0">
-              <a:buNone/>
-              <a:defRPr sz="2000">
+            <a:lvl2pPr marL="287990" indent="0">
+              <a:buNone/>
+              <a:defRPr sz="1260">
                 <a:solidFill>
                   <a:schemeClr val="tx1">
                     <a:tint val="75000"/>
@@ -1471,9 +1353,9 @@
                 </a:solidFill>
               </a:defRPr>
             </a:lvl2pPr>
-            <a:lvl3pPr marL="914400" indent="0">
-              <a:buNone/>
-              <a:defRPr sz="1800">
+            <a:lvl3pPr marL="575981" indent="0">
+              <a:buNone/>
+              <a:defRPr sz="1134">
                 <a:solidFill>
                   <a:schemeClr val="tx1">
                     <a:tint val="75000"/>
@@ -1481,9 +1363,9 @@
                 </a:solidFill>
               </a:defRPr>
             </a:lvl3pPr>
-            <a:lvl4pPr marL="1371600" indent="0">
-              <a:buNone/>
-              <a:defRPr sz="1600">
+            <a:lvl4pPr marL="863971" indent="0">
+              <a:buNone/>
+              <a:defRPr sz="1008">
                 <a:solidFill>
                   <a:schemeClr val="tx1">
                     <a:tint val="75000"/>
@@ -1491,9 +1373,9 @@
                 </a:solidFill>
               </a:defRPr>
             </a:lvl4pPr>
-            <a:lvl5pPr marL="1828800" indent="0">
-              <a:buNone/>
-              <a:defRPr sz="1600">
+            <a:lvl5pPr marL="1151961" indent="0">
+              <a:buNone/>
+              <a:defRPr sz="1008">
                 <a:solidFill>
                   <a:schemeClr val="tx1">
                     <a:tint val="75000"/>
@@ -1501,9 +1383,9 @@
                 </a:solidFill>
               </a:defRPr>
             </a:lvl5pPr>
-            <a:lvl6pPr marL="2286000" indent="0">
-              <a:buNone/>
-              <a:defRPr sz="1600">
+            <a:lvl6pPr marL="1439951" indent="0">
+              <a:buNone/>
+              <a:defRPr sz="1008">
                 <a:solidFill>
                   <a:schemeClr val="tx1">
                     <a:tint val="75000"/>
@@ -1511,9 +1393,9 @@
                 </a:solidFill>
               </a:defRPr>
             </a:lvl6pPr>
-            <a:lvl7pPr marL="2743200" indent="0">
-              <a:buNone/>
-              <a:defRPr sz="1600">
+            <a:lvl7pPr marL="1727942" indent="0">
+              <a:buNone/>
+              <a:defRPr sz="1008">
                 <a:solidFill>
                   <a:schemeClr val="tx1">
                     <a:tint val="75000"/>
@@ -1521,9 +1403,9 @@
                 </a:solidFill>
               </a:defRPr>
             </a:lvl7pPr>
-            <a:lvl8pPr marL="3200400" indent="0">
-              <a:buNone/>
-              <a:defRPr sz="1600">
+            <a:lvl8pPr marL="2015932" indent="0">
+              <a:buNone/>
+              <a:defRPr sz="1008">
                 <a:solidFill>
                   <a:schemeClr val="tx1">
                     <a:tint val="75000"/>
@@ -1531,9 +1413,9 @@
                 </a:solidFill>
               </a:defRPr>
             </a:lvl8pPr>
-            <a:lvl9pPr marL="3657600" indent="0">
-              <a:buNone/>
-              <a:defRPr sz="1600">
+            <a:lvl9pPr marL="2303922" indent="0">
+              <a:buNone/>
+              <a:defRPr sz="1008">
                 <a:solidFill>
                   <a:schemeClr val="tx1">
                     <a:tint val="75000"/>
@@ -1553,13 +1435,7 @@
       </p:sp>
       <p:sp>
         <p:nvSpPr>
-          <p:cNvPr id="4" name="Date Placeholder 3">
-            <a:extLst>
-              <a:ext uri="{FF2B5EF4-FFF2-40B4-BE49-F238E27FC236}">
-                <a16:creationId xmlns:a16="http://schemas.microsoft.com/office/drawing/2014/main" id="{CD5CDDAB-EF17-2545-8E9A-8547D5DDF92C}"/>
-              </a:ext>
-            </a:extLst>
-          </p:cNvPr>
+          <p:cNvPr id="4" name="Date Placeholder 3"/>
           <p:cNvSpPr>
             <a:spLocks noGrp="1"/>
           </p:cNvSpPr>
@@ -1574,7 +1450,7 @@
           <a:p>
             <a:fld id="{70A666A6-2FAB-D348-B19D-8A510A298A73}" type="datetimeFigureOut">
               <a:rPr lang="en-GB" smtClean="0"/>
-              <a:t>19/01/2021</a:t>
+              <a:t>21/01/2021</a:t>
             </a:fld>
             <a:endParaRPr lang="en-GB"/>
           </a:p>
@@ -1582,13 +1458,7 @@
       </p:sp>
       <p:sp>
         <p:nvSpPr>
-          <p:cNvPr id="5" name="Footer Placeholder 4">
-            <a:extLst>
-              <a:ext uri="{FF2B5EF4-FFF2-40B4-BE49-F238E27FC236}">
-                <a16:creationId xmlns:a16="http://schemas.microsoft.com/office/drawing/2014/main" id="{DD520A6A-8A62-D145-BE52-A6C8C840FCAF}"/>
-              </a:ext>
-            </a:extLst>
-          </p:cNvPr>
+          <p:cNvPr id="5" name="Footer Placeholder 4"/>
           <p:cNvSpPr>
             <a:spLocks noGrp="1"/>
           </p:cNvSpPr>
@@ -1607,13 +1477,7 @@
       </p:sp>
       <p:sp>
         <p:nvSpPr>
-          <p:cNvPr id="6" name="Slide Number Placeholder 5">
-            <a:extLst>
-              <a:ext uri="{FF2B5EF4-FFF2-40B4-BE49-F238E27FC236}">
-                <a16:creationId xmlns:a16="http://schemas.microsoft.com/office/drawing/2014/main" id="{178250ED-B1E7-2646-A704-AB7E21EE8E9F}"/>
-              </a:ext>
-            </a:extLst>
-          </p:cNvPr>
+          <p:cNvPr id="6" name="Slide Number Placeholder 5"/>
           <p:cNvSpPr>
             <a:spLocks noGrp="1"/>
           </p:cNvSpPr>
@@ -1637,7 +1501,7 @@
     </p:spTree>
     <p:extLst>
       <p:ext uri="{BB962C8B-B14F-4D97-AF65-F5344CB8AC3E}">
-        <p14:creationId xmlns:p14="http://schemas.microsoft.com/office/powerpoint/2010/main" val="104118648"/>
+        <p14:creationId xmlns:p14="http://schemas.microsoft.com/office/powerpoint/2010/main" val="1842690330"/>
       </p:ext>
     </p:extLst>
   </p:cSld>
@@ -1666,13 +1530,7 @@
       </p:grpSpPr>
       <p:sp>
         <p:nvSpPr>
-          <p:cNvPr id="2" name="Title 1">
-            <a:extLst>
-              <a:ext uri="{FF2B5EF4-FFF2-40B4-BE49-F238E27FC236}">
-                <a16:creationId xmlns:a16="http://schemas.microsoft.com/office/drawing/2014/main" id="{997CF45D-7E01-CC42-B31C-F94B3E774848}"/>
-              </a:ext>
-            </a:extLst>
-          </p:cNvPr>
+          <p:cNvPr id="2" name="Title 1"/>
           <p:cNvSpPr>
             <a:spLocks noGrp="1"/>
           </p:cNvSpPr>
@@ -1689,18 +1547,13 @@
               <a:rPr lang="en-GB"/>
               <a:t>Click to edit Master title style</a:t>
             </a:r>
-          </a:p>
-        </p:txBody>
-      </p:sp>
-      <p:sp>
-        <p:nvSpPr>
-          <p:cNvPr id="3" name="Content Placeholder 2">
-            <a:extLst>
-              <a:ext uri="{FF2B5EF4-FFF2-40B4-BE49-F238E27FC236}">
-                <a16:creationId xmlns:a16="http://schemas.microsoft.com/office/drawing/2014/main" id="{853A7915-A18B-3940-98A9-CBC04FB93A6C}"/>
-              </a:ext>
-            </a:extLst>
-          </p:cNvPr>
+            <a:endParaRPr lang="en-US" dirty="0"/>
+          </a:p>
+        </p:txBody>
+      </p:sp>
+      <p:sp>
+        <p:nvSpPr>
+          <p:cNvPr id="3" name="Content Placeholder 2"/>
           <p:cNvSpPr>
             <a:spLocks noGrp="1"/>
           </p:cNvSpPr>
@@ -1710,8 +1563,8 @@
         </p:nvSpPr>
         <p:spPr>
           <a:xfrm>
-            <a:off x="838200" y="1825625"/>
-            <a:ext cx="5181600" cy="4351338"/>
+            <a:off x="618718" y="1149890"/>
+            <a:ext cx="3824804" cy="2740739"/>
           </a:xfrm>
         </p:spPr>
         <p:txBody>
@@ -1751,18 +1604,13 @@
               <a:rPr lang="en-GB"/>
               <a:t>Fifth level</a:t>
             </a:r>
-          </a:p>
-        </p:txBody>
-      </p:sp>
-      <p:sp>
-        <p:nvSpPr>
-          <p:cNvPr id="4" name="Content Placeholder 3">
-            <a:extLst>
-              <a:ext uri="{FF2B5EF4-FFF2-40B4-BE49-F238E27FC236}">
-                <a16:creationId xmlns:a16="http://schemas.microsoft.com/office/drawing/2014/main" id="{9D724E6D-9DF0-324A-A2FC-370BD47759D3}"/>
-              </a:ext>
-            </a:extLst>
-          </p:cNvPr>
+            <a:endParaRPr lang="en-US" dirty="0"/>
+          </a:p>
+        </p:txBody>
+      </p:sp>
+      <p:sp>
+        <p:nvSpPr>
+          <p:cNvPr id="4" name="Content Placeholder 3"/>
           <p:cNvSpPr>
             <a:spLocks noGrp="1"/>
           </p:cNvSpPr>
@@ -1772,8 +1620,8 @@
         </p:nvSpPr>
         <p:spPr>
           <a:xfrm>
-            <a:off x="6172200" y="1825625"/>
-            <a:ext cx="5181600" cy="4351338"/>
+            <a:off x="4556016" y="1149890"/>
+            <a:ext cx="3824804" cy="2740739"/>
           </a:xfrm>
         </p:spPr>
         <p:txBody>
@@ -1813,18 +1661,13 @@
               <a:rPr lang="en-GB"/>
               <a:t>Fifth level</a:t>
             </a:r>
-          </a:p>
-        </p:txBody>
-      </p:sp>
-      <p:sp>
-        <p:nvSpPr>
-          <p:cNvPr id="5" name="Date Placeholder 4">
-            <a:extLst>
-              <a:ext uri="{FF2B5EF4-FFF2-40B4-BE49-F238E27FC236}">
-                <a16:creationId xmlns:a16="http://schemas.microsoft.com/office/drawing/2014/main" id="{01EDB77F-3D4E-A640-9DDA-A1F1CCB62B9C}"/>
-              </a:ext>
-            </a:extLst>
-          </p:cNvPr>
+            <a:endParaRPr lang="en-US" dirty="0"/>
+          </a:p>
+        </p:txBody>
+      </p:sp>
+      <p:sp>
+        <p:nvSpPr>
+          <p:cNvPr id="5" name="Date Placeholder 4"/>
           <p:cNvSpPr>
             <a:spLocks noGrp="1"/>
           </p:cNvSpPr>
@@ -1839,7 +1682,7 @@
           <a:p>
             <a:fld id="{70A666A6-2FAB-D348-B19D-8A510A298A73}" type="datetimeFigureOut">
               <a:rPr lang="en-GB" smtClean="0"/>
-              <a:t>19/01/2021</a:t>
+              <a:t>21/01/2021</a:t>
             </a:fld>
             <a:endParaRPr lang="en-GB"/>
           </a:p>
@@ -1847,13 +1690,7 @@
       </p:sp>
       <p:sp>
         <p:nvSpPr>
-          <p:cNvPr id="6" name="Footer Placeholder 5">
-            <a:extLst>
-              <a:ext uri="{FF2B5EF4-FFF2-40B4-BE49-F238E27FC236}">
-                <a16:creationId xmlns:a16="http://schemas.microsoft.com/office/drawing/2014/main" id="{23BE5F5C-40B0-D74B-AF69-D35E6FE075B7}"/>
-              </a:ext>
-            </a:extLst>
-          </p:cNvPr>
+          <p:cNvPr id="6" name="Footer Placeholder 5"/>
           <p:cNvSpPr>
             <a:spLocks noGrp="1"/>
           </p:cNvSpPr>
@@ -1872,13 +1709,7 @@
       </p:sp>
       <p:sp>
         <p:nvSpPr>
-          <p:cNvPr id="7" name="Slide Number Placeholder 6">
-            <a:extLst>
-              <a:ext uri="{FF2B5EF4-FFF2-40B4-BE49-F238E27FC236}">
-                <a16:creationId xmlns:a16="http://schemas.microsoft.com/office/drawing/2014/main" id="{DFE68A6C-4C74-A243-8E83-439A2826B985}"/>
-              </a:ext>
-            </a:extLst>
-          </p:cNvPr>
+          <p:cNvPr id="7" name="Slide Number Placeholder 6"/>
           <p:cNvSpPr>
             <a:spLocks noGrp="1"/>
           </p:cNvSpPr>
@@ -1902,7 +1733,7 @@
     </p:spTree>
     <p:extLst>
       <p:ext uri="{BB962C8B-B14F-4D97-AF65-F5344CB8AC3E}">
-        <p14:creationId xmlns:p14="http://schemas.microsoft.com/office/powerpoint/2010/main" val="2133109105"/>
+        <p14:creationId xmlns:p14="http://schemas.microsoft.com/office/powerpoint/2010/main" val="1039243573"/>
       </p:ext>
     </p:extLst>
   </p:cSld>
@@ -1931,13 +1762,7 @@
       </p:grpSpPr>
       <p:sp>
         <p:nvSpPr>
-          <p:cNvPr id="2" name="Title 1">
-            <a:extLst>
-              <a:ext uri="{FF2B5EF4-FFF2-40B4-BE49-F238E27FC236}">
-                <a16:creationId xmlns:a16="http://schemas.microsoft.com/office/drawing/2014/main" id="{03321161-DEF7-B042-9D2B-0A4E030E714A}"/>
-              </a:ext>
-            </a:extLst>
-          </p:cNvPr>
+          <p:cNvPr id="2" name="Title 1"/>
           <p:cNvSpPr>
             <a:spLocks noGrp="1"/>
           </p:cNvSpPr>
@@ -1947,8 +1772,8 @@
         </p:nvSpPr>
         <p:spPr>
           <a:xfrm>
-            <a:off x="839788" y="365125"/>
-            <a:ext cx="10515600" cy="1325563"/>
+            <a:off x="619890" y="229978"/>
+            <a:ext cx="7762102" cy="834921"/>
           </a:xfrm>
         </p:spPr>
         <p:txBody>
@@ -1959,18 +1784,13 @@
               <a:rPr lang="en-GB"/>
               <a:t>Click to edit Master title style</a:t>
             </a:r>
-          </a:p>
-        </p:txBody>
-      </p:sp>
-      <p:sp>
-        <p:nvSpPr>
-          <p:cNvPr id="3" name="Text Placeholder 2">
-            <a:extLst>
-              <a:ext uri="{FF2B5EF4-FFF2-40B4-BE49-F238E27FC236}">
-                <a16:creationId xmlns:a16="http://schemas.microsoft.com/office/drawing/2014/main" id="{BD7D900E-DB01-7547-B538-C7996DEA8E91}"/>
-              </a:ext>
-            </a:extLst>
-          </p:cNvPr>
+            <a:endParaRPr lang="en-US" dirty="0"/>
+          </a:p>
+        </p:txBody>
+      </p:sp>
+      <p:sp>
+        <p:nvSpPr>
+          <p:cNvPr id="3" name="Text Placeholder 2"/>
           <p:cNvSpPr>
             <a:spLocks noGrp="1"/>
           </p:cNvSpPr>
@@ -1980,8 +1800,8 @@
         </p:nvSpPr>
         <p:spPr>
           <a:xfrm>
-            <a:off x="839788" y="1681163"/>
-            <a:ext cx="5157787" cy="823912"/>
+            <a:off x="619891" y="1058899"/>
+            <a:ext cx="3807226" cy="518950"/>
           </a:xfrm>
         </p:spPr>
         <p:txBody>
@@ -1989,39 +1809,39 @@
           <a:lstStyle>
             <a:lvl1pPr marL="0" indent="0">
               <a:buNone/>
-              <a:defRPr sz="2400" b="1"/>
+              <a:defRPr sz="1512" b="1"/>
             </a:lvl1pPr>
-            <a:lvl2pPr marL="457200" indent="0">
-              <a:buNone/>
-              <a:defRPr sz="2000" b="1"/>
+            <a:lvl2pPr marL="287990" indent="0">
+              <a:buNone/>
+              <a:defRPr sz="1260" b="1"/>
             </a:lvl2pPr>
-            <a:lvl3pPr marL="914400" indent="0">
-              <a:buNone/>
-              <a:defRPr sz="1800" b="1"/>
+            <a:lvl3pPr marL="575981" indent="0">
+              <a:buNone/>
+              <a:defRPr sz="1134" b="1"/>
             </a:lvl3pPr>
-            <a:lvl4pPr marL="1371600" indent="0">
-              <a:buNone/>
-              <a:defRPr sz="1600" b="1"/>
+            <a:lvl4pPr marL="863971" indent="0">
+              <a:buNone/>
+              <a:defRPr sz="1008" b="1"/>
             </a:lvl4pPr>
-            <a:lvl5pPr marL="1828800" indent="0">
-              <a:buNone/>
-              <a:defRPr sz="1600" b="1"/>
+            <a:lvl5pPr marL="1151961" indent="0">
+              <a:buNone/>
+              <a:defRPr sz="1008" b="1"/>
             </a:lvl5pPr>
-            <a:lvl6pPr marL="2286000" indent="0">
-              <a:buNone/>
-              <a:defRPr sz="1600" b="1"/>
+            <a:lvl6pPr marL="1439951" indent="0">
+              <a:buNone/>
+              <a:defRPr sz="1008" b="1"/>
             </a:lvl6pPr>
-            <a:lvl7pPr marL="2743200" indent="0">
-              <a:buNone/>
-              <a:defRPr sz="1600" b="1"/>
+            <a:lvl7pPr marL="1727942" indent="0">
+              <a:buNone/>
+              <a:defRPr sz="1008" b="1"/>
             </a:lvl7pPr>
-            <a:lvl8pPr marL="3200400" indent="0">
-              <a:buNone/>
-              <a:defRPr sz="1600" b="1"/>
+            <a:lvl8pPr marL="2015932" indent="0">
+              <a:buNone/>
+              <a:defRPr sz="1008" b="1"/>
             </a:lvl8pPr>
-            <a:lvl9pPr marL="3657600" indent="0">
-              <a:buNone/>
-              <a:defRPr sz="1600" b="1"/>
+            <a:lvl9pPr marL="2303922" indent="0">
+              <a:buNone/>
+              <a:defRPr sz="1008" b="1"/>
             </a:lvl9pPr>
           </a:lstStyle>
           <a:p>
@@ -2035,13 +1855,7 @@
       </p:sp>
       <p:sp>
         <p:nvSpPr>
-          <p:cNvPr id="4" name="Content Placeholder 3">
-            <a:extLst>
-              <a:ext uri="{FF2B5EF4-FFF2-40B4-BE49-F238E27FC236}">
-                <a16:creationId xmlns:a16="http://schemas.microsoft.com/office/drawing/2014/main" id="{242BF2C4-0F5B-704B-90AA-2C79A4DA7DD7}"/>
-              </a:ext>
-            </a:extLst>
-          </p:cNvPr>
+          <p:cNvPr id="4" name="Content Placeholder 3"/>
           <p:cNvSpPr>
             <a:spLocks noGrp="1"/>
           </p:cNvSpPr>
@@ -2051,8 +1865,8 @@
         </p:nvSpPr>
         <p:spPr>
           <a:xfrm>
-            <a:off x="839788" y="2505075"/>
-            <a:ext cx="5157787" cy="3684588"/>
+            <a:off x="619891" y="1577849"/>
+            <a:ext cx="3807226" cy="2320779"/>
           </a:xfrm>
         </p:spPr>
         <p:txBody>
@@ -2092,18 +1906,13 @@
               <a:rPr lang="en-GB"/>
               <a:t>Fifth level</a:t>
             </a:r>
-          </a:p>
-        </p:txBody>
-      </p:sp>
-      <p:sp>
-        <p:nvSpPr>
-          <p:cNvPr id="5" name="Text Placeholder 4">
-            <a:extLst>
-              <a:ext uri="{FF2B5EF4-FFF2-40B4-BE49-F238E27FC236}">
-                <a16:creationId xmlns:a16="http://schemas.microsoft.com/office/drawing/2014/main" id="{30321383-2D48-3D4D-8A35-51834A593283}"/>
-              </a:ext>
-            </a:extLst>
-          </p:cNvPr>
+            <a:endParaRPr lang="en-US" dirty="0"/>
+          </a:p>
+        </p:txBody>
+      </p:sp>
+      <p:sp>
+        <p:nvSpPr>
+          <p:cNvPr id="5" name="Text Placeholder 4"/>
           <p:cNvSpPr>
             <a:spLocks noGrp="1"/>
           </p:cNvSpPr>
@@ -2113,8 +1922,8 @@
         </p:nvSpPr>
         <p:spPr>
           <a:xfrm>
-            <a:off x="6172200" y="1681163"/>
-            <a:ext cx="5183188" cy="823912"/>
+            <a:off x="4556016" y="1058899"/>
+            <a:ext cx="3825976" cy="518950"/>
           </a:xfrm>
         </p:spPr>
         <p:txBody>
@@ -2122,39 +1931,39 @@
           <a:lstStyle>
             <a:lvl1pPr marL="0" indent="0">
               <a:buNone/>
-              <a:defRPr sz="2400" b="1"/>
+              <a:defRPr sz="1512" b="1"/>
             </a:lvl1pPr>
-            <a:lvl2pPr marL="457200" indent="0">
-              <a:buNone/>
-              <a:defRPr sz="2000" b="1"/>
+            <a:lvl2pPr marL="287990" indent="0">
+              <a:buNone/>
+              <a:defRPr sz="1260" b="1"/>
             </a:lvl2pPr>
-            <a:lvl3pPr marL="914400" indent="0">
-              <a:buNone/>
-              <a:defRPr sz="1800" b="1"/>
+            <a:lvl3pPr marL="575981" indent="0">
+              <a:buNone/>
+              <a:defRPr sz="1134" b="1"/>
             </a:lvl3pPr>
-            <a:lvl4pPr marL="1371600" indent="0">
-              <a:buNone/>
-              <a:defRPr sz="1600" b="1"/>
+            <a:lvl4pPr marL="863971" indent="0">
+              <a:buNone/>
+              <a:defRPr sz="1008" b="1"/>
             </a:lvl4pPr>
-            <a:lvl5pPr marL="1828800" indent="0">
-              <a:buNone/>
-              <a:defRPr sz="1600" b="1"/>
+            <a:lvl5pPr marL="1151961" indent="0">
+              <a:buNone/>
+              <a:defRPr sz="1008" b="1"/>
             </a:lvl5pPr>
-            <a:lvl6pPr marL="2286000" indent="0">
-              <a:buNone/>
-              <a:defRPr sz="1600" b="1"/>
+            <a:lvl6pPr marL="1439951" indent="0">
+              <a:buNone/>
+              <a:defRPr sz="1008" b="1"/>
             </a:lvl6pPr>
-            <a:lvl7pPr marL="2743200" indent="0">
-              <a:buNone/>
-              <a:defRPr sz="1600" b="1"/>
+            <a:lvl7pPr marL="1727942" indent="0">
+              <a:buNone/>
+              <a:defRPr sz="1008" b="1"/>
             </a:lvl7pPr>
-            <a:lvl8pPr marL="3200400" indent="0">
-              <a:buNone/>
-              <a:defRPr sz="1600" b="1"/>
+            <a:lvl8pPr marL="2015932" indent="0">
+              <a:buNone/>
+              <a:defRPr sz="1008" b="1"/>
             </a:lvl8pPr>
-            <a:lvl9pPr marL="3657600" indent="0">
-              <a:buNone/>
-              <a:defRPr sz="1600" b="1"/>
+            <a:lvl9pPr marL="2303922" indent="0">
+              <a:buNone/>
+              <a:defRPr sz="1008" b="1"/>
             </a:lvl9pPr>
           </a:lstStyle>
           <a:p>
@@ -2168,13 +1977,7 @@
       </p:sp>
       <p:sp>
         <p:nvSpPr>
-          <p:cNvPr id="6" name="Content Placeholder 5">
-            <a:extLst>
-              <a:ext uri="{FF2B5EF4-FFF2-40B4-BE49-F238E27FC236}">
-                <a16:creationId xmlns:a16="http://schemas.microsoft.com/office/drawing/2014/main" id="{3380BEDF-767E-834D-A616-8BFA0375435A}"/>
-              </a:ext>
-            </a:extLst>
-          </p:cNvPr>
+          <p:cNvPr id="6" name="Content Placeholder 5"/>
           <p:cNvSpPr>
             <a:spLocks noGrp="1"/>
           </p:cNvSpPr>
@@ -2184,8 +1987,8 @@
         </p:nvSpPr>
         <p:spPr>
           <a:xfrm>
-            <a:off x="6172200" y="2505075"/>
-            <a:ext cx="5183188" cy="3684588"/>
+            <a:off x="4556016" y="1577849"/>
+            <a:ext cx="3825976" cy="2320779"/>
           </a:xfrm>
         </p:spPr>
         <p:txBody>
@@ -2225,18 +2028,13 @@
               <a:rPr lang="en-GB"/>
               <a:t>Fifth level</a:t>
             </a:r>
-          </a:p>
-        </p:txBody>
-      </p:sp>
-      <p:sp>
-        <p:nvSpPr>
-          <p:cNvPr id="7" name="Date Placeholder 6">
-            <a:extLst>
-              <a:ext uri="{FF2B5EF4-FFF2-40B4-BE49-F238E27FC236}">
-                <a16:creationId xmlns:a16="http://schemas.microsoft.com/office/drawing/2014/main" id="{85028675-6FC0-4044-821C-EFBAA99225E4}"/>
-              </a:ext>
-            </a:extLst>
-          </p:cNvPr>
+            <a:endParaRPr lang="en-US" dirty="0"/>
+          </a:p>
+        </p:txBody>
+      </p:sp>
+      <p:sp>
+        <p:nvSpPr>
+          <p:cNvPr id="7" name="Date Placeholder 6"/>
           <p:cNvSpPr>
             <a:spLocks noGrp="1"/>
           </p:cNvSpPr>
@@ -2251,7 +2049,7 @@
           <a:p>
             <a:fld id="{70A666A6-2FAB-D348-B19D-8A510A298A73}" type="datetimeFigureOut">
               <a:rPr lang="en-GB" smtClean="0"/>
-              <a:t>19/01/2021</a:t>
+              <a:t>21/01/2021</a:t>
             </a:fld>
             <a:endParaRPr lang="en-GB"/>
           </a:p>
@@ -2259,13 +2057,7 @@
       </p:sp>
       <p:sp>
         <p:nvSpPr>
-          <p:cNvPr id="8" name="Footer Placeholder 7">
-            <a:extLst>
-              <a:ext uri="{FF2B5EF4-FFF2-40B4-BE49-F238E27FC236}">
-                <a16:creationId xmlns:a16="http://schemas.microsoft.com/office/drawing/2014/main" id="{A996684A-6A4E-2D46-B832-46D6D78485D6}"/>
-              </a:ext>
-            </a:extLst>
-          </p:cNvPr>
+          <p:cNvPr id="8" name="Footer Placeholder 7"/>
           <p:cNvSpPr>
             <a:spLocks noGrp="1"/>
           </p:cNvSpPr>
@@ -2284,13 +2076,7 @@
       </p:sp>
       <p:sp>
         <p:nvSpPr>
-          <p:cNvPr id="9" name="Slide Number Placeholder 8">
-            <a:extLst>
-              <a:ext uri="{FF2B5EF4-FFF2-40B4-BE49-F238E27FC236}">
-                <a16:creationId xmlns:a16="http://schemas.microsoft.com/office/drawing/2014/main" id="{21EA1EA1-D04E-D145-B103-D3268AFCBB66}"/>
-              </a:ext>
-            </a:extLst>
-          </p:cNvPr>
+          <p:cNvPr id="9" name="Slide Number Placeholder 8"/>
           <p:cNvSpPr>
             <a:spLocks noGrp="1"/>
           </p:cNvSpPr>
@@ -2314,7 +2100,7 @@
     </p:spTree>
     <p:extLst>
       <p:ext uri="{BB962C8B-B14F-4D97-AF65-F5344CB8AC3E}">
-        <p14:creationId xmlns:p14="http://schemas.microsoft.com/office/powerpoint/2010/main" val="1032848924"/>
+        <p14:creationId xmlns:p14="http://schemas.microsoft.com/office/powerpoint/2010/main" val="483967346"/>
       </p:ext>
     </p:extLst>
   </p:cSld>
@@ -2343,13 +2129,7 @@
       </p:grpSpPr>
       <p:sp>
         <p:nvSpPr>
-          <p:cNvPr id="2" name="Title 1">
-            <a:extLst>
-              <a:ext uri="{FF2B5EF4-FFF2-40B4-BE49-F238E27FC236}">
-                <a16:creationId xmlns:a16="http://schemas.microsoft.com/office/drawing/2014/main" id="{C1245F45-6096-3D41-B463-6DF0B2C1BEED}"/>
-              </a:ext>
-            </a:extLst>
-          </p:cNvPr>
+          <p:cNvPr id="2" name="Title 1"/>
           <p:cNvSpPr>
             <a:spLocks noGrp="1"/>
           </p:cNvSpPr>
@@ -2366,18 +2146,13 @@
               <a:rPr lang="en-GB"/>
               <a:t>Click to edit Master title style</a:t>
             </a:r>
-          </a:p>
-        </p:txBody>
-      </p:sp>
-      <p:sp>
-        <p:nvSpPr>
-          <p:cNvPr id="3" name="Date Placeholder 2">
-            <a:extLst>
-              <a:ext uri="{FF2B5EF4-FFF2-40B4-BE49-F238E27FC236}">
-                <a16:creationId xmlns:a16="http://schemas.microsoft.com/office/drawing/2014/main" id="{3E5272A6-C30C-B94D-B00B-7EF932E55930}"/>
-              </a:ext>
-            </a:extLst>
-          </p:cNvPr>
+            <a:endParaRPr lang="en-US" dirty="0"/>
+          </a:p>
+        </p:txBody>
+      </p:sp>
+      <p:sp>
+        <p:nvSpPr>
+          <p:cNvPr id="3" name="Date Placeholder 2"/>
           <p:cNvSpPr>
             <a:spLocks noGrp="1"/>
           </p:cNvSpPr>
@@ -2392,7 +2167,7 @@
           <a:p>
             <a:fld id="{70A666A6-2FAB-D348-B19D-8A510A298A73}" type="datetimeFigureOut">
               <a:rPr lang="en-GB" smtClean="0"/>
-              <a:t>19/01/2021</a:t>
+              <a:t>21/01/2021</a:t>
             </a:fld>
             <a:endParaRPr lang="en-GB"/>
           </a:p>
@@ -2400,13 +2175,7 @@
       </p:sp>
       <p:sp>
         <p:nvSpPr>
-          <p:cNvPr id="4" name="Footer Placeholder 3">
-            <a:extLst>
-              <a:ext uri="{FF2B5EF4-FFF2-40B4-BE49-F238E27FC236}">
-                <a16:creationId xmlns:a16="http://schemas.microsoft.com/office/drawing/2014/main" id="{E872859C-720C-8448-B4C6-84977ADBBBB7}"/>
-              </a:ext>
-            </a:extLst>
-          </p:cNvPr>
+          <p:cNvPr id="4" name="Footer Placeholder 3"/>
           <p:cNvSpPr>
             <a:spLocks noGrp="1"/>
           </p:cNvSpPr>
@@ -2425,13 +2194,7 @@
       </p:sp>
       <p:sp>
         <p:nvSpPr>
-          <p:cNvPr id="5" name="Slide Number Placeholder 4">
-            <a:extLst>
-              <a:ext uri="{FF2B5EF4-FFF2-40B4-BE49-F238E27FC236}">
-                <a16:creationId xmlns:a16="http://schemas.microsoft.com/office/drawing/2014/main" id="{CD249D1D-F012-A349-9C7B-9F82C2A5DE3C}"/>
-              </a:ext>
-            </a:extLst>
-          </p:cNvPr>
+          <p:cNvPr id="5" name="Slide Number Placeholder 4"/>
           <p:cNvSpPr>
             <a:spLocks noGrp="1"/>
           </p:cNvSpPr>
@@ -2455,7 +2218,7 @@
     </p:spTree>
     <p:extLst>
       <p:ext uri="{BB962C8B-B14F-4D97-AF65-F5344CB8AC3E}">
-        <p14:creationId xmlns:p14="http://schemas.microsoft.com/office/powerpoint/2010/main" val="2976215420"/>
+        <p14:creationId xmlns:p14="http://schemas.microsoft.com/office/powerpoint/2010/main" val="747223764"/>
       </p:ext>
     </p:extLst>
   </p:cSld>
@@ -2484,13 +2247,7 @@
       </p:grpSpPr>
       <p:sp>
         <p:nvSpPr>
-          <p:cNvPr id="2" name="Date Placeholder 1">
-            <a:extLst>
-              <a:ext uri="{FF2B5EF4-FFF2-40B4-BE49-F238E27FC236}">
-                <a16:creationId xmlns:a16="http://schemas.microsoft.com/office/drawing/2014/main" id="{E2E93D2E-F003-FF4B-8A4C-BECF015A26D4}"/>
-              </a:ext>
-            </a:extLst>
-          </p:cNvPr>
+          <p:cNvPr id="2" name="Date Placeholder 1"/>
           <p:cNvSpPr>
             <a:spLocks noGrp="1"/>
           </p:cNvSpPr>
@@ -2505,7 +2262,7 @@
           <a:p>
             <a:fld id="{70A666A6-2FAB-D348-B19D-8A510A298A73}" type="datetimeFigureOut">
               <a:rPr lang="en-GB" smtClean="0"/>
-              <a:t>19/01/2021</a:t>
+              <a:t>21/01/2021</a:t>
             </a:fld>
             <a:endParaRPr lang="en-GB"/>
           </a:p>
@@ -2513,13 +2270,7 @@
       </p:sp>
       <p:sp>
         <p:nvSpPr>
-          <p:cNvPr id="3" name="Footer Placeholder 2">
-            <a:extLst>
-              <a:ext uri="{FF2B5EF4-FFF2-40B4-BE49-F238E27FC236}">
-                <a16:creationId xmlns:a16="http://schemas.microsoft.com/office/drawing/2014/main" id="{B49D686B-9F02-F949-BA3A-5848C76DBA10}"/>
-              </a:ext>
-            </a:extLst>
-          </p:cNvPr>
+          <p:cNvPr id="3" name="Footer Placeholder 2"/>
           <p:cNvSpPr>
             <a:spLocks noGrp="1"/>
           </p:cNvSpPr>
@@ -2538,13 +2289,7 @@
       </p:sp>
       <p:sp>
         <p:nvSpPr>
-          <p:cNvPr id="4" name="Slide Number Placeholder 3">
-            <a:extLst>
-              <a:ext uri="{FF2B5EF4-FFF2-40B4-BE49-F238E27FC236}">
-                <a16:creationId xmlns:a16="http://schemas.microsoft.com/office/drawing/2014/main" id="{EC4A7F5B-4ED9-9C4A-8018-20739B2F9860}"/>
-              </a:ext>
-            </a:extLst>
-          </p:cNvPr>
+          <p:cNvPr id="4" name="Slide Number Placeholder 3"/>
           <p:cNvSpPr>
             <a:spLocks noGrp="1"/>
           </p:cNvSpPr>
@@ -2568,7 +2313,7 @@
     </p:spTree>
     <p:extLst>
       <p:ext uri="{BB962C8B-B14F-4D97-AF65-F5344CB8AC3E}">
-        <p14:creationId xmlns:p14="http://schemas.microsoft.com/office/powerpoint/2010/main" val="1786055426"/>
+        <p14:creationId xmlns:p14="http://schemas.microsoft.com/office/powerpoint/2010/main" val="2728693978"/>
       </p:ext>
     </p:extLst>
   </p:cSld>
@@ -2597,13 +2342,7 @@
       </p:grpSpPr>
       <p:sp>
         <p:nvSpPr>
-          <p:cNvPr id="2" name="Title 1">
-            <a:extLst>
-              <a:ext uri="{FF2B5EF4-FFF2-40B4-BE49-F238E27FC236}">
-                <a16:creationId xmlns:a16="http://schemas.microsoft.com/office/drawing/2014/main" id="{39D51E2E-4B40-B240-9B0D-5D12B0EAFE4C}"/>
-              </a:ext>
-            </a:extLst>
-          </p:cNvPr>
+          <p:cNvPr id="2" name="Title 1"/>
           <p:cNvSpPr>
             <a:spLocks noGrp="1"/>
           </p:cNvSpPr>
@@ -2613,15 +2352,15 @@
         </p:nvSpPr>
         <p:spPr>
           <a:xfrm>
-            <a:off x="839788" y="457200"/>
-            <a:ext cx="3932237" cy="1600200"/>
+            <a:off x="619891" y="287972"/>
+            <a:ext cx="2902585" cy="1007904"/>
           </a:xfrm>
         </p:spPr>
         <p:txBody>
           <a:bodyPr anchor="b"/>
           <a:lstStyle>
             <a:lvl1pPr>
-              <a:defRPr sz="3200"/>
+              <a:defRPr sz="2016"/>
             </a:lvl1pPr>
           </a:lstStyle>
           <a:p>
@@ -2629,18 +2368,13 @@
               <a:rPr lang="en-GB"/>
               <a:t>Click to edit Master title style</a:t>
             </a:r>
-          </a:p>
-        </p:txBody>
-      </p:sp>
-      <p:sp>
-        <p:nvSpPr>
-          <p:cNvPr id="3" name="Content Placeholder 2">
-            <a:extLst>
-              <a:ext uri="{FF2B5EF4-FFF2-40B4-BE49-F238E27FC236}">
-                <a16:creationId xmlns:a16="http://schemas.microsoft.com/office/drawing/2014/main" id="{F1D2334B-60D4-3F40-A2A3-49CB9ABA0E8B}"/>
-              </a:ext>
-            </a:extLst>
-          </p:cNvPr>
+            <a:endParaRPr lang="en-US" dirty="0"/>
+          </a:p>
+        </p:txBody>
+      </p:sp>
+      <p:sp>
+        <p:nvSpPr>
+          <p:cNvPr id="3" name="Content Placeholder 2"/>
           <p:cNvSpPr>
             <a:spLocks noGrp="1"/>
           </p:cNvSpPr>
@@ -2650,39 +2384,39 @@
         </p:nvSpPr>
         <p:spPr>
           <a:xfrm>
-            <a:off x="5183188" y="987425"/>
-            <a:ext cx="6172200" cy="4873625"/>
+            <a:off x="3825976" y="621941"/>
+            <a:ext cx="4556016" cy="3069707"/>
           </a:xfrm>
         </p:spPr>
         <p:txBody>
           <a:bodyPr/>
           <a:lstStyle>
             <a:lvl1pPr>
-              <a:defRPr sz="3200"/>
+              <a:defRPr sz="2016"/>
             </a:lvl1pPr>
             <a:lvl2pPr>
-              <a:defRPr sz="2800"/>
+              <a:defRPr sz="1764"/>
             </a:lvl2pPr>
             <a:lvl3pPr>
-              <a:defRPr sz="2400"/>
+              <a:defRPr sz="1512"/>
             </a:lvl3pPr>
             <a:lvl4pPr>
-              <a:defRPr sz="2000"/>
+              <a:defRPr sz="1260"/>
             </a:lvl4pPr>
             <a:lvl5pPr>
-              <a:defRPr sz="2000"/>
+              <a:defRPr sz="1260"/>
             </a:lvl5pPr>
             <a:lvl6pPr>
-              <a:defRPr sz="2000"/>
+              <a:defRPr sz="1260"/>
             </a:lvl6pPr>
             <a:lvl7pPr>
-              <a:defRPr sz="2000"/>
+              <a:defRPr sz="1260"/>
             </a:lvl7pPr>
             <a:lvl8pPr>
-              <a:defRPr sz="2000"/>
+              <a:defRPr sz="1260"/>
             </a:lvl8pPr>
             <a:lvl9pPr>
-              <a:defRPr sz="2000"/>
+              <a:defRPr sz="1260"/>
             </a:lvl9pPr>
           </a:lstStyle>
           <a:p>
@@ -2719,18 +2453,13 @@
               <a:rPr lang="en-GB"/>
               <a:t>Fifth level</a:t>
             </a:r>
-          </a:p>
-        </p:txBody>
-      </p:sp>
-      <p:sp>
-        <p:nvSpPr>
-          <p:cNvPr id="4" name="Text Placeholder 3">
-            <a:extLst>
-              <a:ext uri="{FF2B5EF4-FFF2-40B4-BE49-F238E27FC236}">
-                <a16:creationId xmlns:a16="http://schemas.microsoft.com/office/drawing/2014/main" id="{013838AB-21C4-F846-943A-C63D5B49E553}"/>
-              </a:ext>
-            </a:extLst>
-          </p:cNvPr>
+            <a:endParaRPr lang="en-US" dirty="0"/>
+          </a:p>
+        </p:txBody>
+      </p:sp>
+      <p:sp>
+        <p:nvSpPr>
+          <p:cNvPr id="4" name="Text Placeholder 3"/>
           <p:cNvSpPr>
             <a:spLocks noGrp="1"/>
           </p:cNvSpPr>
@@ -2740,8 +2469,8 @@
         </p:nvSpPr>
         <p:spPr>
           <a:xfrm>
-            <a:off x="839788" y="2057400"/>
-            <a:ext cx="3932237" cy="3811588"/>
+            <a:off x="619891" y="1295877"/>
+            <a:ext cx="2902585" cy="2400771"/>
           </a:xfrm>
         </p:spPr>
         <p:txBody>
@@ -2749,39 +2478,39 @@
           <a:lstStyle>
             <a:lvl1pPr marL="0" indent="0">
               <a:buNone/>
-              <a:defRPr sz="1600"/>
+              <a:defRPr sz="1008"/>
             </a:lvl1pPr>
-            <a:lvl2pPr marL="457200" indent="0">
-              <a:buNone/>
-              <a:defRPr sz="1400"/>
+            <a:lvl2pPr marL="287990" indent="0">
+              <a:buNone/>
+              <a:defRPr sz="882"/>
             </a:lvl2pPr>
-            <a:lvl3pPr marL="914400" indent="0">
-              <a:buNone/>
-              <a:defRPr sz="1200"/>
+            <a:lvl3pPr marL="575981" indent="0">
+              <a:buNone/>
+              <a:defRPr sz="756"/>
             </a:lvl3pPr>
-            <a:lvl4pPr marL="1371600" indent="0">
-              <a:buNone/>
-              <a:defRPr sz="1000"/>
+            <a:lvl4pPr marL="863971" indent="0">
+              <a:buNone/>
+              <a:defRPr sz="630"/>
             </a:lvl4pPr>
-            <a:lvl5pPr marL="1828800" indent="0">
-              <a:buNone/>
-              <a:defRPr sz="1000"/>
+            <a:lvl5pPr marL="1151961" indent="0">
+              <a:buNone/>
+              <a:defRPr sz="630"/>
             </a:lvl5pPr>
-            <a:lvl6pPr marL="2286000" indent="0">
-              <a:buNone/>
-              <a:defRPr sz="1000"/>
+            <a:lvl6pPr marL="1439951" indent="0">
+              <a:buNone/>
+              <a:defRPr sz="630"/>
             </a:lvl6pPr>
-            <a:lvl7pPr marL="2743200" indent="0">
-              <a:buNone/>
-              <a:defRPr sz="1000"/>
+            <a:lvl7pPr marL="1727942" indent="0">
+              <a:buNone/>
+              <a:defRPr sz="630"/>
             </a:lvl7pPr>
-            <a:lvl8pPr marL="3200400" indent="0">
-              <a:buNone/>
-              <a:defRPr sz="1000"/>
+            <a:lvl8pPr marL="2015932" indent="0">
+              <a:buNone/>
+              <a:defRPr sz="630"/>
             </a:lvl8pPr>
-            <a:lvl9pPr marL="3657600" indent="0">
-              <a:buNone/>
-              <a:defRPr sz="1000"/>
+            <a:lvl9pPr marL="2303922" indent="0">
+              <a:buNone/>
+              <a:defRPr sz="630"/>
             </a:lvl9pPr>
           </a:lstStyle>
           <a:p>
@@ -2795,13 +2524,7 @@
       </p:sp>
       <p:sp>
         <p:nvSpPr>
-          <p:cNvPr id="5" name="Date Placeholder 4">
-            <a:extLst>
-              <a:ext uri="{FF2B5EF4-FFF2-40B4-BE49-F238E27FC236}">
-                <a16:creationId xmlns:a16="http://schemas.microsoft.com/office/drawing/2014/main" id="{3BB8F12D-0597-5748-9F6B-4CE86E32BD1E}"/>
-              </a:ext>
-            </a:extLst>
-          </p:cNvPr>
+          <p:cNvPr id="5" name="Date Placeholder 4"/>
           <p:cNvSpPr>
             <a:spLocks noGrp="1"/>
           </p:cNvSpPr>
@@ -2816,7 +2539,7 @@
           <a:p>
             <a:fld id="{70A666A6-2FAB-D348-B19D-8A510A298A73}" type="datetimeFigureOut">
               <a:rPr lang="en-GB" smtClean="0"/>
-              <a:t>19/01/2021</a:t>
+              <a:t>21/01/2021</a:t>
             </a:fld>
             <a:endParaRPr lang="en-GB"/>
           </a:p>
@@ -2824,13 +2547,7 @@
       </p:sp>
       <p:sp>
         <p:nvSpPr>
-          <p:cNvPr id="6" name="Footer Placeholder 5">
-            <a:extLst>
-              <a:ext uri="{FF2B5EF4-FFF2-40B4-BE49-F238E27FC236}">
-                <a16:creationId xmlns:a16="http://schemas.microsoft.com/office/drawing/2014/main" id="{EDE90BF7-C0D4-1947-B44C-A7961AD8CE7F}"/>
-              </a:ext>
-            </a:extLst>
-          </p:cNvPr>
+          <p:cNvPr id="6" name="Footer Placeholder 5"/>
           <p:cNvSpPr>
             <a:spLocks noGrp="1"/>
           </p:cNvSpPr>
@@ -2849,13 +2566,7 @@
       </p:sp>
       <p:sp>
         <p:nvSpPr>
-          <p:cNvPr id="7" name="Slide Number Placeholder 6">
-            <a:extLst>
-              <a:ext uri="{FF2B5EF4-FFF2-40B4-BE49-F238E27FC236}">
-                <a16:creationId xmlns:a16="http://schemas.microsoft.com/office/drawing/2014/main" id="{2EE924B4-A7A0-1842-BA99-6DE734BE9B28}"/>
-              </a:ext>
-            </a:extLst>
-          </p:cNvPr>
+          <p:cNvPr id="7" name="Slide Number Placeholder 6"/>
           <p:cNvSpPr>
             <a:spLocks noGrp="1"/>
           </p:cNvSpPr>
@@ -2879,7 +2590,7 @@
     </p:spTree>
     <p:extLst>
       <p:ext uri="{BB962C8B-B14F-4D97-AF65-F5344CB8AC3E}">
-        <p14:creationId xmlns:p14="http://schemas.microsoft.com/office/powerpoint/2010/main" val="700693453"/>
+        <p14:creationId xmlns:p14="http://schemas.microsoft.com/office/powerpoint/2010/main" val="3341112187"/>
       </p:ext>
     </p:extLst>
   </p:cSld>
@@ -2908,13 +2619,7 @@
       </p:grpSpPr>
       <p:sp>
         <p:nvSpPr>
-          <p:cNvPr id="2" name="Title 1">
-            <a:extLst>
-              <a:ext uri="{FF2B5EF4-FFF2-40B4-BE49-F238E27FC236}">
-                <a16:creationId xmlns:a16="http://schemas.microsoft.com/office/drawing/2014/main" id="{92C2339F-6D62-EF49-AEE9-45D913845F7D}"/>
-              </a:ext>
-            </a:extLst>
-          </p:cNvPr>
+          <p:cNvPr id="2" name="Title 1"/>
           <p:cNvSpPr>
             <a:spLocks noGrp="1"/>
           </p:cNvSpPr>
@@ -2924,15 +2629,15 @@
         </p:nvSpPr>
         <p:spPr>
           <a:xfrm>
-            <a:off x="839788" y="457200"/>
-            <a:ext cx="3932237" cy="1600200"/>
+            <a:off x="619891" y="287972"/>
+            <a:ext cx="2902585" cy="1007904"/>
           </a:xfrm>
         </p:spPr>
         <p:txBody>
           <a:bodyPr anchor="b"/>
           <a:lstStyle>
             <a:lvl1pPr>
-              <a:defRPr sz="3200"/>
+              <a:defRPr sz="2016"/>
             </a:lvl1pPr>
           </a:lstStyle>
           <a:p>
@@ -2940,20 +2645,15 @@
               <a:rPr lang="en-GB"/>
               <a:t>Click to edit Master title style</a:t>
             </a:r>
-          </a:p>
-        </p:txBody>
-      </p:sp>
-      <p:sp>
-        <p:nvSpPr>
-          <p:cNvPr id="3" name="Picture Placeholder 2">
-            <a:extLst>
-              <a:ext uri="{FF2B5EF4-FFF2-40B4-BE49-F238E27FC236}">
-                <a16:creationId xmlns:a16="http://schemas.microsoft.com/office/drawing/2014/main" id="{D57F4BFB-9B7D-964A-A6DD-04FEBD8F3885}"/>
-              </a:ext>
-            </a:extLst>
-          </p:cNvPr>
-          <p:cNvSpPr>
-            <a:spLocks noGrp="1"/>
+            <a:endParaRPr lang="en-US" dirty="0"/>
+          </a:p>
+        </p:txBody>
+      </p:sp>
+      <p:sp>
+        <p:nvSpPr>
+          <p:cNvPr id="3" name="Picture Placeholder 2"/>
+          <p:cNvSpPr>
+            <a:spLocks noGrp="1" noChangeAspect="1"/>
           </p:cNvSpPr>
           <p:nvPr>
             <p:ph type="pic" idx="1"/>
@@ -2961,8 +2661,73 @@
         </p:nvSpPr>
         <p:spPr>
           <a:xfrm>
-            <a:off x="5183188" y="987425"/>
-            <a:ext cx="6172200" cy="4873625"/>
+            <a:off x="3825976" y="621941"/>
+            <a:ext cx="4556016" cy="3069707"/>
+          </a:xfrm>
+        </p:spPr>
+        <p:txBody>
+          <a:bodyPr anchor="t"/>
+          <a:lstStyle>
+            <a:lvl1pPr marL="0" indent="0">
+              <a:buNone/>
+              <a:defRPr sz="2016"/>
+            </a:lvl1pPr>
+            <a:lvl2pPr marL="287990" indent="0">
+              <a:buNone/>
+              <a:defRPr sz="1764"/>
+            </a:lvl2pPr>
+            <a:lvl3pPr marL="575981" indent="0">
+              <a:buNone/>
+              <a:defRPr sz="1512"/>
+            </a:lvl3pPr>
+            <a:lvl4pPr marL="863971" indent="0">
+              <a:buNone/>
+              <a:defRPr sz="1260"/>
+            </a:lvl4pPr>
+            <a:lvl5pPr marL="1151961" indent="0">
+              <a:buNone/>
+              <a:defRPr sz="1260"/>
+            </a:lvl5pPr>
+            <a:lvl6pPr marL="1439951" indent="0">
+              <a:buNone/>
+              <a:defRPr sz="1260"/>
+            </a:lvl6pPr>
+            <a:lvl7pPr marL="1727942" indent="0">
+              <a:buNone/>
+              <a:defRPr sz="1260"/>
+            </a:lvl7pPr>
+            <a:lvl8pPr marL="2015932" indent="0">
+              <a:buNone/>
+              <a:defRPr sz="1260"/>
+            </a:lvl8pPr>
+            <a:lvl9pPr marL="2303922" indent="0">
+              <a:buNone/>
+              <a:defRPr sz="1260"/>
+            </a:lvl9pPr>
+          </a:lstStyle>
+          <a:p>
+            <a:r>
+              <a:rPr lang="en-GB"/>
+              <a:t>Click icon to add picture</a:t>
+            </a:r>
+            <a:endParaRPr lang="en-US" dirty="0"/>
+          </a:p>
+        </p:txBody>
+      </p:sp>
+      <p:sp>
+        <p:nvSpPr>
+          <p:cNvPr id="4" name="Text Placeholder 3"/>
+          <p:cNvSpPr>
+            <a:spLocks noGrp="1"/>
+          </p:cNvSpPr>
+          <p:nvPr>
+            <p:ph type="body" sz="half" idx="2"/>
+          </p:nvPr>
+        </p:nvSpPr>
+        <p:spPr>
+          <a:xfrm>
+            <a:off x="619891" y="1295877"/>
+            <a:ext cx="2902585" cy="2400771"/>
           </a:xfrm>
         </p:spPr>
         <p:txBody>
@@ -2970,109 +2735,42 @@
           <a:lstStyle>
             <a:lvl1pPr marL="0" indent="0">
               <a:buNone/>
-              <a:defRPr sz="3200"/>
+              <a:defRPr sz="1008"/>
             </a:lvl1pPr>
-            <a:lvl2pPr marL="457200" indent="0">
-              <a:buNone/>
-              <a:defRPr sz="2800"/>
+            <a:lvl2pPr marL="287990" indent="0">
+              <a:buNone/>
+              <a:defRPr sz="882"/>
             </a:lvl2pPr>
-            <a:lvl3pPr marL="914400" indent="0">
-              <a:buNone/>
-              <a:defRPr sz="2400"/>
+            <a:lvl3pPr marL="575981" indent="0">
+              <a:buNone/>
+              <a:defRPr sz="756"/>
             </a:lvl3pPr>
-            <a:lvl4pPr marL="1371600" indent="0">
-              <a:buNone/>
-              <a:defRPr sz="2000"/>
+            <a:lvl4pPr marL="863971" indent="0">
+              <a:buNone/>
+              <a:defRPr sz="630"/>
             </a:lvl4pPr>
-            <a:lvl5pPr marL="1828800" indent="0">
-              <a:buNone/>
-              <a:defRPr sz="2000"/>
+            <a:lvl5pPr marL="1151961" indent="0">
+              <a:buNone/>
+              <a:defRPr sz="630"/>
             </a:lvl5pPr>
-            <a:lvl6pPr marL="2286000" indent="0">
-              <a:buNone/>
-              <a:defRPr sz="2000"/>
+            <a:lvl6pPr marL="1439951" indent="0">
+              <a:buNone/>
+              <a:defRPr sz="630"/>
             </a:lvl6pPr>
-            <a:lvl7pPr marL="2743200" indent="0">
-              <a:buNone/>
-              <a:defRPr sz="2000"/>
+            <a:lvl7pPr marL="1727942" indent="0">
+              <a:buNone/>
+              <a:defRPr sz="630"/>
             </a:lvl7pPr>
-            <a:lvl8pPr marL="3200400" indent="0">
-              <a:buNone/>
-              <a:defRPr sz="2000"/>
+            <a:lvl8pPr marL="2015932" indent="0">
+              <a:buNone/>
+              <a:defRPr sz="630"/>
             </a:lvl8pPr>
-            <a:lvl9pPr marL="3657600" indent="0">
-              <a:buNone/>
-              <a:defRPr sz="2000"/>
+            <a:lvl9pPr marL="2303922" indent="0">
+              <a:buNone/>
+              <a:defRPr sz="630"/>
             </a:lvl9pPr>
           </a:lstStyle>
           <a:p>
-            <a:endParaRPr lang="en-GB"/>
-          </a:p>
-        </p:txBody>
-      </p:sp>
-      <p:sp>
-        <p:nvSpPr>
-          <p:cNvPr id="4" name="Text Placeholder 3">
-            <a:extLst>
-              <a:ext uri="{FF2B5EF4-FFF2-40B4-BE49-F238E27FC236}">
-                <a16:creationId xmlns:a16="http://schemas.microsoft.com/office/drawing/2014/main" id="{F29F910D-B028-9741-A364-C38FADF1F5FB}"/>
-              </a:ext>
-            </a:extLst>
-          </p:cNvPr>
-          <p:cNvSpPr>
-            <a:spLocks noGrp="1"/>
-          </p:cNvSpPr>
-          <p:nvPr>
-            <p:ph type="body" sz="half" idx="2"/>
-          </p:nvPr>
-        </p:nvSpPr>
-        <p:spPr>
-          <a:xfrm>
-            <a:off x="839788" y="2057400"/>
-            <a:ext cx="3932237" cy="3811588"/>
-          </a:xfrm>
-        </p:spPr>
-        <p:txBody>
-          <a:bodyPr/>
-          <a:lstStyle>
-            <a:lvl1pPr marL="0" indent="0">
-              <a:buNone/>
-              <a:defRPr sz="1600"/>
-            </a:lvl1pPr>
-            <a:lvl2pPr marL="457200" indent="0">
-              <a:buNone/>
-              <a:defRPr sz="1400"/>
-            </a:lvl2pPr>
-            <a:lvl3pPr marL="914400" indent="0">
-              <a:buNone/>
-              <a:defRPr sz="1200"/>
-            </a:lvl3pPr>
-            <a:lvl4pPr marL="1371600" indent="0">
-              <a:buNone/>
-              <a:defRPr sz="1000"/>
-            </a:lvl4pPr>
-            <a:lvl5pPr marL="1828800" indent="0">
-              <a:buNone/>
-              <a:defRPr sz="1000"/>
-            </a:lvl5pPr>
-            <a:lvl6pPr marL="2286000" indent="0">
-              <a:buNone/>
-              <a:defRPr sz="1000"/>
-            </a:lvl6pPr>
-            <a:lvl7pPr marL="2743200" indent="0">
-              <a:buNone/>
-              <a:defRPr sz="1000"/>
-            </a:lvl7pPr>
-            <a:lvl8pPr marL="3200400" indent="0">
-              <a:buNone/>
-              <a:defRPr sz="1000"/>
-            </a:lvl8pPr>
-            <a:lvl9pPr marL="3657600" indent="0">
-              <a:buNone/>
-              <a:defRPr sz="1000"/>
-            </a:lvl9pPr>
-          </a:lstStyle>
-          <a:p>
             <a:pPr lvl="0"/>
             <a:r>
               <a:rPr lang="en-GB"/>
@@ -3083,13 +2781,7 @@
       </p:sp>
       <p:sp>
         <p:nvSpPr>
-          <p:cNvPr id="5" name="Date Placeholder 4">
-            <a:extLst>
-              <a:ext uri="{FF2B5EF4-FFF2-40B4-BE49-F238E27FC236}">
-                <a16:creationId xmlns:a16="http://schemas.microsoft.com/office/drawing/2014/main" id="{C557831E-A31D-0547-9BA5-37CEF9C16F29}"/>
-              </a:ext>
-            </a:extLst>
-          </p:cNvPr>
+          <p:cNvPr id="5" name="Date Placeholder 4"/>
           <p:cNvSpPr>
             <a:spLocks noGrp="1"/>
           </p:cNvSpPr>
@@ -3104,7 +2796,7 @@
           <a:p>
             <a:fld id="{70A666A6-2FAB-D348-B19D-8A510A298A73}" type="datetimeFigureOut">
               <a:rPr lang="en-GB" smtClean="0"/>
-              <a:t>19/01/2021</a:t>
+              <a:t>21/01/2021</a:t>
             </a:fld>
             <a:endParaRPr lang="en-GB"/>
           </a:p>
@@ -3112,13 +2804,7 @@
       </p:sp>
       <p:sp>
         <p:nvSpPr>
-          <p:cNvPr id="6" name="Footer Placeholder 5">
-            <a:extLst>
-              <a:ext uri="{FF2B5EF4-FFF2-40B4-BE49-F238E27FC236}">
-                <a16:creationId xmlns:a16="http://schemas.microsoft.com/office/drawing/2014/main" id="{E34293ED-4B0F-EC44-9800-53855F2B7CBB}"/>
-              </a:ext>
-            </a:extLst>
-          </p:cNvPr>
+          <p:cNvPr id="6" name="Footer Placeholder 5"/>
           <p:cNvSpPr>
             <a:spLocks noGrp="1"/>
           </p:cNvSpPr>
@@ -3137,13 +2823,7 @@
       </p:sp>
       <p:sp>
         <p:nvSpPr>
-          <p:cNvPr id="7" name="Slide Number Placeholder 6">
-            <a:extLst>
-              <a:ext uri="{FF2B5EF4-FFF2-40B4-BE49-F238E27FC236}">
-                <a16:creationId xmlns:a16="http://schemas.microsoft.com/office/drawing/2014/main" id="{33122997-5DF9-6D40-83C9-9A3EEA3F06CD}"/>
-              </a:ext>
-            </a:extLst>
-          </p:cNvPr>
+          <p:cNvPr id="7" name="Slide Number Placeholder 6"/>
           <p:cNvSpPr>
             <a:spLocks noGrp="1"/>
           </p:cNvSpPr>
@@ -3167,7 +2847,7 @@
     </p:spTree>
     <p:extLst>
       <p:ext uri="{BB962C8B-B14F-4D97-AF65-F5344CB8AC3E}">
-        <p14:creationId xmlns:p14="http://schemas.microsoft.com/office/powerpoint/2010/main" val="1228072435"/>
+        <p14:creationId xmlns:p14="http://schemas.microsoft.com/office/powerpoint/2010/main" val="1190450577"/>
       </p:ext>
     </p:extLst>
   </p:cSld>
@@ -3201,13 +2881,7 @@
       </p:grpSpPr>
       <p:sp>
         <p:nvSpPr>
-          <p:cNvPr id="2" name="Title Placeholder 1">
-            <a:extLst>
-              <a:ext uri="{FF2B5EF4-FFF2-40B4-BE49-F238E27FC236}">
-                <a16:creationId xmlns:a16="http://schemas.microsoft.com/office/drawing/2014/main" id="{FFFF66FE-6049-A84C-A495-61AD9F18A1EF}"/>
-              </a:ext>
-            </a:extLst>
-          </p:cNvPr>
+          <p:cNvPr id="2" name="Title Placeholder 1"/>
           <p:cNvSpPr>
             <a:spLocks noGrp="1"/>
           </p:cNvSpPr>
@@ -3217,8 +2891,8 @@
         </p:nvSpPr>
         <p:spPr>
           <a:xfrm>
-            <a:off x="838200" y="365125"/>
-            <a:ext cx="10515600" cy="1325563"/>
+            <a:off x="618718" y="229978"/>
+            <a:ext cx="7762102" cy="834921"/>
           </a:xfrm>
           <a:prstGeom prst="rect">
             <a:avLst/>
@@ -3234,18 +2908,13 @@
               <a:rPr lang="en-GB"/>
               <a:t>Click to edit Master title style</a:t>
             </a:r>
-          </a:p>
-        </p:txBody>
-      </p:sp>
-      <p:sp>
-        <p:nvSpPr>
-          <p:cNvPr id="3" name="Text Placeholder 2">
-            <a:extLst>
-              <a:ext uri="{FF2B5EF4-FFF2-40B4-BE49-F238E27FC236}">
-                <a16:creationId xmlns:a16="http://schemas.microsoft.com/office/drawing/2014/main" id="{A1A3F00A-B206-1844-8647-B10D8B8CDB60}"/>
-              </a:ext>
-            </a:extLst>
-          </p:cNvPr>
+            <a:endParaRPr lang="en-US" dirty="0"/>
+          </a:p>
+        </p:txBody>
+      </p:sp>
+      <p:sp>
+        <p:nvSpPr>
+          <p:cNvPr id="3" name="Text Placeholder 2"/>
           <p:cNvSpPr>
             <a:spLocks noGrp="1"/>
           </p:cNvSpPr>
@@ -3255,8 +2924,8 @@
         </p:nvSpPr>
         <p:spPr>
           <a:xfrm>
-            <a:off x="838200" y="1825625"/>
-            <a:ext cx="10515600" cy="4351338"/>
+            <a:off x="618718" y="1149890"/>
+            <a:ext cx="7762102" cy="2740739"/>
           </a:xfrm>
           <a:prstGeom prst="rect">
             <a:avLst/>
@@ -3301,18 +2970,13 @@
               <a:rPr lang="en-GB"/>
               <a:t>Fifth level</a:t>
             </a:r>
-          </a:p>
-        </p:txBody>
-      </p:sp>
-      <p:sp>
-        <p:nvSpPr>
-          <p:cNvPr id="4" name="Date Placeholder 3">
-            <a:extLst>
-              <a:ext uri="{FF2B5EF4-FFF2-40B4-BE49-F238E27FC236}">
-                <a16:creationId xmlns:a16="http://schemas.microsoft.com/office/drawing/2014/main" id="{93D30E46-9DB0-8B48-AD8D-33E6A42DBC47}"/>
-              </a:ext>
-            </a:extLst>
-          </p:cNvPr>
+            <a:endParaRPr lang="en-US" dirty="0"/>
+          </a:p>
+        </p:txBody>
+      </p:sp>
+      <p:sp>
+        <p:nvSpPr>
+          <p:cNvPr id="4" name="Date Placeholder 3"/>
           <p:cNvSpPr>
             <a:spLocks noGrp="1"/>
           </p:cNvSpPr>
@@ -3322,8 +2986,8 @@
         </p:nvSpPr>
         <p:spPr>
           <a:xfrm>
-            <a:off x="838200" y="6356350"/>
-            <a:ext cx="2743200" cy="365125"/>
+            <a:off x="618718" y="4003618"/>
+            <a:ext cx="2024896" cy="229978"/>
           </a:xfrm>
           <a:prstGeom prst="rect">
             <a:avLst/>
@@ -3333,7 +2997,7 @@
           <a:bodyPr vert="horz" lIns="91440" tIns="45720" rIns="91440" bIns="45720" rtlCol="0" anchor="ctr"/>
           <a:lstStyle>
             <a:lvl1pPr algn="l">
-              <a:defRPr sz="1200">
+              <a:defRPr sz="756">
                 <a:solidFill>
                   <a:schemeClr val="tx1">
                     <a:tint val="75000"/>
@@ -3345,7 +3009,7 @@
           <a:p>
             <a:fld id="{70A666A6-2FAB-D348-B19D-8A510A298A73}" type="datetimeFigureOut">
               <a:rPr lang="en-GB" smtClean="0"/>
-              <a:t>19/01/2021</a:t>
+              <a:t>21/01/2021</a:t>
             </a:fld>
             <a:endParaRPr lang="en-GB"/>
           </a:p>
@@ -3353,13 +3017,7 @@
       </p:sp>
       <p:sp>
         <p:nvSpPr>
-          <p:cNvPr id="5" name="Footer Placeholder 4">
-            <a:extLst>
-              <a:ext uri="{FF2B5EF4-FFF2-40B4-BE49-F238E27FC236}">
-                <a16:creationId xmlns:a16="http://schemas.microsoft.com/office/drawing/2014/main" id="{20EF8B5F-AC3C-2A42-9EFB-00D3536C50F9}"/>
-              </a:ext>
-            </a:extLst>
-          </p:cNvPr>
+          <p:cNvPr id="5" name="Footer Placeholder 4"/>
           <p:cNvSpPr>
             <a:spLocks noGrp="1"/>
           </p:cNvSpPr>
@@ -3369,8 +3027,8 @@
         </p:nvSpPr>
         <p:spPr>
           <a:xfrm>
-            <a:off x="4038600" y="6356350"/>
-            <a:ext cx="4114800" cy="365125"/>
+            <a:off x="2981097" y="4003618"/>
+            <a:ext cx="3037344" cy="229978"/>
           </a:xfrm>
           <a:prstGeom prst="rect">
             <a:avLst/>
@@ -3380,7 +3038,7 @@
           <a:bodyPr vert="horz" lIns="91440" tIns="45720" rIns="91440" bIns="45720" rtlCol="0" anchor="ctr"/>
           <a:lstStyle>
             <a:lvl1pPr algn="ctr">
-              <a:defRPr sz="1200">
+              <a:defRPr sz="756">
                 <a:solidFill>
                   <a:schemeClr val="tx1">
                     <a:tint val="75000"/>
@@ -3396,13 +3054,7 @@
       </p:sp>
       <p:sp>
         <p:nvSpPr>
-          <p:cNvPr id="6" name="Slide Number Placeholder 5">
-            <a:extLst>
-              <a:ext uri="{FF2B5EF4-FFF2-40B4-BE49-F238E27FC236}">
-                <a16:creationId xmlns:a16="http://schemas.microsoft.com/office/drawing/2014/main" id="{22919F2A-B9BF-7F49-94FC-788EB07F7F4B}"/>
-              </a:ext>
-            </a:extLst>
-          </p:cNvPr>
+          <p:cNvPr id="6" name="Slide Number Placeholder 5"/>
           <p:cNvSpPr>
             <a:spLocks noGrp="1"/>
           </p:cNvSpPr>
@@ -3412,8 +3064,8 @@
         </p:nvSpPr>
         <p:spPr>
           <a:xfrm>
-            <a:off x="8610600" y="6356350"/>
-            <a:ext cx="2743200" cy="365125"/>
+            <a:off x="6355924" y="4003618"/>
+            <a:ext cx="2024896" cy="229978"/>
           </a:xfrm>
           <a:prstGeom prst="rect">
             <a:avLst/>
@@ -3423,7 +3075,7 @@
           <a:bodyPr vert="horz" lIns="91440" tIns="45720" rIns="91440" bIns="45720" rtlCol="0" anchor="ctr"/>
           <a:lstStyle>
             <a:lvl1pPr algn="r">
-              <a:defRPr sz="1200">
+              <a:defRPr sz="756">
                 <a:solidFill>
                   <a:schemeClr val="tx1">
                     <a:tint val="75000"/>
@@ -3444,27 +3096,27 @@
     </p:spTree>
     <p:extLst>
       <p:ext uri="{BB962C8B-B14F-4D97-AF65-F5344CB8AC3E}">
-        <p14:creationId xmlns:p14="http://schemas.microsoft.com/office/powerpoint/2010/main" val="2095271173"/>
+        <p14:creationId xmlns:p14="http://schemas.microsoft.com/office/powerpoint/2010/main" val="3532630819"/>
       </p:ext>
     </p:extLst>
   </p:cSld>
   <p:clrMap bg1="lt1" tx1="dk1" bg2="lt2" tx2="dk2" accent1="accent1" accent2="accent2" accent3="accent3" accent4="accent4" accent5="accent5" accent6="accent6" hlink="hlink" folHlink="folHlink"/>
   <p:sldLayoutIdLst>
-    <p:sldLayoutId id="2147483649" r:id="rId1"/>
-    <p:sldLayoutId id="2147483650" r:id="rId2"/>
-    <p:sldLayoutId id="2147483651" r:id="rId3"/>
-    <p:sldLayoutId id="2147483652" r:id="rId4"/>
-    <p:sldLayoutId id="2147483653" r:id="rId5"/>
-    <p:sldLayoutId id="2147483654" r:id="rId6"/>
-    <p:sldLayoutId id="2147483655" r:id="rId7"/>
-    <p:sldLayoutId id="2147483656" r:id="rId8"/>
-    <p:sldLayoutId id="2147483657" r:id="rId9"/>
-    <p:sldLayoutId id="2147483658" r:id="rId10"/>
-    <p:sldLayoutId id="2147483659" r:id="rId11"/>
+    <p:sldLayoutId id="2147483685" r:id="rId1"/>
+    <p:sldLayoutId id="2147483686" r:id="rId2"/>
+    <p:sldLayoutId id="2147483687" r:id="rId3"/>
+    <p:sldLayoutId id="2147483688" r:id="rId4"/>
+    <p:sldLayoutId id="2147483689" r:id="rId5"/>
+    <p:sldLayoutId id="2147483690" r:id="rId6"/>
+    <p:sldLayoutId id="2147483691" r:id="rId7"/>
+    <p:sldLayoutId id="2147483692" r:id="rId8"/>
+    <p:sldLayoutId id="2147483693" r:id="rId9"/>
+    <p:sldLayoutId id="2147483694" r:id="rId10"/>
+    <p:sldLayoutId id="2147483695" r:id="rId11"/>
   </p:sldLayoutIdLst>
   <p:txStyles>
     <p:titleStyle>
-      <a:lvl1pPr algn="l" defTabSz="914400" rtl="0" eaLnBrk="1" latinLnBrk="0" hangingPunct="1">
+      <a:lvl1pPr algn="l" defTabSz="575981" rtl="0" eaLnBrk="1" latinLnBrk="0" hangingPunct="1">
         <a:lnSpc>
           <a:spcPct val="90000"/>
         </a:lnSpc>
@@ -3472,7 +3124,7 @@
           <a:spcPct val="0"/>
         </a:spcBef>
         <a:buNone/>
-        <a:defRPr sz="4400" kern="1200">
+        <a:defRPr sz="2772" kern="1200">
           <a:solidFill>
             <a:schemeClr val="tx1"/>
           </a:solidFill>
@@ -3483,16 +3135,16 @@
       </a:lvl1pPr>
     </p:titleStyle>
     <p:bodyStyle>
-      <a:lvl1pPr marL="228600" indent="-228600" algn="l" defTabSz="914400" rtl="0" eaLnBrk="1" latinLnBrk="0" hangingPunct="1">
+      <a:lvl1pPr marL="143995" indent="-143995" algn="l" defTabSz="575981" rtl="0" eaLnBrk="1" latinLnBrk="0" hangingPunct="1">
         <a:lnSpc>
           <a:spcPct val="90000"/>
         </a:lnSpc>
         <a:spcBef>
-          <a:spcPts val="1000"/>
+          <a:spcPts val="630"/>
         </a:spcBef>
         <a:buFont typeface="Arial" panose="020B0604020202020204" pitchFamily="34" charset="0"/>
         <a:buChar char="•"/>
-        <a:defRPr sz="2800" kern="1200">
+        <a:defRPr sz="1764" kern="1200">
           <a:solidFill>
             <a:schemeClr val="tx1"/>
           </a:solidFill>
@@ -3501,16 +3153,16 @@
           <a:cs typeface="+mn-cs"/>
         </a:defRPr>
       </a:lvl1pPr>
-      <a:lvl2pPr marL="685800" indent="-228600" algn="l" defTabSz="914400" rtl="0" eaLnBrk="1" latinLnBrk="0" hangingPunct="1">
+      <a:lvl2pPr marL="431985" indent="-143995" algn="l" defTabSz="575981" rtl="0" eaLnBrk="1" latinLnBrk="0" hangingPunct="1">
         <a:lnSpc>
           <a:spcPct val="90000"/>
         </a:lnSpc>
         <a:spcBef>
-          <a:spcPts val="500"/>
+          <a:spcPts val="315"/>
         </a:spcBef>
         <a:buFont typeface="Arial" panose="020B0604020202020204" pitchFamily="34" charset="0"/>
         <a:buChar char="•"/>
-        <a:defRPr sz="2400" kern="1200">
+        <a:defRPr sz="1512" kern="1200">
           <a:solidFill>
             <a:schemeClr val="tx1"/>
           </a:solidFill>
@@ -3519,16 +3171,16 @@
           <a:cs typeface="+mn-cs"/>
         </a:defRPr>
       </a:lvl2pPr>
-      <a:lvl3pPr marL="1143000" indent="-228600" algn="l" defTabSz="914400" rtl="0" eaLnBrk="1" latinLnBrk="0" hangingPunct="1">
+      <a:lvl3pPr marL="719976" indent="-143995" algn="l" defTabSz="575981" rtl="0" eaLnBrk="1" latinLnBrk="0" hangingPunct="1">
         <a:lnSpc>
           <a:spcPct val="90000"/>
         </a:lnSpc>
         <a:spcBef>
-          <a:spcPts val="500"/>
+          <a:spcPts val="315"/>
         </a:spcBef>
         <a:buFont typeface="Arial" panose="020B0604020202020204" pitchFamily="34" charset="0"/>
         <a:buChar char="•"/>
-        <a:defRPr sz="2000" kern="1200">
+        <a:defRPr sz="1260" kern="1200">
           <a:solidFill>
             <a:schemeClr val="tx1"/>
           </a:solidFill>
@@ -3537,16 +3189,16 @@
           <a:cs typeface="+mn-cs"/>
         </a:defRPr>
       </a:lvl3pPr>
-      <a:lvl4pPr marL="1600200" indent="-228600" algn="l" defTabSz="914400" rtl="0" eaLnBrk="1" latinLnBrk="0" hangingPunct="1">
+      <a:lvl4pPr marL="1007966" indent="-143995" algn="l" defTabSz="575981" rtl="0" eaLnBrk="1" latinLnBrk="0" hangingPunct="1">
         <a:lnSpc>
           <a:spcPct val="90000"/>
         </a:lnSpc>
         <a:spcBef>
-          <a:spcPts val="500"/>
+          <a:spcPts val="315"/>
         </a:spcBef>
         <a:buFont typeface="Arial" panose="020B0604020202020204" pitchFamily="34" charset="0"/>
         <a:buChar char="•"/>
-        <a:defRPr sz="1800" kern="1200">
+        <a:defRPr sz="1134" kern="1200">
           <a:solidFill>
             <a:schemeClr val="tx1"/>
           </a:solidFill>
@@ -3555,16 +3207,16 @@
           <a:cs typeface="+mn-cs"/>
         </a:defRPr>
       </a:lvl4pPr>
-      <a:lvl5pPr marL="2057400" indent="-228600" algn="l" defTabSz="914400" rtl="0" eaLnBrk="1" latinLnBrk="0" hangingPunct="1">
+      <a:lvl5pPr marL="1295956" indent="-143995" algn="l" defTabSz="575981" rtl="0" eaLnBrk="1" latinLnBrk="0" hangingPunct="1">
         <a:lnSpc>
           <a:spcPct val="90000"/>
         </a:lnSpc>
         <a:spcBef>
-          <a:spcPts val="500"/>
+          <a:spcPts val="315"/>
         </a:spcBef>
         <a:buFont typeface="Arial" panose="020B0604020202020204" pitchFamily="34" charset="0"/>
         <a:buChar char="•"/>
-        <a:defRPr sz="1800" kern="1200">
+        <a:defRPr sz="1134" kern="1200">
           <a:solidFill>
             <a:schemeClr val="tx1"/>
           </a:solidFill>
@@ -3573,16 +3225,16 @@
           <a:cs typeface="+mn-cs"/>
         </a:defRPr>
       </a:lvl5pPr>
-      <a:lvl6pPr marL="2514600" indent="-228600" algn="l" defTabSz="914400" rtl="0" eaLnBrk="1" latinLnBrk="0" hangingPunct="1">
+      <a:lvl6pPr marL="1583947" indent="-143995" algn="l" defTabSz="575981" rtl="0" eaLnBrk="1" latinLnBrk="0" hangingPunct="1">
         <a:lnSpc>
           <a:spcPct val="90000"/>
         </a:lnSpc>
         <a:spcBef>
-          <a:spcPts val="500"/>
+          <a:spcPts val="315"/>
         </a:spcBef>
         <a:buFont typeface="Arial" panose="020B0604020202020204" pitchFamily="34" charset="0"/>
         <a:buChar char="•"/>
-        <a:defRPr sz="1800" kern="1200">
+        <a:defRPr sz="1134" kern="1200">
           <a:solidFill>
             <a:schemeClr val="tx1"/>
           </a:solidFill>
@@ -3591,16 +3243,16 @@
           <a:cs typeface="+mn-cs"/>
         </a:defRPr>
       </a:lvl6pPr>
-      <a:lvl7pPr marL="2971800" indent="-228600" algn="l" defTabSz="914400" rtl="0" eaLnBrk="1" latinLnBrk="0" hangingPunct="1">
+      <a:lvl7pPr marL="1871937" indent="-143995" algn="l" defTabSz="575981" rtl="0" eaLnBrk="1" latinLnBrk="0" hangingPunct="1">
         <a:lnSpc>
           <a:spcPct val="90000"/>
         </a:lnSpc>
         <a:spcBef>
-          <a:spcPts val="500"/>
+          <a:spcPts val="315"/>
         </a:spcBef>
         <a:buFont typeface="Arial" panose="020B0604020202020204" pitchFamily="34" charset="0"/>
         <a:buChar char="•"/>
-        <a:defRPr sz="1800" kern="1200">
+        <a:defRPr sz="1134" kern="1200">
           <a:solidFill>
             <a:schemeClr val="tx1"/>
           </a:solidFill>
@@ -3609,16 +3261,16 @@
           <a:cs typeface="+mn-cs"/>
         </a:defRPr>
       </a:lvl7pPr>
-      <a:lvl8pPr marL="3429000" indent="-228600" algn="l" defTabSz="914400" rtl="0" eaLnBrk="1" latinLnBrk="0" hangingPunct="1">
+      <a:lvl8pPr marL="2159927" indent="-143995" algn="l" defTabSz="575981" rtl="0" eaLnBrk="1" latinLnBrk="0" hangingPunct="1">
         <a:lnSpc>
           <a:spcPct val="90000"/>
         </a:lnSpc>
         <a:spcBef>
-          <a:spcPts val="500"/>
+          <a:spcPts val="315"/>
         </a:spcBef>
         <a:buFont typeface="Arial" panose="020B0604020202020204" pitchFamily="34" charset="0"/>
         <a:buChar char="•"/>
-        <a:defRPr sz="1800" kern="1200">
+        <a:defRPr sz="1134" kern="1200">
           <a:solidFill>
             <a:schemeClr val="tx1"/>
           </a:solidFill>
@@ -3627,16 +3279,16 @@
           <a:cs typeface="+mn-cs"/>
         </a:defRPr>
       </a:lvl8pPr>
-      <a:lvl9pPr marL="3886200" indent="-228600" algn="l" defTabSz="914400" rtl="0" eaLnBrk="1" latinLnBrk="0" hangingPunct="1">
+      <a:lvl9pPr marL="2447917" indent="-143995" algn="l" defTabSz="575981" rtl="0" eaLnBrk="1" latinLnBrk="0" hangingPunct="1">
         <a:lnSpc>
           <a:spcPct val="90000"/>
         </a:lnSpc>
         <a:spcBef>
-          <a:spcPts val="500"/>
+          <a:spcPts val="315"/>
         </a:spcBef>
         <a:buFont typeface="Arial" panose="020B0604020202020204" pitchFamily="34" charset="0"/>
         <a:buChar char="•"/>
-        <a:defRPr sz="1800" kern="1200">
+        <a:defRPr sz="1134" kern="1200">
           <a:solidFill>
             <a:schemeClr val="tx1"/>
           </a:solidFill>
@@ -3648,10 +3300,10 @@
     </p:bodyStyle>
     <p:otherStyle>
       <a:defPPr>
-        <a:defRPr lang="en-AT"/>
+        <a:defRPr lang="en-US"/>
       </a:defPPr>
-      <a:lvl1pPr marL="0" algn="l" defTabSz="914400" rtl="0" eaLnBrk="1" latinLnBrk="0" hangingPunct="1">
-        <a:defRPr sz="1800" kern="1200">
+      <a:lvl1pPr marL="0" algn="l" defTabSz="575981" rtl="0" eaLnBrk="1" latinLnBrk="0" hangingPunct="1">
+        <a:defRPr sz="1134" kern="1200">
           <a:solidFill>
             <a:schemeClr val="tx1"/>
           </a:solidFill>
@@ -3660,8 +3312,8 @@
           <a:cs typeface="+mn-cs"/>
         </a:defRPr>
       </a:lvl1pPr>
-      <a:lvl2pPr marL="457200" algn="l" defTabSz="914400" rtl="0" eaLnBrk="1" latinLnBrk="0" hangingPunct="1">
-        <a:defRPr sz="1800" kern="1200">
+      <a:lvl2pPr marL="287990" algn="l" defTabSz="575981" rtl="0" eaLnBrk="1" latinLnBrk="0" hangingPunct="1">
+        <a:defRPr sz="1134" kern="1200">
           <a:solidFill>
             <a:schemeClr val="tx1"/>
           </a:solidFill>
@@ -3670,8 +3322,8 @@
           <a:cs typeface="+mn-cs"/>
         </a:defRPr>
       </a:lvl2pPr>
-      <a:lvl3pPr marL="914400" algn="l" defTabSz="914400" rtl="0" eaLnBrk="1" latinLnBrk="0" hangingPunct="1">
-        <a:defRPr sz="1800" kern="1200">
+      <a:lvl3pPr marL="575981" algn="l" defTabSz="575981" rtl="0" eaLnBrk="1" latinLnBrk="0" hangingPunct="1">
+        <a:defRPr sz="1134" kern="1200">
           <a:solidFill>
             <a:schemeClr val="tx1"/>
           </a:solidFill>
@@ -3680,8 +3332,8 @@
           <a:cs typeface="+mn-cs"/>
         </a:defRPr>
       </a:lvl3pPr>
-      <a:lvl4pPr marL="1371600" algn="l" defTabSz="914400" rtl="0" eaLnBrk="1" latinLnBrk="0" hangingPunct="1">
-        <a:defRPr sz="1800" kern="1200">
+      <a:lvl4pPr marL="863971" algn="l" defTabSz="575981" rtl="0" eaLnBrk="1" latinLnBrk="0" hangingPunct="1">
+        <a:defRPr sz="1134" kern="1200">
           <a:solidFill>
             <a:schemeClr val="tx1"/>
           </a:solidFill>
@@ -3690,8 +3342,8 @@
           <a:cs typeface="+mn-cs"/>
         </a:defRPr>
       </a:lvl4pPr>
-      <a:lvl5pPr marL="1828800" algn="l" defTabSz="914400" rtl="0" eaLnBrk="1" latinLnBrk="0" hangingPunct="1">
-        <a:defRPr sz="1800" kern="1200">
+      <a:lvl5pPr marL="1151961" algn="l" defTabSz="575981" rtl="0" eaLnBrk="1" latinLnBrk="0" hangingPunct="1">
+        <a:defRPr sz="1134" kern="1200">
           <a:solidFill>
             <a:schemeClr val="tx1"/>
           </a:solidFill>
@@ -3700,8 +3352,8 @@
           <a:cs typeface="+mn-cs"/>
         </a:defRPr>
       </a:lvl5pPr>
-      <a:lvl6pPr marL="2286000" algn="l" defTabSz="914400" rtl="0" eaLnBrk="1" latinLnBrk="0" hangingPunct="1">
-        <a:defRPr sz="1800" kern="1200">
+      <a:lvl6pPr marL="1439951" algn="l" defTabSz="575981" rtl="0" eaLnBrk="1" latinLnBrk="0" hangingPunct="1">
+        <a:defRPr sz="1134" kern="1200">
           <a:solidFill>
             <a:schemeClr val="tx1"/>
           </a:solidFill>
@@ -3710,8 +3362,8 @@
           <a:cs typeface="+mn-cs"/>
         </a:defRPr>
       </a:lvl6pPr>
-      <a:lvl7pPr marL="2743200" algn="l" defTabSz="914400" rtl="0" eaLnBrk="1" latinLnBrk="0" hangingPunct="1">
-        <a:defRPr sz="1800" kern="1200">
+      <a:lvl7pPr marL="1727942" algn="l" defTabSz="575981" rtl="0" eaLnBrk="1" latinLnBrk="0" hangingPunct="1">
+        <a:defRPr sz="1134" kern="1200">
           <a:solidFill>
             <a:schemeClr val="tx1"/>
           </a:solidFill>
@@ -3720,8 +3372,8 @@
           <a:cs typeface="+mn-cs"/>
         </a:defRPr>
       </a:lvl7pPr>
-      <a:lvl8pPr marL="3200400" algn="l" defTabSz="914400" rtl="0" eaLnBrk="1" latinLnBrk="0" hangingPunct="1">
-        <a:defRPr sz="1800" kern="1200">
+      <a:lvl8pPr marL="2015932" algn="l" defTabSz="575981" rtl="0" eaLnBrk="1" latinLnBrk="0" hangingPunct="1">
+        <a:defRPr sz="1134" kern="1200">
           <a:solidFill>
             <a:schemeClr val="tx1"/>
           </a:solidFill>
@@ -3730,8 +3382,8 @@
           <a:cs typeface="+mn-cs"/>
         </a:defRPr>
       </a:lvl8pPr>
-      <a:lvl9pPr marL="3657600" algn="l" defTabSz="914400" rtl="0" eaLnBrk="1" latinLnBrk="0" hangingPunct="1">
-        <a:defRPr sz="1800" kern="1200">
+      <a:lvl9pPr marL="2303922" algn="l" defTabSz="575981" rtl="0" eaLnBrk="1" latinLnBrk="0" hangingPunct="1">
+        <a:defRPr sz="1134" kern="1200">
           <a:solidFill>
             <a:schemeClr val="tx1"/>
           </a:solidFill>
@@ -3776,7 +3428,7 @@
         </p:nvSpPr>
         <p:spPr>
           <a:xfrm>
-            <a:off x="3323067" y="2787276"/>
+            <a:off x="2442747" y="2267124"/>
             <a:ext cx="2620565" cy="945576"/>
           </a:xfrm>
           <a:prstGeom prst="rect">
@@ -3846,7 +3498,7 @@
         </p:nvSpPr>
         <p:spPr>
           <a:xfrm>
-            <a:off x="6217376" y="1984460"/>
+            <a:off x="5337056" y="1464311"/>
             <a:ext cx="2009841" cy="746057"/>
           </a:xfrm>
           <a:prstGeom prst="rect">
@@ -3931,7 +3583,7 @@
         </p:blipFill>
         <p:spPr bwMode="auto">
           <a:xfrm>
-            <a:off x="3287115" y="4082314"/>
+            <a:off x="2406792" y="3562162"/>
             <a:ext cx="1453782" cy="430266"/>
           </a:xfrm>
           <a:prstGeom prst="rect">
@@ -3963,7 +3615,7 @@
         </p:nvSpPr>
         <p:spPr>
           <a:xfrm>
-            <a:off x="3264419" y="1890331"/>
+            <a:off x="2384099" y="1370182"/>
             <a:ext cx="5055333" cy="2621599"/>
           </a:xfrm>
           <a:prstGeom prst="rect">
@@ -4005,7 +3657,7 @@
                 <a:ea typeface="Helvetica Neue" panose="02000503000000020004" pitchFamily="2" charset="0"/>
                 <a:cs typeface="Helvetica Neue" panose="02000503000000020004" pitchFamily="2" charset="0"/>
               </a:rPr>
-              <a:t>Analysis and visualisation</a:t>
+              <a:t>Analysis and visualization</a:t>
             </a:r>
           </a:p>
         </p:txBody>
@@ -4024,7 +3676,7 @@
         </p:nvSpPr>
         <p:spPr>
           <a:xfrm>
-            <a:off x="9084082" y="2869596"/>
+            <a:off x="8203759" y="2349444"/>
             <a:ext cx="656804" cy="640800"/>
           </a:xfrm>
           <a:prstGeom prst="rect">
@@ -4108,7 +3760,7 @@
         </p:nvCxnSpPr>
         <p:spPr>
           <a:xfrm>
-            <a:off x="2499709" y="3253609"/>
+            <a:off x="1619386" y="2733460"/>
             <a:ext cx="823358" cy="6455"/>
           </a:xfrm>
           <a:prstGeom prst="straightConnector1">
@@ -4154,7 +3806,7 @@
         </p:nvCxnSpPr>
         <p:spPr>
           <a:xfrm flipV="1">
-            <a:off x="8319752" y="3189996"/>
+            <a:off x="7439429" y="2669847"/>
             <a:ext cx="764330" cy="11135"/>
           </a:xfrm>
           <a:prstGeom prst="straightConnector1">
@@ -4196,7 +3848,7 @@
         </p:nvSpPr>
         <p:spPr>
           <a:xfrm>
-            <a:off x="6217376" y="2828498"/>
+            <a:off x="5337056" y="2308346"/>
             <a:ext cx="2009841" cy="463592"/>
           </a:xfrm>
           <a:prstGeom prst="rect">
@@ -4255,7 +3907,7 @@
         </p:nvSpPr>
         <p:spPr>
           <a:xfrm>
-            <a:off x="6217375" y="3390071"/>
+            <a:off x="5337055" y="2869919"/>
             <a:ext cx="2009841" cy="463592"/>
           </a:xfrm>
           <a:prstGeom prst="rect">
@@ -4318,7 +3970,7 @@
         </p:nvCxnSpPr>
         <p:spPr>
           <a:xfrm>
-            <a:off x="5943632" y="3260064"/>
+            <a:off x="5063312" y="2739915"/>
             <a:ext cx="273743" cy="361803"/>
           </a:xfrm>
           <a:prstGeom prst="bentConnector3">
@@ -4362,7 +4014,7 @@
         </p:nvCxnSpPr>
         <p:spPr>
           <a:xfrm flipV="1">
-            <a:off x="5943631" y="3060294"/>
+            <a:off x="5063311" y="2540142"/>
             <a:ext cx="273745" cy="199770"/>
           </a:xfrm>
           <a:prstGeom prst="bentConnector3">
@@ -4406,7 +4058,7 @@
         </p:nvCxnSpPr>
         <p:spPr>
           <a:xfrm rot="5400000" flipH="1" flipV="1">
-            <a:off x="5709540" y="2728454"/>
+            <a:off x="4829217" y="2208305"/>
             <a:ext cx="878800" cy="136871"/>
           </a:xfrm>
           <a:prstGeom prst="bentConnector2">
@@ -4447,7 +4099,7 @@
         </p:nvSpPr>
         <p:spPr>
           <a:xfrm>
-            <a:off x="6217375" y="3947838"/>
+            <a:off x="5337055" y="3427686"/>
             <a:ext cx="2009841" cy="463592"/>
           </a:xfrm>
           <a:prstGeom prst="rect">
@@ -4509,7 +4161,7 @@
         </p:nvCxnSpPr>
         <p:spPr>
           <a:xfrm rot="16200000" flipH="1">
-            <a:off x="5687624" y="3649882"/>
+            <a:off x="4807304" y="3129730"/>
             <a:ext cx="922631" cy="136872"/>
           </a:xfrm>
           <a:prstGeom prst="bentConnector2">
@@ -4554,7 +4206,7 @@
         </p:nvCxnSpPr>
         <p:spPr>
           <a:xfrm>
-            <a:off x="7215944" y="1611661"/>
+            <a:off x="6335624" y="1091512"/>
             <a:ext cx="6353" cy="372799"/>
           </a:xfrm>
           <a:prstGeom prst="straightConnector1">
@@ -4596,7 +4248,7 @@
         </p:nvSpPr>
         <p:spPr>
           <a:xfrm>
-            <a:off x="7202417" y="1556199"/>
+            <a:off x="6322097" y="1036047"/>
             <a:ext cx="1053895" cy="369332"/>
           </a:xfrm>
           <a:prstGeom prst="rect">
@@ -4612,9 +4264,6 @@
           <a:p>
             <a:r>
               <a:rPr lang="en-GB" dirty="0">
-                <a:solidFill>
-                  <a:schemeClr val="tx1"/>
-                </a:solidFill>
                 <a:latin typeface="Helvetica Neue" panose="02000503000000020004" pitchFamily="2" charset="0"/>
                 <a:ea typeface="Helvetica Neue" panose="02000503000000020004" pitchFamily="2" charset="0"/>
                 <a:cs typeface="Helvetica Neue" panose="02000503000000020004" pitchFamily="2" charset="0"/>
@@ -4639,7 +4288,7 @@
         </p:nvSpPr>
         <p:spPr>
           <a:xfrm>
-            <a:off x="2451115" y="2891432"/>
+            <a:off x="1570795" y="2371280"/>
             <a:ext cx="1053895" cy="369332"/>
           </a:xfrm>
           <a:prstGeom prst="rect">
@@ -4655,9 +4304,6 @@
           <a:p>
             <a:r>
               <a:rPr lang="en-GB" dirty="0">
-                <a:solidFill>
-                  <a:schemeClr val="tx1"/>
-                </a:solidFill>
                 <a:latin typeface="Helvetica Neue" panose="02000503000000020004" pitchFamily="2" charset="0"/>
                 <a:ea typeface="Helvetica Neue" panose="02000503000000020004" pitchFamily="2" charset="0"/>
                 <a:cs typeface="Helvetica Neue" panose="02000503000000020004" pitchFamily="2" charset="0"/>
@@ -4682,7 +4328,7 @@
         </p:nvSpPr>
         <p:spPr>
           <a:xfrm>
-            <a:off x="8260838" y="2832276"/>
+            <a:off x="7380518" y="2312124"/>
             <a:ext cx="1053895" cy="369332"/>
           </a:xfrm>
           <a:prstGeom prst="rect">
@@ -4702,18 +4348,7 @@
                 <a:ea typeface="Helvetica Neue" panose="02000503000000020004" pitchFamily="2" charset="0"/>
                 <a:cs typeface="Helvetica Neue" panose="02000503000000020004" pitchFamily="2" charset="0"/>
               </a:rPr>
-              <a:t>Ex</a:t>
-            </a:r>
-            <a:r>
-              <a:rPr lang="en-GB" dirty="0">
-                <a:solidFill>
-                  <a:schemeClr val="tx1"/>
-                </a:solidFill>
-                <a:latin typeface="Helvetica Neue" panose="02000503000000020004" pitchFamily="2" charset="0"/>
-                <a:ea typeface="Helvetica Neue" panose="02000503000000020004" pitchFamily="2" charset="0"/>
-                <a:cs typeface="Helvetica Neue" panose="02000503000000020004" pitchFamily="2" charset="0"/>
-              </a:rPr>
-              <a:t>port</a:t>
+              <a:t>Export</a:t>
             </a:r>
             <a:endParaRPr lang="en-GB" dirty="0"/>
           </a:p>
@@ -4733,7 +4368,7 @@
         </p:nvGrpSpPr>
         <p:grpSpPr>
           <a:xfrm>
-            <a:off x="1055795" y="2053014"/>
+            <a:off x="175472" y="1532865"/>
             <a:ext cx="1443914" cy="2401189"/>
             <a:chOff x="549478" y="1903992"/>
             <a:chExt cx="1443914" cy="2401189"/>
@@ -4947,7 +4582,7 @@
         </p:nvGrpSpPr>
         <p:grpSpPr>
           <a:xfrm>
-            <a:off x="6525016" y="754681"/>
+            <a:off x="5644696" y="234529"/>
             <a:ext cx="1449427" cy="856980"/>
             <a:chOff x="6695345" y="754681"/>
             <a:chExt cx="1449427" cy="856980"/>
@@ -5134,7 +4769,7 @@
         </p:blipFill>
         <p:spPr bwMode="auto">
           <a:xfrm>
-            <a:off x="1279605" y="3189996"/>
+            <a:off x="399284" y="2669847"/>
             <a:ext cx="823359" cy="823359"/>
           </a:xfrm>
           <a:prstGeom prst="rect">
@@ -5152,6 +4787,79 @@
           </a:extLst>
         </p:spPr>
       </p:pic>
+      <p:sp>
+        <p:nvSpPr>
+          <p:cNvPr id="31" name="Rectangle 30">
+            <a:extLst>
+              <a:ext uri="{FF2B5EF4-FFF2-40B4-BE49-F238E27FC236}">
+                <a16:creationId xmlns:a16="http://schemas.microsoft.com/office/drawing/2014/main" id="{639721E1-F510-514C-ADED-566E6C50A13B}"/>
+              </a:ext>
+            </a:extLst>
+          </p:cNvPr>
+          <p:cNvSpPr/>
+          <p:nvPr/>
+        </p:nvSpPr>
+        <p:spPr>
+          <a:xfrm>
+            <a:off x="2384099" y="997963"/>
+            <a:ext cx="1940235" cy="359749"/>
+          </a:xfrm>
+          <a:prstGeom prst="rect">
+            <a:avLst/>
+          </a:prstGeom>
+          <a:noFill/>
+          <a:ln>
+            <a:noFill/>
+          </a:ln>
+        </p:spPr>
+        <p:style>
+          <a:lnRef idx="2">
+            <a:schemeClr val="accent1">
+              <a:shade val="50000"/>
+            </a:schemeClr>
+          </a:lnRef>
+          <a:fillRef idx="1">
+            <a:schemeClr val="accent1"/>
+          </a:fillRef>
+          <a:effectRef idx="0">
+            <a:schemeClr val="accent1"/>
+          </a:effectRef>
+          <a:fontRef idx="minor">
+            <a:schemeClr val="lt1"/>
+          </a:fontRef>
+        </p:style>
+        <p:txBody>
+          <a:bodyPr rtlCol="0" anchor="t"/>
+          <a:lstStyle/>
+          <a:p>
+            <a:r>
+              <a:rPr lang="en-GB" dirty="0" err="1">
+                <a:solidFill>
+                  <a:srgbClr val="C00000"/>
+                </a:solidFill>
+                <a:latin typeface="American Typewriter" panose="02090604020004020304" pitchFamily="18" charset="77"/>
+              </a:rPr>
+              <a:t>PyMultiLidar</a:t>
+            </a:r>
+            <a:endParaRPr lang="en-GB" dirty="0">
+              <a:solidFill>
+                <a:srgbClr val="C00000"/>
+              </a:solidFill>
+              <a:latin typeface="American Typewriter" panose="02090604020004020304" pitchFamily="18" charset="77"/>
+            </a:endParaRPr>
+          </a:p>
+          <a:p>
+            <a:endParaRPr lang="en-GB" dirty="0">
+              <a:solidFill>
+                <a:schemeClr val="tx1"/>
+              </a:solidFill>
+              <a:latin typeface="Helvetica Neue" panose="02000503000000020004" pitchFamily="2" charset="0"/>
+              <a:ea typeface="Helvetica Neue" panose="02000503000000020004" pitchFamily="2" charset="0"/>
+              <a:cs typeface="Helvetica Neue" panose="02000503000000020004" pitchFamily="2" charset="0"/>
+            </a:endParaRPr>
+          </a:p>
+        </p:txBody>
+      </p:sp>
     </p:spTree>
     <p:extLst>
       <p:ext uri="{BB962C8B-B14F-4D97-AF65-F5344CB8AC3E}">
@@ -5168,7 +4876,7 @@
 <file path=ppt/theme/theme1.xml><?xml version="1.0" encoding="utf-8"?>
 <a:theme xmlns:a="http://schemas.openxmlformats.org/drawingml/2006/main" name="Office Theme">
   <a:themeElements>
-    <a:clrScheme name="Office">
+    <a:clrScheme name="Office Theme">
       <a:dk1>
         <a:sysClr val="windowText" lastClr="000000"/>
       </a:dk1>
@@ -5206,7 +4914,7 @@
         <a:srgbClr val="954F72"/>
       </a:folHlink>
     </a:clrScheme>
-    <a:fontScheme name="Office">
+    <a:fontScheme name="Office Theme">
       <a:majorFont>
         <a:latin typeface="Calibri Light" panose="020F0302020204030204"/>
         <a:ea typeface=""/>
@@ -5241,23 +4949,6 @@
         <a:font script="Viet" typeface="Times New Roman"/>
         <a:font script="Uigh" typeface="Microsoft Uighur"/>
         <a:font script="Geor" typeface="Sylfaen"/>
-        <a:font script="Armn" typeface="Arial"/>
-        <a:font script="Bugi" typeface="Leelawadee UI"/>
-        <a:font script="Bopo" typeface="Microsoft JhengHei"/>
-        <a:font script="Java" typeface="Javanese Text"/>
-        <a:font script="Lisu" typeface="Segoe UI"/>
-        <a:font script="Mymr" typeface="Myanmar Text"/>
-        <a:font script="Nkoo" typeface="Ebrima"/>
-        <a:font script="Olck" typeface="Nirmala UI"/>
-        <a:font script="Osma" typeface="Ebrima"/>
-        <a:font script="Phag" typeface="Phagspa"/>
-        <a:font script="Syrn" typeface="Estrangelo Edessa"/>
-        <a:font script="Syrj" typeface="Estrangelo Edessa"/>
-        <a:font script="Syre" typeface="Estrangelo Edessa"/>
-        <a:font script="Sora" typeface="Nirmala UI"/>
-        <a:font script="Tale" typeface="Microsoft Tai Le"/>
-        <a:font script="Talu" typeface="Microsoft New Tai Lue"/>
-        <a:font script="Tfng" typeface="Ebrima"/>
       </a:majorFont>
       <a:minorFont>
         <a:latin typeface="Calibri" panose="020F0502020204030204"/>
@@ -5293,26 +4984,9 @@
         <a:font script="Viet" typeface="Arial"/>
         <a:font script="Uigh" typeface="Microsoft Uighur"/>
         <a:font script="Geor" typeface="Sylfaen"/>
-        <a:font script="Armn" typeface="Arial"/>
-        <a:font script="Bugi" typeface="Leelawadee UI"/>
-        <a:font script="Bopo" typeface="Microsoft JhengHei"/>
-        <a:font script="Java" typeface="Javanese Text"/>
-        <a:font script="Lisu" typeface="Segoe UI"/>
-        <a:font script="Mymr" typeface="Myanmar Text"/>
-        <a:font script="Nkoo" typeface="Ebrima"/>
-        <a:font script="Olck" typeface="Nirmala UI"/>
-        <a:font script="Osma" typeface="Ebrima"/>
-        <a:font script="Phag" typeface="Phagspa"/>
-        <a:font script="Syrn" typeface="Estrangelo Edessa"/>
-        <a:font script="Syrj" typeface="Estrangelo Edessa"/>
-        <a:font script="Syre" typeface="Estrangelo Edessa"/>
-        <a:font script="Sora" typeface="Nirmala UI"/>
-        <a:font script="Tale" typeface="Microsoft Tai Le"/>
-        <a:font script="Talu" typeface="Microsoft New Tai Lue"/>
-        <a:font script="Tfng" typeface="Ebrima"/>
       </a:minorFont>
     </a:fontScheme>
-    <a:fmtScheme name="Office">
+    <a:fmtScheme name="Office Theme">
       <a:fillStyleLst>
         <a:solidFill>
           <a:schemeClr val="phClr"/>

--- a/paper/figures/data_pipeline.pptx
+++ b/paper/figures/data_pipeline.pptx
@@ -5,10 +5,12 @@
     <p:sldMasterId id="2147483684" r:id="rId1"/>
   </p:sldMasterIdLst>
   <p:notesMasterIdLst>
-    <p:notesMasterId r:id="rId3"/>
+    <p:notesMasterId r:id="rId5"/>
   </p:notesMasterIdLst>
   <p:sldIdLst>
     <p:sldId id="258" r:id="rId2"/>
+    <p:sldId id="592" r:id="rId3"/>
+    <p:sldId id="593" r:id="rId4"/>
   </p:sldIdLst>
   <p:sldSz cx="8999538" cy="4319588"/>
   <p:notesSz cx="6858000" cy="9144000"/>
@@ -197,7 +199,7 @@
           <a:p>
             <a:fld id="{ACC8D1E5-734B-D648-9544-C1B3E7710CE7}" type="datetimeFigureOut">
               <a:rPr lang="en-GB" smtClean="0"/>
-              <a:t>21/01/2021</a:t>
+              <a:t>28/04/2021</a:t>
             </a:fld>
             <a:endParaRPr lang="en-GB"/>
           </a:p>
@@ -355,7 +357,7 @@
           <a:p>
             <a:fld id="{56E0D9BA-7F77-734C-9856-64914A163371}" type="slidenum">
               <a:rPr lang="en-GB" smtClean="0"/>
-              <a:t>‹#›</a:t>
+              <a:t>‹Nr.›</a:t>
             </a:fld>
             <a:endParaRPr lang="en-GB"/>
           </a:p>
@@ -684,7 +686,7 @@
           <a:p>
             <a:fld id="{70A666A6-2FAB-D348-B19D-8A510A298A73}" type="datetimeFigureOut">
               <a:rPr lang="en-GB" smtClean="0"/>
-              <a:t>21/01/2021</a:t>
+              <a:t>28/04/2021</a:t>
             </a:fld>
             <a:endParaRPr lang="en-GB"/>
           </a:p>
@@ -726,7 +728,7 @@
           <a:p>
             <a:fld id="{F818736A-FFF0-2D46-A8E8-BE11000C3203}" type="slidenum">
               <a:rPr lang="en-GB" smtClean="0"/>
-              <a:t>‹#›</a:t>
+              <a:t>‹Nr.›</a:t>
             </a:fld>
             <a:endParaRPr lang="en-GB"/>
           </a:p>
@@ -854,7 +856,7 @@
           <a:p>
             <a:fld id="{70A666A6-2FAB-D348-B19D-8A510A298A73}" type="datetimeFigureOut">
               <a:rPr lang="en-GB" smtClean="0"/>
-              <a:t>21/01/2021</a:t>
+              <a:t>28/04/2021</a:t>
             </a:fld>
             <a:endParaRPr lang="en-GB"/>
           </a:p>
@@ -896,7 +898,7 @@
           <a:p>
             <a:fld id="{F818736A-FFF0-2D46-A8E8-BE11000C3203}" type="slidenum">
               <a:rPr lang="en-GB" smtClean="0"/>
-              <a:t>‹#›</a:t>
+              <a:t>‹Nr.›</a:t>
             </a:fld>
             <a:endParaRPr lang="en-GB"/>
           </a:p>
@@ -1034,7 +1036,7 @@
           <a:p>
             <a:fld id="{70A666A6-2FAB-D348-B19D-8A510A298A73}" type="datetimeFigureOut">
               <a:rPr lang="en-GB" smtClean="0"/>
-              <a:t>21/01/2021</a:t>
+              <a:t>28/04/2021</a:t>
             </a:fld>
             <a:endParaRPr lang="en-GB"/>
           </a:p>
@@ -1076,7 +1078,7 @@
           <a:p>
             <a:fld id="{F818736A-FFF0-2D46-A8E8-BE11000C3203}" type="slidenum">
               <a:rPr lang="en-GB" smtClean="0"/>
-              <a:t>‹#›</a:t>
+              <a:t>‹Nr.›</a:t>
             </a:fld>
             <a:endParaRPr lang="en-GB"/>
           </a:p>
@@ -1092,6 +1094,273 @@
   <p:clrMapOvr>
     <a:masterClrMapping/>
   </p:clrMapOvr>
+</p:sldLayout>
+</file>
+
+<file path=ppt/slideLayouts/slideLayout12.xml><?xml version="1.0" encoding="utf-8"?>
+<p:sldLayout xmlns:a="http://schemas.openxmlformats.org/drawingml/2006/main" xmlns:r="http://schemas.openxmlformats.org/officeDocument/2006/relationships" xmlns:p="http://schemas.openxmlformats.org/presentationml/2006/main" userDrawn="1">
+  <p:cSld name="ViF_Folie nur Text">
+    <p:spTree>
+      <p:nvGrpSpPr>
+        <p:cNvPr id="1" name=""/>
+        <p:cNvGrpSpPr/>
+        <p:nvPr/>
+      </p:nvGrpSpPr>
+      <p:grpSpPr>
+        <a:xfrm>
+          <a:off x="0" y="0"/>
+          <a:ext cx="0" cy="0"/>
+          <a:chOff x="0" y="0"/>
+          <a:chExt cx="0" cy="0"/>
+        </a:xfrm>
+      </p:grpSpPr>
+      <p:sp>
+        <p:nvSpPr>
+          <p:cNvPr id="2" name="Titel 1"/>
+          <p:cNvSpPr>
+            <a:spLocks noGrp="1"/>
+          </p:cNvSpPr>
+          <p:nvPr>
+            <p:ph type="title"/>
+          </p:nvPr>
+        </p:nvSpPr>
+        <p:spPr>
+          <a:xfrm>
+            <a:off x="401241" y="102962"/>
+            <a:ext cx="6412991" cy="287956"/>
+          </a:xfrm>
+          <a:prstGeom prst="rect">
+            <a:avLst/>
+          </a:prstGeom>
+        </p:spPr>
+        <p:txBody>
+          <a:bodyPr lIns="0" tIns="0" bIns="0" anchor="ctr"/>
+          <a:lstStyle>
+            <a:lvl1pPr>
+              <a:defRPr sz="1143" b="1"/>
+            </a:lvl1pPr>
+          </a:lstStyle>
+          <a:p>
+            <a:r>
+              <a:rPr lang="de-DE"/>
+              <a:t>Titelmasterformat durch Klicken bearbeiten</a:t>
+            </a:r>
+            <a:endParaRPr lang="de-AT" dirty="0"/>
+          </a:p>
+        </p:txBody>
+      </p:sp>
+      <p:sp>
+        <p:nvSpPr>
+          <p:cNvPr id="3" name="Datumsplatzhalter 2"/>
+          <p:cNvSpPr>
+            <a:spLocks noGrp="1"/>
+          </p:cNvSpPr>
+          <p:nvPr>
+            <p:ph type="dt" sz="half" idx="10"/>
+          </p:nvPr>
+        </p:nvSpPr>
+        <p:spPr/>
+        <p:txBody>
+          <a:bodyPr/>
+          <a:lstStyle/>
+          <a:p>
+            <a:endParaRPr lang="de-AT" dirty="0">
+              <a:solidFill>
+                <a:srgbClr val="000000">
+                  <a:tint val="75000"/>
+                </a:srgbClr>
+              </a:solidFill>
+            </a:endParaRPr>
+          </a:p>
+        </p:txBody>
+      </p:sp>
+      <p:sp>
+        <p:nvSpPr>
+          <p:cNvPr id="4" name="Fußzeilenplatzhalter 3"/>
+          <p:cNvSpPr>
+            <a:spLocks noGrp="1"/>
+          </p:cNvSpPr>
+          <p:nvPr>
+            <p:ph type="ftr" sz="quarter" idx="11"/>
+          </p:nvPr>
+        </p:nvSpPr>
+        <p:spPr/>
+        <p:txBody>
+          <a:bodyPr/>
+          <a:lstStyle/>
+          <a:p>
+            <a:endParaRPr lang="de-AT" dirty="0">
+              <a:solidFill>
+                <a:srgbClr val="000000">
+                  <a:tint val="75000"/>
+                </a:srgbClr>
+              </a:solidFill>
+            </a:endParaRPr>
+          </a:p>
+        </p:txBody>
+      </p:sp>
+      <p:sp>
+        <p:nvSpPr>
+          <p:cNvPr id="5" name="Foliennummernplatzhalter 4"/>
+          <p:cNvSpPr>
+            <a:spLocks noGrp="1"/>
+          </p:cNvSpPr>
+          <p:nvPr>
+            <p:ph type="sldNum" sz="quarter" idx="12"/>
+          </p:nvPr>
+        </p:nvSpPr>
+        <p:spPr/>
+        <p:txBody>
+          <a:bodyPr/>
+          <a:lstStyle/>
+          <a:p>
+            <a:fld id="{2F3BB332-F7ED-43B3-92BF-86D2CC42DE36}" type="slidenum">
+              <a:rPr lang="de-AT" smtClean="0">
+                <a:solidFill>
+                  <a:srgbClr val="000000">
+                    <a:tint val="75000"/>
+                  </a:srgbClr>
+                </a:solidFill>
+              </a:rPr>
+              <a:pPr/>
+              <a:t>‹Nr.›</a:t>
+            </a:fld>
+            <a:endParaRPr lang="de-AT" dirty="0">
+              <a:solidFill>
+                <a:srgbClr val="000000">
+                  <a:tint val="75000"/>
+                </a:srgbClr>
+              </a:solidFill>
+            </a:endParaRPr>
+          </a:p>
+        </p:txBody>
+      </p:sp>
+      <p:cxnSp>
+        <p:nvCxnSpPr>
+          <p:cNvPr id="7" name="Gerade Verbindung 6"/>
+          <p:cNvCxnSpPr/>
+          <p:nvPr userDrawn="1"/>
+        </p:nvCxnSpPr>
+        <p:spPr bwMode="auto">
+          <a:xfrm>
+            <a:off x="389287" y="390919"/>
+            <a:ext cx="6424945" cy="1752"/>
+          </a:xfrm>
+          <a:prstGeom prst="line">
+            <a:avLst/>
+          </a:prstGeom>
+          <a:noFill/>
+          <a:ln w="12700" cap="flat" cmpd="sng" algn="ctr">
+            <a:solidFill>
+              <a:schemeClr val="bg1">
+                <a:lumMod val="75000"/>
+              </a:schemeClr>
+            </a:solidFill>
+            <a:prstDash val="solid"/>
+            <a:round/>
+            <a:headEnd type="none" w="med" len="med"/>
+            <a:tailEnd type="none" w="med" len="med"/>
+          </a:ln>
+          <a:effectLst/>
+        </p:spPr>
+      </p:cxnSp>
+      <p:sp>
+        <p:nvSpPr>
+          <p:cNvPr id="9" name="Textplatzhalter 8"/>
+          <p:cNvSpPr>
+            <a:spLocks noGrp="1"/>
+          </p:cNvSpPr>
+          <p:nvPr>
+            <p:ph type="body" sz="quarter" idx="14" hasCustomPrompt="1"/>
+          </p:nvPr>
+        </p:nvSpPr>
+        <p:spPr>
+          <a:xfrm>
+            <a:off x="401240" y="609267"/>
+            <a:ext cx="8450344" cy="3401676"/>
+          </a:xfrm>
+          <a:prstGeom prst="rect">
+            <a:avLst/>
+          </a:prstGeom>
+        </p:spPr>
+        <p:txBody>
+          <a:bodyPr lIns="0"/>
+          <a:lstStyle>
+            <a:lvl2pPr>
+              <a:spcBef>
+                <a:spcPts val="172"/>
+              </a:spcBef>
+              <a:spcAft>
+                <a:spcPts val="172"/>
+              </a:spcAft>
+              <a:defRPr/>
+            </a:lvl2pPr>
+            <a:lvl3pPr marL="515098" indent="-159608">
+              <a:spcBef>
+                <a:spcPts val="172"/>
+              </a:spcBef>
+              <a:spcAft>
+                <a:spcPts val="172"/>
+              </a:spcAft>
+              <a:defRPr/>
+            </a:lvl3pPr>
+            <a:lvl4pPr marL="667452" indent="-152353">
+              <a:spcBef>
+                <a:spcPts val="172"/>
+              </a:spcBef>
+              <a:spcAft>
+                <a:spcPts val="172"/>
+              </a:spcAft>
+              <a:buFont typeface="Symbol" panose="05050102010706020507" pitchFamily="18" charset="2"/>
+              <a:buChar char="-"/>
+              <a:defRPr>
+                <a:latin typeface="+mn-lt"/>
+              </a:defRPr>
+            </a:lvl4pPr>
+          </a:lstStyle>
+          <a:p>
+            <a:pPr lvl="0"/>
+            <a:r>
+              <a:rPr lang="de-DE" dirty="0"/>
+              <a:t>Textmasterformate durch Klicken bearbeiten</a:t>
+            </a:r>
+          </a:p>
+          <a:p>
+            <a:pPr lvl="1"/>
+            <a:r>
+              <a:rPr lang="de-DE" dirty="0"/>
+              <a:t>Erste Ebene</a:t>
+            </a:r>
+          </a:p>
+          <a:p>
+            <a:pPr lvl="2"/>
+            <a:r>
+              <a:rPr lang="de-DE" dirty="0"/>
+              <a:t>Zweite Ebene</a:t>
+            </a:r>
+          </a:p>
+          <a:p>
+            <a:pPr lvl="3"/>
+            <a:r>
+              <a:rPr lang="de-DE" dirty="0"/>
+              <a:t>Dritte Ebene</a:t>
+            </a:r>
+          </a:p>
+        </p:txBody>
+      </p:sp>
+    </p:spTree>
+    <p:extLst>
+      <p:ext uri="{BB962C8B-B14F-4D97-AF65-F5344CB8AC3E}">
+        <p14:creationId xmlns:p14="http://schemas.microsoft.com/office/powerpoint/2010/main" val="3064595102"/>
+      </p:ext>
+    </p:extLst>
+  </p:cSld>
+  <p:clrMapOvr>
+    <a:masterClrMapping/>
+  </p:clrMapOvr>
+  <p:transition spd="slow">
+    <p:wipe/>
+  </p:transition>
 </p:sldLayout>
 </file>
 
@@ -1204,7 +1473,7 @@
           <a:p>
             <a:fld id="{70A666A6-2FAB-D348-B19D-8A510A298A73}" type="datetimeFigureOut">
               <a:rPr lang="en-GB" smtClean="0"/>
-              <a:t>21/01/2021</a:t>
+              <a:t>28/04/2021</a:t>
             </a:fld>
             <a:endParaRPr lang="en-GB"/>
           </a:p>
@@ -1246,7 +1515,7 @@
           <a:p>
             <a:fld id="{F818736A-FFF0-2D46-A8E8-BE11000C3203}" type="slidenum">
               <a:rPr lang="en-GB" smtClean="0"/>
-              <a:t>‹#›</a:t>
+              <a:t>‹Nr.›</a:t>
             </a:fld>
             <a:endParaRPr lang="en-GB"/>
           </a:p>
@@ -1450,7 +1719,7 @@
           <a:p>
             <a:fld id="{70A666A6-2FAB-D348-B19D-8A510A298A73}" type="datetimeFigureOut">
               <a:rPr lang="en-GB" smtClean="0"/>
-              <a:t>21/01/2021</a:t>
+              <a:t>28/04/2021</a:t>
             </a:fld>
             <a:endParaRPr lang="en-GB"/>
           </a:p>
@@ -1492,7 +1761,7 @@
           <a:p>
             <a:fld id="{F818736A-FFF0-2D46-A8E8-BE11000C3203}" type="slidenum">
               <a:rPr lang="en-GB" smtClean="0"/>
-              <a:t>‹#›</a:t>
+              <a:t>‹Nr.›</a:t>
             </a:fld>
             <a:endParaRPr lang="en-GB"/>
           </a:p>
@@ -1682,7 +1951,7 @@
           <a:p>
             <a:fld id="{70A666A6-2FAB-D348-B19D-8A510A298A73}" type="datetimeFigureOut">
               <a:rPr lang="en-GB" smtClean="0"/>
-              <a:t>21/01/2021</a:t>
+              <a:t>28/04/2021</a:t>
             </a:fld>
             <a:endParaRPr lang="en-GB"/>
           </a:p>
@@ -1724,7 +1993,7 @@
           <a:p>
             <a:fld id="{F818736A-FFF0-2D46-A8E8-BE11000C3203}" type="slidenum">
               <a:rPr lang="en-GB" smtClean="0"/>
-              <a:t>‹#›</a:t>
+              <a:t>‹Nr.›</a:t>
             </a:fld>
             <a:endParaRPr lang="en-GB"/>
           </a:p>
@@ -2049,7 +2318,7 @@
           <a:p>
             <a:fld id="{70A666A6-2FAB-D348-B19D-8A510A298A73}" type="datetimeFigureOut">
               <a:rPr lang="en-GB" smtClean="0"/>
-              <a:t>21/01/2021</a:t>
+              <a:t>28/04/2021</a:t>
             </a:fld>
             <a:endParaRPr lang="en-GB"/>
           </a:p>
@@ -2091,7 +2360,7 @@
           <a:p>
             <a:fld id="{F818736A-FFF0-2D46-A8E8-BE11000C3203}" type="slidenum">
               <a:rPr lang="en-GB" smtClean="0"/>
-              <a:t>‹#›</a:t>
+              <a:t>‹Nr.›</a:t>
             </a:fld>
             <a:endParaRPr lang="en-GB"/>
           </a:p>
@@ -2167,7 +2436,7 @@
           <a:p>
             <a:fld id="{70A666A6-2FAB-D348-B19D-8A510A298A73}" type="datetimeFigureOut">
               <a:rPr lang="en-GB" smtClean="0"/>
-              <a:t>21/01/2021</a:t>
+              <a:t>28/04/2021</a:t>
             </a:fld>
             <a:endParaRPr lang="en-GB"/>
           </a:p>
@@ -2209,7 +2478,7 @@
           <a:p>
             <a:fld id="{F818736A-FFF0-2D46-A8E8-BE11000C3203}" type="slidenum">
               <a:rPr lang="en-GB" smtClean="0"/>
-              <a:t>‹#›</a:t>
+              <a:t>‹Nr.›</a:t>
             </a:fld>
             <a:endParaRPr lang="en-GB"/>
           </a:p>
@@ -2262,7 +2531,7 @@
           <a:p>
             <a:fld id="{70A666A6-2FAB-D348-B19D-8A510A298A73}" type="datetimeFigureOut">
               <a:rPr lang="en-GB" smtClean="0"/>
-              <a:t>21/01/2021</a:t>
+              <a:t>28/04/2021</a:t>
             </a:fld>
             <a:endParaRPr lang="en-GB"/>
           </a:p>
@@ -2304,7 +2573,7 @@
           <a:p>
             <a:fld id="{F818736A-FFF0-2D46-A8E8-BE11000C3203}" type="slidenum">
               <a:rPr lang="en-GB" smtClean="0"/>
-              <a:t>‹#›</a:t>
+              <a:t>‹Nr.›</a:t>
             </a:fld>
             <a:endParaRPr lang="en-GB"/>
           </a:p>
@@ -2539,7 +2808,7 @@
           <a:p>
             <a:fld id="{70A666A6-2FAB-D348-B19D-8A510A298A73}" type="datetimeFigureOut">
               <a:rPr lang="en-GB" smtClean="0"/>
-              <a:t>21/01/2021</a:t>
+              <a:t>28/04/2021</a:t>
             </a:fld>
             <a:endParaRPr lang="en-GB"/>
           </a:p>
@@ -2581,7 +2850,7 @@
           <a:p>
             <a:fld id="{F818736A-FFF0-2D46-A8E8-BE11000C3203}" type="slidenum">
               <a:rPr lang="en-GB" smtClean="0"/>
-              <a:t>‹#›</a:t>
+              <a:t>‹Nr.›</a:t>
             </a:fld>
             <a:endParaRPr lang="en-GB"/>
           </a:p>
@@ -2796,7 +3065,7 @@
           <a:p>
             <a:fld id="{70A666A6-2FAB-D348-B19D-8A510A298A73}" type="datetimeFigureOut">
               <a:rPr lang="en-GB" smtClean="0"/>
-              <a:t>21/01/2021</a:t>
+              <a:t>28/04/2021</a:t>
             </a:fld>
             <a:endParaRPr lang="en-GB"/>
           </a:p>
@@ -2838,7 +3107,7 @@
           <a:p>
             <a:fld id="{F818736A-FFF0-2D46-A8E8-BE11000C3203}" type="slidenum">
               <a:rPr lang="en-GB" smtClean="0"/>
-              <a:t>‹#›</a:t>
+              <a:t>‹Nr.›</a:t>
             </a:fld>
             <a:endParaRPr lang="en-GB"/>
           </a:p>
@@ -3009,7 +3278,7 @@
           <a:p>
             <a:fld id="{70A666A6-2FAB-D348-B19D-8A510A298A73}" type="datetimeFigureOut">
               <a:rPr lang="en-GB" smtClean="0"/>
-              <a:t>21/01/2021</a:t>
+              <a:t>28/04/2021</a:t>
             </a:fld>
             <a:endParaRPr lang="en-GB"/>
           </a:p>
@@ -3087,7 +3356,7 @@
           <a:p>
             <a:fld id="{F818736A-FFF0-2D46-A8E8-BE11000C3203}" type="slidenum">
               <a:rPr lang="en-GB" smtClean="0"/>
-              <a:t>‹#›</a:t>
+              <a:t>‹Nr.›</a:t>
             </a:fld>
             <a:endParaRPr lang="en-GB"/>
           </a:p>
@@ -3113,6 +3382,7 @@
     <p:sldLayoutId id="2147483693" r:id="rId9"/>
     <p:sldLayoutId id="2147483694" r:id="rId10"/>
     <p:sldLayoutId id="2147483695" r:id="rId11"/>
+    <p:sldLayoutId id="2147483696" r:id="rId12"/>
   </p:sldLayoutIdLst>
   <p:txStyles>
     <p:titleStyle>
@@ -3533,13 +3803,18 @@
           <a:p>
             <a:pPr algn="ctr"/>
             <a:r>
-              <a:rPr lang="en-GB" sz="2400" b="1" dirty="0">
+              <a:rPr lang="en-GB" sz="2400" b="1" dirty="0" err="1">
                 <a:latin typeface="Helvetica Neue" panose="02000503000000020004" pitchFamily="2" charset="0"/>
                 <a:ea typeface="Helvetica Neue" panose="02000503000000020004" pitchFamily="2" charset="0"/>
                 <a:cs typeface="Helvetica Neue" panose="02000503000000020004" pitchFamily="2" charset="0"/>
               </a:rPr>
-              <a:t>Frame</a:t>
-            </a:r>
+              <a:t>PointCloud</a:t>
+            </a:r>
+            <a:endParaRPr lang="en-GB" sz="2400" b="1" dirty="0">
+              <a:latin typeface="Helvetica Neue" panose="02000503000000020004" pitchFamily="2" charset="0"/>
+              <a:ea typeface="Helvetica Neue" panose="02000503000000020004" pitchFamily="2" charset="0"/>
+              <a:cs typeface="Helvetica Neue" panose="02000503000000020004" pitchFamily="2" charset="0"/>
+            </a:endParaRPr>
           </a:p>
           <a:p>
             <a:pPr algn="ctr"/>
@@ -3676,8 +3951,8 @@
         </p:nvSpPr>
         <p:spPr>
           <a:xfrm>
-            <a:off x="8203759" y="2349444"/>
-            <a:ext cx="656804" cy="640800"/>
+            <a:off x="8203758" y="2349444"/>
+            <a:ext cx="795779" cy="640800"/>
           </a:xfrm>
           <a:prstGeom prst="rect">
             <a:avLst/>
@@ -3806,8 +4081,8 @@
         </p:nvCxnSpPr>
         <p:spPr>
           <a:xfrm flipV="1">
-            <a:off x="7439429" y="2669847"/>
-            <a:ext cx="764330" cy="11135"/>
+            <a:off x="7439432" y="2669844"/>
+            <a:ext cx="764326" cy="11138"/>
           </a:xfrm>
           <a:prstGeom prst="straightConnector1">
             <a:avLst/>
@@ -3883,13 +4158,18 @@
           <a:p>
             <a:pPr algn="ctr"/>
             <a:r>
-              <a:rPr lang="en-GB" sz="2400" b="1" dirty="0">
+              <a:rPr lang="en-GB" sz="2400" b="1" dirty="0" err="1">
                 <a:latin typeface="Helvetica Neue" panose="02000503000000020004" pitchFamily="2" charset="0"/>
                 <a:ea typeface="Helvetica Neue" panose="02000503000000020004" pitchFamily="2" charset="0"/>
                 <a:cs typeface="Helvetica Neue" panose="02000503000000020004" pitchFamily="2" charset="0"/>
               </a:rPr>
-              <a:t>Frame</a:t>
-            </a:r>
+              <a:t>PointCloud</a:t>
+            </a:r>
+            <a:endParaRPr lang="en-GB" sz="2400" b="1" dirty="0">
+              <a:latin typeface="Helvetica Neue" panose="02000503000000020004" pitchFamily="2" charset="0"/>
+              <a:ea typeface="Helvetica Neue" panose="02000503000000020004" pitchFamily="2" charset="0"/>
+              <a:cs typeface="Helvetica Neue" panose="02000503000000020004" pitchFamily="2" charset="0"/>
+            </a:endParaRPr>
           </a:p>
         </p:txBody>
       </p:sp>
@@ -3942,13 +4222,18 @@
           <a:p>
             <a:pPr algn="ctr"/>
             <a:r>
-              <a:rPr lang="en-GB" sz="2400" b="1" dirty="0">
+              <a:rPr lang="en-GB" sz="2400" b="1" dirty="0" err="1">
                 <a:latin typeface="Helvetica Neue" panose="02000503000000020004" pitchFamily="2" charset="0"/>
                 <a:ea typeface="Helvetica Neue" panose="02000503000000020004" pitchFamily="2" charset="0"/>
                 <a:cs typeface="Helvetica Neue" panose="02000503000000020004" pitchFamily="2" charset="0"/>
               </a:rPr>
-              <a:t>Frame</a:t>
-            </a:r>
+              <a:t>PointCloud</a:t>
+            </a:r>
+            <a:endParaRPr lang="en-GB" sz="2400" b="1" dirty="0">
+              <a:latin typeface="Helvetica Neue" panose="02000503000000020004" pitchFamily="2" charset="0"/>
+              <a:ea typeface="Helvetica Neue" panose="02000503000000020004" pitchFamily="2" charset="0"/>
+              <a:cs typeface="Helvetica Neue" panose="02000503000000020004" pitchFamily="2" charset="0"/>
+            </a:endParaRPr>
           </a:p>
         </p:txBody>
       </p:sp>
@@ -4206,8 +4491,8 @@
         </p:nvCxnSpPr>
         <p:spPr>
           <a:xfrm>
-            <a:off x="6335624" y="1091512"/>
-            <a:ext cx="6353" cy="372799"/>
+            <a:off x="6341975" y="1044637"/>
+            <a:ext cx="2" cy="419674"/>
           </a:xfrm>
           <a:prstGeom prst="straightConnector1">
             <a:avLst/>
@@ -4582,10 +4867,10 @@
         </p:nvGrpSpPr>
         <p:grpSpPr>
           <a:xfrm>
-            <a:off x="5644696" y="234529"/>
-            <a:ext cx="1449427" cy="856980"/>
-            <a:chOff x="6695345" y="754681"/>
-            <a:chExt cx="1449427" cy="856980"/>
+            <a:off x="5370671" y="164949"/>
+            <a:ext cx="2009845" cy="879688"/>
+            <a:chOff x="6500423" y="685101"/>
+            <a:chExt cx="1429685" cy="879688"/>
           </a:xfrm>
         </p:grpSpPr>
         <p:sp>
@@ -4602,7 +4887,7 @@
           </p:nvSpPr>
           <p:spPr>
             <a:xfrm>
-              <a:off x="6695345" y="754681"/>
+              <a:off x="6500423" y="707809"/>
               <a:ext cx="1381855" cy="856980"/>
             </a:xfrm>
             <a:prstGeom prst="rect">
@@ -4721,7 +5006,7 @@
           </p:blipFill>
           <p:spPr bwMode="auto">
             <a:xfrm>
-              <a:off x="7637900" y="764620"/>
+              <a:off x="7423236" y="685101"/>
               <a:ext cx="506872" cy="764294"/>
             </a:xfrm>
             <a:prstGeom prst="rect">
@@ -4802,7 +5087,7 @@
         <p:spPr>
           <a:xfrm>
             <a:off x="2384099" y="997963"/>
-            <a:ext cx="1940235" cy="359749"/>
+            <a:ext cx="2174552" cy="359749"/>
           </a:xfrm>
           <a:prstGeom prst="rect">
             <a:avLst/>
@@ -4839,7 +5124,7 @@
                 </a:solidFill>
                 <a:latin typeface="American Typewriter" panose="02090604020004020304" pitchFamily="18" charset="77"/>
               </a:rPr>
-              <a:t>PyMultiLidar</a:t>
+              <a:t>pointcloudset</a:t>
             </a:r>
             <a:endParaRPr lang="en-GB" dirty="0">
               <a:solidFill>
@@ -4864,6 +5149,2280 @@
     <p:extLst>
       <p:ext uri="{BB962C8B-B14F-4D97-AF65-F5344CB8AC3E}">
         <p14:creationId xmlns:p14="http://schemas.microsoft.com/office/powerpoint/2010/main" val="2458420852"/>
+      </p:ext>
+    </p:extLst>
+  </p:cSld>
+  <p:clrMapOvr>
+    <a:masterClrMapping/>
+  </p:clrMapOvr>
+</p:sld>
+</file>
+
+<file path=ppt/slides/slide2.xml><?xml version="1.0" encoding="utf-8"?>
+<p:sld xmlns:a="http://schemas.openxmlformats.org/drawingml/2006/main" xmlns:r="http://schemas.openxmlformats.org/officeDocument/2006/relationships" xmlns:p="http://schemas.openxmlformats.org/presentationml/2006/main">
+  <p:cSld>
+    <p:spTree>
+      <p:nvGrpSpPr>
+        <p:cNvPr id="1" name=""/>
+        <p:cNvGrpSpPr/>
+        <p:nvPr/>
+      </p:nvGrpSpPr>
+      <p:grpSpPr>
+        <a:xfrm>
+          <a:off x="0" y="0"/>
+          <a:ext cx="0" cy="0"/>
+          <a:chOff x="0" y="0"/>
+          <a:chExt cx="0" cy="0"/>
+        </a:xfrm>
+      </p:grpSpPr>
+      <p:sp>
+        <p:nvSpPr>
+          <p:cNvPr id="9" name="Rechteck 2">
+            <a:extLst>
+              <a:ext uri="{FF2B5EF4-FFF2-40B4-BE49-F238E27FC236}">
+                <a16:creationId xmlns:a16="http://schemas.microsoft.com/office/drawing/2014/main" id="{A9C04879-7E7D-EC4B-8BFE-A3FF320A2165}"/>
+              </a:ext>
+            </a:extLst>
+          </p:cNvPr>
+          <p:cNvSpPr/>
+          <p:nvPr/>
+        </p:nvSpPr>
+        <p:spPr>
+          <a:xfrm>
+            <a:off x="1064175" y="1047849"/>
+            <a:ext cx="646558" cy="483810"/>
+          </a:xfrm>
+          <a:prstGeom prst="rect">
+            <a:avLst/>
+          </a:prstGeom>
+        </p:spPr>
+        <p:style>
+          <a:lnRef idx="2">
+            <a:schemeClr val="accent6">
+              <a:shade val="50000"/>
+            </a:schemeClr>
+          </a:lnRef>
+          <a:fillRef idx="1">
+            <a:schemeClr val="accent6"/>
+          </a:fillRef>
+          <a:effectRef idx="0">
+            <a:schemeClr val="accent6"/>
+          </a:effectRef>
+          <a:fontRef idx="minor">
+            <a:schemeClr val="lt1"/>
+          </a:fontRef>
+        </p:style>
+        <p:txBody>
+          <a:bodyPr rtlCol="0" anchor="ctr"/>
+          <a:lstStyle/>
+          <a:p>
+            <a:pPr algn="ctr"/>
+            <a:r>
+              <a:rPr lang="de-DE" sz="1028" dirty="0"/>
+              <a:t>ROS</a:t>
+            </a:r>
+          </a:p>
+          <a:p>
+            <a:pPr algn="ctr"/>
+            <a:r>
+              <a:rPr lang="de-DE" sz="1028" dirty="0"/>
+              <a:t>.</a:t>
+            </a:r>
+            <a:r>
+              <a:rPr lang="en-US" sz="1028" dirty="0"/>
+              <a:t>bag</a:t>
+            </a:r>
+          </a:p>
+        </p:txBody>
+      </p:sp>
+      <p:sp>
+        <p:nvSpPr>
+          <p:cNvPr id="11" name="Rechteck 4">
+            <a:extLst>
+              <a:ext uri="{FF2B5EF4-FFF2-40B4-BE49-F238E27FC236}">
+                <a16:creationId xmlns:a16="http://schemas.microsoft.com/office/drawing/2014/main" id="{80EF3979-53AE-5B4D-9124-C2542D2FD967}"/>
+              </a:ext>
+            </a:extLst>
+          </p:cNvPr>
+          <p:cNvSpPr/>
+          <p:nvPr/>
+        </p:nvSpPr>
+        <p:spPr>
+          <a:xfrm>
+            <a:off x="3972037" y="267719"/>
+            <a:ext cx="3937731" cy="2815875"/>
+          </a:xfrm>
+          <a:prstGeom prst="rect">
+            <a:avLst/>
+          </a:prstGeom>
+        </p:spPr>
+        <p:style>
+          <a:lnRef idx="2">
+            <a:schemeClr val="accent1">
+              <a:shade val="50000"/>
+            </a:schemeClr>
+          </a:lnRef>
+          <a:fillRef idx="1">
+            <a:schemeClr val="accent1"/>
+          </a:fillRef>
+          <a:effectRef idx="0">
+            <a:schemeClr val="accent1"/>
+          </a:effectRef>
+          <a:fontRef idx="minor">
+            <a:schemeClr val="lt1"/>
+          </a:fontRef>
+        </p:style>
+        <p:txBody>
+          <a:bodyPr rtlCol="0" anchor="ctr"/>
+          <a:lstStyle/>
+          <a:p>
+            <a:pPr algn="ctr"/>
+            <a:endParaRPr lang="en-GB" sz="1028" dirty="0"/>
+          </a:p>
+        </p:txBody>
+      </p:sp>
+      <p:sp>
+        <p:nvSpPr>
+          <p:cNvPr id="13" name="Textfeld 6">
+            <a:extLst>
+              <a:ext uri="{FF2B5EF4-FFF2-40B4-BE49-F238E27FC236}">
+                <a16:creationId xmlns:a16="http://schemas.microsoft.com/office/drawing/2014/main" id="{B588F039-94D8-0D43-AE88-52F10CAD953A}"/>
+              </a:ext>
+            </a:extLst>
+          </p:cNvPr>
+          <p:cNvSpPr txBox="1"/>
+          <p:nvPr/>
+        </p:nvSpPr>
+        <p:spPr>
+          <a:xfrm>
+            <a:off x="5308743" y="311401"/>
+            <a:ext cx="1402473" cy="250518"/>
+          </a:xfrm>
+          <a:prstGeom prst="rect">
+            <a:avLst/>
+          </a:prstGeom>
+          <a:noFill/>
+        </p:spPr>
+        <p:txBody>
+          <a:bodyPr wrap="square" rtlCol="0">
+            <a:spAutoFit/>
+          </a:bodyPr>
+          <a:lstStyle/>
+          <a:p>
+            <a:r>
+              <a:rPr lang="en-US" sz="1028" dirty="0" err="1">
+                <a:solidFill>
+                  <a:schemeClr val="bg1"/>
+                </a:solidFill>
+              </a:rPr>
+              <a:t>pointcloudset.Dataset</a:t>
+            </a:r>
+            <a:endParaRPr lang="en-US" sz="1028" dirty="0">
+              <a:solidFill>
+                <a:schemeClr val="bg1"/>
+              </a:solidFill>
+            </a:endParaRPr>
+          </a:p>
+        </p:txBody>
+      </p:sp>
+      <p:sp>
+        <p:nvSpPr>
+          <p:cNvPr id="15" name="Rechteck 8">
+            <a:extLst>
+              <a:ext uri="{FF2B5EF4-FFF2-40B4-BE49-F238E27FC236}">
+                <a16:creationId xmlns:a16="http://schemas.microsoft.com/office/drawing/2014/main" id="{5CE385E4-DB8A-F94B-982E-E0F0D2C68653}"/>
+              </a:ext>
+            </a:extLst>
+          </p:cNvPr>
+          <p:cNvSpPr/>
+          <p:nvPr/>
+        </p:nvSpPr>
+        <p:spPr>
+          <a:xfrm>
+            <a:off x="4967434" y="988328"/>
+            <a:ext cx="534952" cy="435630"/>
+          </a:xfrm>
+          <a:prstGeom prst="rect">
+            <a:avLst/>
+          </a:prstGeom>
+        </p:spPr>
+        <p:style>
+          <a:lnRef idx="2">
+            <a:schemeClr val="accent4">
+              <a:shade val="50000"/>
+            </a:schemeClr>
+          </a:lnRef>
+          <a:fillRef idx="1">
+            <a:schemeClr val="accent4"/>
+          </a:fillRef>
+          <a:effectRef idx="0">
+            <a:schemeClr val="accent4"/>
+          </a:effectRef>
+          <a:fontRef idx="minor">
+            <a:schemeClr val="lt1"/>
+          </a:fontRef>
+        </p:style>
+        <p:txBody>
+          <a:bodyPr rtlCol="0" anchor="ctr"/>
+          <a:lstStyle/>
+          <a:p>
+            <a:pPr algn="ctr"/>
+            <a:r>
+              <a:rPr lang="de-DE" sz="1028" dirty="0"/>
+              <a:t>Point Cloud</a:t>
+            </a:r>
+            <a:endParaRPr lang="en-GB" sz="1028" dirty="0"/>
+          </a:p>
+        </p:txBody>
+      </p:sp>
+      <p:sp>
+        <p:nvSpPr>
+          <p:cNvPr id="16" name="Rechteck 9">
+            <a:extLst>
+              <a:ext uri="{FF2B5EF4-FFF2-40B4-BE49-F238E27FC236}">
+                <a16:creationId xmlns:a16="http://schemas.microsoft.com/office/drawing/2014/main" id="{B2907088-2686-E84B-B39A-D423FE11F85C}"/>
+              </a:ext>
+            </a:extLst>
+          </p:cNvPr>
+          <p:cNvSpPr/>
+          <p:nvPr/>
+        </p:nvSpPr>
+        <p:spPr>
+          <a:xfrm>
+            <a:off x="5566426" y="988328"/>
+            <a:ext cx="534952" cy="435630"/>
+          </a:xfrm>
+          <a:prstGeom prst="rect">
+            <a:avLst/>
+          </a:prstGeom>
+        </p:spPr>
+        <p:style>
+          <a:lnRef idx="2">
+            <a:schemeClr val="accent4">
+              <a:shade val="50000"/>
+            </a:schemeClr>
+          </a:lnRef>
+          <a:fillRef idx="1">
+            <a:schemeClr val="accent4"/>
+          </a:fillRef>
+          <a:effectRef idx="0">
+            <a:schemeClr val="accent4"/>
+          </a:effectRef>
+          <a:fontRef idx="minor">
+            <a:schemeClr val="lt1"/>
+          </a:fontRef>
+        </p:style>
+        <p:txBody>
+          <a:bodyPr rtlCol="0" anchor="ctr"/>
+          <a:lstStyle/>
+          <a:p>
+            <a:pPr algn="ctr"/>
+            <a:r>
+              <a:rPr lang="de-DE" sz="1028" dirty="0"/>
+              <a:t>Point Cloud</a:t>
+            </a:r>
+            <a:endParaRPr lang="en-GB" sz="1028" dirty="0"/>
+          </a:p>
+        </p:txBody>
+      </p:sp>
+      <p:sp>
+        <p:nvSpPr>
+          <p:cNvPr id="17" name="Rechteck 10">
+            <a:extLst>
+              <a:ext uri="{FF2B5EF4-FFF2-40B4-BE49-F238E27FC236}">
+                <a16:creationId xmlns:a16="http://schemas.microsoft.com/office/drawing/2014/main" id="{BAF1BFEF-A181-B042-899C-5B3C4E527938}"/>
+              </a:ext>
+            </a:extLst>
+          </p:cNvPr>
+          <p:cNvSpPr/>
+          <p:nvPr/>
+        </p:nvSpPr>
+        <p:spPr>
+          <a:xfrm>
+            <a:off x="6165419" y="988328"/>
+            <a:ext cx="534952" cy="435630"/>
+          </a:xfrm>
+          <a:prstGeom prst="rect">
+            <a:avLst/>
+          </a:prstGeom>
+        </p:spPr>
+        <p:style>
+          <a:lnRef idx="2">
+            <a:schemeClr val="accent4">
+              <a:shade val="50000"/>
+            </a:schemeClr>
+          </a:lnRef>
+          <a:fillRef idx="1">
+            <a:schemeClr val="accent4"/>
+          </a:fillRef>
+          <a:effectRef idx="0">
+            <a:schemeClr val="accent4"/>
+          </a:effectRef>
+          <a:fontRef idx="minor">
+            <a:schemeClr val="lt1"/>
+          </a:fontRef>
+        </p:style>
+        <p:txBody>
+          <a:bodyPr rtlCol="0" anchor="ctr"/>
+          <a:lstStyle/>
+          <a:p>
+            <a:pPr algn="ctr"/>
+            <a:r>
+              <a:rPr lang="de-DE" sz="1028" dirty="0"/>
+              <a:t>Point Cloud</a:t>
+            </a:r>
+            <a:endParaRPr lang="en-GB" sz="1028" dirty="0"/>
+          </a:p>
+        </p:txBody>
+      </p:sp>
+      <p:cxnSp>
+        <p:nvCxnSpPr>
+          <p:cNvPr id="20" name="Gerade Verbindung mit Pfeil 13">
+            <a:extLst>
+              <a:ext uri="{FF2B5EF4-FFF2-40B4-BE49-F238E27FC236}">
+                <a16:creationId xmlns:a16="http://schemas.microsoft.com/office/drawing/2014/main" id="{FFD1B820-A975-8649-88FD-2067A203E748}"/>
+              </a:ext>
+            </a:extLst>
+          </p:cNvPr>
+          <p:cNvCxnSpPr>
+            <a:cxnSpLocks/>
+            <a:stCxn id="9" idx="3"/>
+          </p:cNvCxnSpPr>
+          <p:nvPr/>
+        </p:nvCxnSpPr>
+        <p:spPr>
+          <a:xfrm>
+            <a:off x="1710733" y="1289754"/>
+            <a:ext cx="2281897" cy="0"/>
+          </a:xfrm>
+          <a:prstGeom prst="straightConnector1">
+            <a:avLst/>
+          </a:prstGeom>
+          <a:ln>
+            <a:tailEnd type="triangle"/>
+          </a:ln>
+        </p:spPr>
+        <p:style>
+          <a:lnRef idx="1">
+            <a:schemeClr val="accent1"/>
+          </a:lnRef>
+          <a:fillRef idx="0">
+            <a:schemeClr val="accent1"/>
+          </a:fillRef>
+          <a:effectRef idx="0">
+            <a:schemeClr val="accent1"/>
+          </a:effectRef>
+          <a:fontRef idx="minor">
+            <a:schemeClr val="tx1"/>
+          </a:fontRef>
+        </p:style>
+      </p:cxnSp>
+      <p:sp>
+        <p:nvSpPr>
+          <p:cNvPr id="26" name="Rechteck 2">
+            <a:extLst>
+              <a:ext uri="{FF2B5EF4-FFF2-40B4-BE49-F238E27FC236}">
+                <a16:creationId xmlns:a16="http://schemas.microsoft.com/office/drawing/2014/main" id="{A576A8D1-DC14-4FB6-AC96-46F8CBF3F855}"/>
+              </a:ext>
+            </a:extLst>
+          </p:cNvPr>
+          <p:cNvSpPr/>
+          <p:nvPr/>
+        </p:nvSpPr>
+        <p:spPr>
+          <a:xfrm>
+            <a:off x="2012141" y="1076308"/>
+            <a:ext cx="882806" cy="483810"/>
+          </a:xfrm>
+          <a:prstGeom prst="rect">
+            <a:avLst/>
+          </a:prstGeom>
+          <a:solidFill>
+            <a:schemeClr val="accent2">
+              <a:lumMod val="60000"/>
+              <a:lumOff val="40000"/>
+            </a:schemeClr>
+          </a:solidFill>
+        </p:spPr>
+        <p:style>
+          <a:lnRef idx="2">
+            <a:schemeClr val="accent6">
+              <a:shade val="50000"/>
+            </a:schemeClr>
+          </a:lnRef>
+          <a:fillRef idx="1">
+            <a:schemeClr val="accent6"/>
+          </a:fillRef>
+          <a:effectRef idx="0">
+            <a:schemeClr val="accent6"/>
+          </a:effectRef>
+          <a:fontRef idx="minor">
+            <a:schemeClr val="lt1"/>
+          </a:fontRef>
+        </p:style>
+        <p:txBody>
+          <a:bodyPr rtlCol="0" anchor="ctr"/>
+          <a:lstStyle/>
+          <a:p>
+            <a:pPr algn="ctr"/>
+            <a:r>
+              <a:rPr lang="de-DE" sz="1028" dirty="0"/>
+              <a:t>bag2dataset</a:t>
+            </a:r>
+          </a:p>
+          <a:p>
+            <a:pPr algn="ctr"/>
+            <a:r>
+              <a:rPr lang="en-GB" sz="1028" dirty="0"/>
+              <a:t>CLI tool</a:t>
+            </a:r>
+          </a:p>
+        </p:txBody>
+      </p:sp>
+      <p:pic>
+        <p:nvPicPr>
+          <p:cNvPr id="1026" name="Picture 2" descr="Images and Logos — Dask documentation">
+            <a:extLst>
+              <a:ext uri="{FF2B5EF4-FFF2-40B4-BE49-F238E27FC236}">
+                <a16:creationId xmlns:a16="http://schemas.microsoft.com/office/drawing/2014/main" id="{DC9100BB-CAFD-461F-8A6C-119F5D419D37}"/>
+              </a:ext>
+            </a:extLst>
+          </p:cNvPr>
+          <p:cNvPicPr>
+            <a:picLocks noChangeAspect="1" noChangeArrowheads="1"/>
+          </p:cNvPicPr>
+          <p:nvPr/>
+        </p:nvPicPr>
+        <p:blipFill>
+          <a:blip r:embed="rId2">
+            <a:extLst>
+              <a:ext uri="{28A0092B-C50C-407E-A947-70E740481C1C}">
+                <a14:useLocalDpi xmlns:a14="http://schemas.microsoft.com/office/drawing/2010/main" val="0"/>
+              </a:ext>
+            </a:extLst>
+          </a:blip>
+          <a:srcRect/>
+          <a:stretch>
+            <a:fillRect/>
+          </a:stretch>
+        </p:blipFill>
+        <p:spPr bwMode="auto">
+          <a:xfrm>
+            <a:off x="6737588" y="988328"/>
+            <a:ext cx="1158719" cy="435630"/>
+          </a:xfrm>
+          <a:prstGeom prst="rect">
+            <a:avLst/>
+          </a:prstGeom>
+          <a:noFill/>
+          <a:extLst>
+            <a:ext uri="{909E8E84-426E-40DD-AFC4-6F175D3DCCD1}">
+              <a14:hiddenFill xmlns:a14="http://schemas.microsoft.com/office/drawing/2010/main">
+                <a:solidFill>
+                  <a:srgbClr val="FFFFFF"/>
+                </a:solidFill>
+              </a14:hiddenFill>
+            </a:ext>
+          </a:extLst>
+        </p:spPr>
+      </p:pic>
+      <p:sp>
+        <p:nvSpPr>
+          <p:cNvPr id="29" name="Textfeld 28">
+            <a:extLst>
+              <a:ext uri="{FF2B5EF4-FFF2-40B4-BE49-F238E27FC236}">
+                <a16:creationId xmlns:a16="http://schemas.microsoft.com/office/drawing/2014/main" id="{4391D8B3-7FC4-48AB-908C-433E2983CB4B}"/>
+              </a:ext>
+            </a:extLst>
+          </p:cNvPr>
+          <p:cNvSpPr txBox="1"/>
+          <p:nvPr/>
+        </p:nvSpPr>
+        <p:spPr>
+          <a:xfrm>
+            <a:off x="2107727" y="2389505"/>
+            <a:ext cx="1487908" cy="250518"/>
+          </a:xfrm>
+          <a:prstGeom prst="rect">
+            <a:avLst/>
+          </a:prstGeom>
+          <a:noFill/>
+        </p:spPr>
+        <p:txBody>
+          <a:bodyPr wrap="none" rtlCol="0">
+            <a:spAutoFit/>
+          </a:bodyPr>
+          <a:lstStyle/>
+          <a:p>
+            <a:r>
+              <a:rPr lang="de-DE" sz="1000" dirty="0" err="1"/>
+              <a:t>Dataset.from_instance</a:t>
+            </a:r>
+            <a:r>
+              <a:rPr lang="de-DE" sz="1000" dirty="0"/>
+              <a:t>()</a:t>
+            </a:r>
+            <a:endParaRPr lang="en-GB" sz="1000" dirty="0"/>
+          </a:p>
+        </p:txBody>
+      </p:sp>
+      <p:sp>
+        <p:nvSpPr>
+          <p:cNvPr id="30" name="Textfeld 29">
+            <a:extLst>
+              <a:ext uri="{FF2B5EF4-FFF2-40B4-BE49-F238E27FC236}">
+                <a16:creationId xmlns:a16="http://schemas.microsoft.com/office/drawing/2014/main" id="{6336245E-4E55-466B-97CB-B54432435838}"/>
+              </a:ext>
+            </a:extLst>
+          </p:cNvPr>
+          <p:cNvSpPr txBox="1"/>
+          <p:nvPr/>
+        </p:nvSpPr>
+        <p:spPr>
+          <a:xfrm>
+            <a:off x="4102791" y="1109195"/>
+            <a:ext cx="423514" cy="250518"/>
+          </a:xfrm>
+          <a:prstGeom prst="rect">
+            <a:avLst/>
+          </a:prstGeom>
+          <a:noFill/>
+        </p:spPr>
+        <p:txBody>
+          <a:bodyPr wrap="none" rtlCol="0">
+            <a:spAutoFit/>
+          </a:bodyPr>
+          <a:lstStyle/>
+          <a:p>
+            <a:r>
+              <a:rPr lang="de-DE" sz="1028" dirty="0" err="1">
+                <a:solidFill>
+                  <a:schemeClr val="bg1"/>
+                </a:solidFill>
+              </a:rPr>
+              <a:t>data</a:t>
+            </a:r>
+            <a:endParaRPr lang="en-GB" sz="1028" dirty="0">
+              <a:solidFill>
+                <a:schemeClr val="bg1"/>
+              </a:solidFill>
+            </a:endParaRPr>
+          </a:p>
+        </p:txBody>
+      </p:sp>
+      <p:sp>
+        <p:nvSpPr>
+          <p:cNvPr id="33" name="Textfeld 32">
+            <a:extLst>
+              <a:ext uri="{FF2B5EF4-FFF2-40B4-BE49-F238E27FC236}">
+                <a16:creationId xmlns:a16="http://schemas.microsoft.com/office/drawing/2014/main" id="{52BE4B38-7D42-4F37-A32F-AC15C0B6D049}"/>
+              </a:ext>
+            </a:extLst>
+          </p:cNvPr>
+          <p:cNvSpPr txBox="1"/>
+          <p:nvPr/>
+        </p:nvSpPr>
+        <p:spPr>
+          <a:xfrm>
+            <a:off x="4056761" y="1629765"/>
+            <a:ext cx="816249" cy="250518"/>
+          </a:xfrm>
+          <a:prstGeom prst="rect">
+            <a:avLst/>
+          </a:prstGeom>
+          <a:noFill/>
+        </p:spPr>
+        <p:txBody>
+          <a:bodyPr wrap="none" rtlCol="0">
+            <a:spAutoFit/>
+          </a:bodyPr>
+          <a:lstStyle/>
+          <a:p>
+            <a:r>
+              <a:rPr lang="de-DE" sz="1028" dirty="0" err="1">
+                <a:solidFill>
+                  <a:schemeClr val="bg1"/>
+                </a:solidFill>
+              </a:rPr>
+              <a:t>timestamps</a:t>
+            </a:r>
+            <a:endParaRPr lang="en-GB" sz="1028" dirty="0">
+              <a:solidFill>
+                <a:schemeClr val="bg1"/>
+              </a:solidFill>
+            </a:endParaRPr>
+          </a:p>
+        </p:txBody>
+      </p:sp>
+      <p:sp>
+        <p:nvSpPr>
+          <p:cNvPr id="31" name="Textfeld 30">
+            <a:extLst>
+              <a:ext uri="{FF2B5EF4-FFF2-40B4-BE49-F238E27FC236}">
+                <a16:creationId xmlns:a16="http://schemas.microsoft.com/office/drawing/2014/main" id="{2924C4C1-E460-420E-86E5-DA801F82B491}"/>
+              </a:ext>
+            </a:extLst>
+          </p:cNvPr>
+          <p:cNvSpPr txBox="1"/>
+          <p:nvPr/>
+        </p:nvSpPr>
+        <p:spPr>
+          <a:xfrm>
+            <a:off x="6667845" y="1672520"/>
+            <a:ext cx="753732" cy="250518"/>
+          </a:xfrm>
+          <a:prstGeom prst="rect">
+            <a:avLst/>
+          </a:prstGeom>
+          <a:noFill/>
+        </p:spPr>
+        <p:txBody>
+          <a:bodyPr wrap="none" rtlCol="0">
+            <a:spAutoFit/>
+          </a:bodyPr>
+          <a:lstStyle/>
+          <a:p>
+            <a:r>
+              <a:rPr lang="de-DE" sz="1028" dirty="0">
+                <a:solidFill>
+                  <a:schemeClr val="bg1"/>
+                </a:solidFill>
+              </a:rPr>
+              <a:t>[</a:t>
+            </a:r>
+            <a:r>
+              <a:rPr lang="de-DE" sz="1028" dirty="0" err="1">
+                <a:solidFill>
+                  <a:schemeClr val="bg1"/>
+                </a:solidFill>
+              </a:rPr>
+              <a:t>datetime</a:t>
+            </a:r>
+            <a:r>
+              <a:rPr lang="de-DE" sz="1028" dirty="0">
+                <a:solidFill>
+                  <a:schemeClr val="bg1"/>
+                </a:solidFill>
+              </a:rPr>
+              <a:t>]</a:t>
+            </a:r>
+            <a:endParaRPr lang="en-GB" sz="1028" dirty="0">
+              <a:solidFill>
+                <a:schemeClr val="bg1"/>
+              </a:solidFill>
+            </a:endParaRPr>
+          </a:p>
+        </p:txBody>
+      </p:sp>
+      <p:sp>
+        <p:nvSpPr>
+          <p:cNvPr id="35" name="Textfeld 34">
+            <a:extLst>
+              <a:ext uri="{FF2B5EF4-FFF2-40B4-BE49-F238E27FC236}">
+                <a16:creationId xmlns:a16="http://schemas.microsoft.com/office/drawing/2014/main" id="{DD3BDB17-74E1-4761-9899-4C061A7BFE2A}"/>
+              </a:ext>
+            </a:extLst>
+          </p:cNvPr>
+          <p:cNvSpPr txBox="1"/>
+          <p:nvPr/>
+        </p:nvSpPr>
+        <p:spPr>
+          <a:xfrm>
+            <a:off x="4077399" y="2295129"/>
+            <a:ext cx="463588" cy="250518"/>
+          </a:xfrm>
+          <a:prstGeom prst="rect">
+            <a:avLst/>
+          </a:prstGeom>
+          <a:noFill/>
+        </p:spPr>
+        <p:txBody>
+          <a:bodyPr wrap="none" rtlCol="0">
+            <a:spAutoFit/>
+          </a:bodyPr>
+          <a:lstStyle/>
+          <a:p>
+            <a:r>
+              <a:rPr lang="de-DE" sz="1028" dirty="0" err="1">
+                <a:solidFill>
+                  <a:schemeClr val="bg1"/>
+                </a:solidFill>
+              </a:rPr>
+              <a:t>meta</a:t>
+            </a:r>
+            <a:endParaRPr lang="en-GB" sz="1028" dirty="0">
+              <a:solidFill>
+                <a:schemeClr val="bg1"/>
+              </a:solidFill>
+            </a:endParaRPr>
+          </a:p>
+        </p:txBody>
+      </p:sp>
+      <p:sp>
+        <p:nvSpPr>
+          <p:cNvPr id="36" name="Textfeld 35">
+            <a:extLst>
+              <a:ext uri="{FF2B5EF4-FFF2-40B4-BE49-F238E27FC236}">
+                <a16:creationId xmlns:a16="http://schemas.microsoft.com/office/drawing/2014/main" id="{AD8692B1-02EC-47A5-9B68-651046D84908}"/>
+              </a:ext>
+            </a:extLst>
+          </p:cNvPr>
+          <p:cNvSpPr txBox="1"/>
+          <p:nvPr/>
+        </p:nvSpPr>
+        <p:spPr>
+          <a:xfrm>
+            <a:off x="6691730" y="2281589"/>
+            <a:ext cx="385042" cy="250518"/>
+          </a:xfrm>
+          <a:prstGeom prst="rect">
+            <a:avLst/>
+          </a:prstGeom>
+          <a:noFill/>
+        </p:spPr>
+        <p:txBody>
+          <a:bodyPr wrap="none" rtlCol="0">
+            <a:spAutoFit/>
+          </a:bodyPr>
+          <a:lstStyle/>
+          <a:p>
+            <a:r>
+              <a:rPr lang="de-DE" sz="1028" dirty="0" err="1">
+                <a:solidFill>
+                  <a:schemeClr val="bg1"/>
+                </a:solidFill>
+              </a:rPr>
+              <a:t>dict</a:t>
+            </a:r>
+            <a:endParaRPr lang="en-GB" sz="1028" dirty="0">
+              <a:solidFill>
+                <a:schemeClr val="bg1"/>
+              </a:solidFill>
+            </a:endParaRPr>
+          </a:p>
+        </p:txBody>
+      </p:sp>
+      <p:sp>
+        <p:nvSpPr>
+          <p:cNvPr id="32" name="Rectangle 5">
+            <a:extLst>
+              <a:ext uri="{FF2B5EF4-FFF2-40B4-BE49-F238E27FC236}">
+                <a16:creationId xmlns:a16="http://schemas.microsoft.com/office/drawing/2014/main" id="{2BE9B1F5-F36E-4726-99D2-CF9252BA7519}"/>
+              </a:ext>
+            </a:extLst>
+          </p:cNvPr>
+          <p:cNvSpPr>
+            <a:spLocks noChangeArrowheads="1"/>
+          </p:cNvSpPr>
+          <p:nvPr/>
+        </p:nvSpPr>
+        <p:spPr bwMode="auto">
+          <a:xfrm>
+            <a:off x="4966910" y="1580465"/>
+            <a:ext cx="1733460" cy="439264"/>
+          </a:xfrm>
+          <a:prstGeom prst="rect">
+            <a:avLst/>
+          </a:prstGeom>
+          <a:solidFill>
+            <a:srgbClr val="1E1E1E"/>
+          </a:solidFill>
+          <a:ln>
+            <a:noFill/>
+          </a:ln>
+          <a:effectLst/>
+          <a:extLst>
+            <a:ext uri="{91240B29-F687-4F45-9708-019B960494DF}">
+              <a14:hiddenLine xmlns:a14="http://schemas.microsoft.com/office/drawing/2010/main" w="9525">
+                <a:solidFill>
+                  <a:schemeClr val="tx1"/>
+                </a:solidFill>
+                <a:miter lim="800000"/>
+                <a:headEnd/>
+                <a:tailEnd/>
+              </a14:hiddenLine>
+            </a:ext>
+            <a:ext uri="{AF507438-7753-43E0-B8FC-AC1667EBCBE1}">
+              <a14:hiddenEffects xmlns:a14="http://schemas.microsoft.com/office/drawing/2010/main">
+                <a:effectLst>
+                  <a:outerShdw dist="35921" dir="2700000" algn="ctr" rotWithShape="0">
+                    <a:schemeClr val="bg2"/>
+                  </a:outerShdw>
+                </a:effectLst>
+              </a14:hiddenEffects>
+            </a:ext>
+          </a:extLst>
+        </p:spPr>
+        <p:txBody>
+          <a:bodyPr vert="horz" wrap="square" lIns="52238" tIns="26119" rIns="52238" bIns="26119" numCol="1" anchor="ctr" anchorCtr="0" compatLnSpc="1">
+            <a:prstTxWarp prst="textNoShape">
+              <a:avLst/>
+            </a:prstTxWarp>
+            <a:spAutoFit/>
+          </a:bodyPr>
+          <a:lstStyle/>
+          <a:p>
+            <a:pPr defTabSz="522397" eaLnBrk="0" fontAlgn="base" hangingPunct="0">
+              <a:spcBef>
+                <a:spcPct val="0"/>
+              </a:spcBef>
+              <a:spcAft>
+                <a:spcPct val="0"/>
+              </a:spcAft>
+            </a:pPr>
+            <a:r>
+              <a:rPr lang="en-US" altLang="en-US" sz="628" dirty="0">
+                <a:solidFill>
+                  <a:srgbClr val="D4D4D4"/>
+                </a:solidFill>
+                <a:latin typeface="var(--vscode-editor-font-family)"/>
+              </a:rPr>
+              <a:t>[</a:t>
+            </a:r>
+            <a:r>
+              <a:rPr lang="en-US" altLang="en-US" sz="628" dirty="0" err="1">
+                <a:solidFill>
+                  <a:srgbClr val="D4D4D4"/>
+                </a:solidFill>
+                <a:latin typeface="var(--vscode-editor-font-family)"/>
+              </a:rPr>
+              <a:t>datetime.datetime</a:t>
+            </a:r>
+            <a:r>
+              <a:rPr lang="en-US" altLang="en-US" sz="628" dirty="0">
+                <a:solidFill>
+                  <a:srgbClr val="D4D4D4"/>
+                </a:solidFill>
+                <a:latin typeface="var(--vscode-editor-font-family)"/>
+              </a:rPr>
+              <a:t>(2020, 12, 2, 10, 23, 48, 995642), </a:t>
+            </a:r>
+            <a:r>
+              <a:rPr lang="en-US" altLang="en-US" sz="628" dirty="0" err="1">
+                <a:solidFill>
+                  <a:srgbClr val="D4D4D4"/>
+                </a:solidFill>
+                <a:latin typeface="var(--vscode-editor-font-family)"/>
+              </a:rPr>
+              <a:t>datetime.datetime</a:t>
+            </a:r>
+            <a:r>
+              <a:rPr lang="en-US" altLang="en-US" sz="628" dirty="0">
+                <a:solidFill>
+                  <a:srgbClr val="D4D4D4"/>
+                </a:solidFill>
+                <a:latin typeface="var(--vscode-editor-font-family)"/>
+              </a:rPr>
+              <a:t>(2020, 12, 2, 10, 23, 49, 154242), </a:t>
+            </a:r>
+            <a:r>
+              <a:rPr lang="en-US" altLang="en-US" sz="628" dirty="0" err="1">
+                <a:solidFill>
+                  <a:srgbClr val="D4D4D4"/>
+                </a:solidFill>
+                <a:latin typeface="var(--vscode-editor-font-family)"/>
+              </a:rPr>
+              <a:t>datetime.datetime</a:t>
+            </a:r>
+            <a:r>
+              <a:rPr lang="en-US" altLang="en-US" sz="628" dirty="0">
+                <a:solidFill>
+                  <a:srgbClr val="D4D4D4"/>
+                </a:solidFill>
+                <a:latin typeface="var(--vscode-editor-font-family)"/>
+              </a:rPr>
+              <a:t>(2020, 12, 2, 10, 23, 49, 238166)] </a:t>
+            </a:r>
+            <a:endParaRPr lang="en-US" altLang="en-US" sz="628" dirty="0">
+              <a:latin typeface="Arial" panose="020B0604020202020204" pitchFamily="34" charset="0"/>
+            </a:endParaRPr>
+          </a:p>
+        </p:txBody>
+      </p:sp>
+      <p:sp>
+        <p:nvSpPr>
+          <p:cNvPr id="37" name="Rectangle 6">
+            <a:extLst>
+              <a:ext uri="{FF2B5EF4-FFF2-40B4-BE49-F238E27FC236}">
+                <a16:creationId xmlns:a16="http://schemas.microsoft.com/office/drawing/2014/main" id="{0E051D0E-5D82-46EA-86D3-C5B5081E4995}"/>
+              </a:ext>
+            </a:extLst>
+          </p:cNvPr>
+          <p:cNvSpPr>
+            <a:spLocks noChangeArrowheads="1"/>
+          </p:cNvSpPr>
+          <p:nvPr/>
+        </p:nvSpPr>
+        <p:spPr bwMode="auto">
+          <a:xfrm>
+            <a:off x="4967434" y="2245800"/>
+            <a:ext cx="1732936" cy="422080"/>
+          </a:xfrm>
+          <a:prstGeom prst="rect">
+            <a:avLst/>
+          </a:prstGeom>
+          <a:solidFill>
+            <a:srgbClr val="1E1E1E"/>
+          </a:solidFill>
+          <a:ln>
+            <a:noFill/>
+          </a:ln>
+          <a:effectLst/>
+          <a:extLst>
+            <a:ext uri="{91240B29-F687-4F45-9708-019B960494DF}">
+              <a14:hiddenLine xmlns:a14="http://schemas.microsoft.com/office/drawing/2010/main" w="9525">
+                <a:solidFill>
+                  <a:schemeClr val="tx1"/>
+                </a:solidFill>
+                <a:miter lim="800000"/>
+                <a:headEnd/>
+                <a:tailEnd/>
+              </a14:hiddenLine>
+            </a:ext>
+            <a:ext uri="{AF507438-7753-43E0-B8FC-AC1667EBCBE1}">
+              <a14:hiddenEffects xmlns:a14="http://schemas.microsoft.com/office/drawing/2010/main">
+                <a:effectLst>
+                  <a:outerShdw dist="35921" dir="2700000" algn="ctr" rotWithShape="0">
+                    <a:schemeClr val="bg2"/>
+                  </a:outerShdw>
+                </a:effectLst>
+              </a14:hiddenEffects>
+            </a:ext>
+          </a:extLst>
+        </p:spPr>
+        <p:txBody>
+          <a:bodyPr vert="horz" wrap="square" lIns="52238" tIns="26119" rIns="52238" bIns="26119" numCol="1" anchor="ctr" anchorCtr="0" compatLnSpc="1">
+            <a:prstTxWarp prst="textNoShape">
+              <a:avLst/>
+            </a:prstTxWarp>
+            <a:spAutoFit/>
+          </a:bodyPr>
+          <a:lstStyle/>
+          <a:p>
+            <a:pPr defTabSz="522397" eaLnBrk="0" fontAlgn="base" hangingPunct="0">
+              <a:spcBef>
+                <a:spcPct val="0"/>
+              </a:spcBef>
+              <a:spcAft>
+                <a:spcPct val="0"/>
+              </a:spcAft>
+            </a:pPr>
+            <a:r>
+              <a:rPr lang="en-US" altLang="en-US" sz="800" dirty="0">
+                <a:solidFill>
+                  <a:srgbClr val="D4D4D4"/>
+                </a:solidFill>
+                <a:latin typeface="var(--vscode-editor-font-family)"/>
+              </a:rPr>
+              <a:t>{'</a:t>
+            </a:r>
+            <a:r>
+              <a:rPr lang="en-US" altLang="en-US" sz="800" dirty="0" err="1">
+                <a:solidFill>
+                  <a:srgbClr val="D4D4D4"/>
+                </a:solidFill>
+                <a:latin typeface="var(--vscode-editor-font-family)"/>
+              </a:rPr>
+              <a:t>orig_file</a:t>
+            </a:r>
+            <a:r>
+              <a:rPr lang="en-US" altLang="en-US" sz="800" dirty="0">
+                <a:solidFill>
+                  <a:srgbClr val="D4D4D4"/>
+                </a:solidFill>
+                <a:latin typeface="var(--vscode-editor-font-family)"/>
+              </a:rPr>
+              <a:t>': 'vib2_2020-12-02-11-22-46.bag', 'topic': '/os1_cloud_node/points'}</a:t>
+            </a:r>
+            <a:r>
+              <a:rPr lang="en-US" altLang="en-US" sz="800" dirty="0"/>
+              <a:t> </a:t>
+            </a:r>
+            <a:endParaRPr lang="en-US" altLang="en-US" sz="800" dirty="0">
+              <a:latin typeface="Arial" panose="020B0604020202020204" pitchFamily="34" charset="0"/>
+            </a:endParaRPr>
+          </a:p>
+        </p:txBody>
+      </p:sp>
+      <p:sp>
+        <p:nvSpPr>
+          <p:cNvPr id="48" name="Rechteck 2">
+            <a:extLst>
+              <a:ext uri="{FF2B5EF4-FFF2-40B4-BE49-F238E27FC236}">
+                <a16:creationId xmlns:a16="http://schemas.microsoft.com/office/drawing/2014/main" id="{C8A76C31-0B47-494F-91E0-259E3D722384}"/>
+              </a:ext>
+            </a:extLst>
+          </p:cNvPr>
+          <p:cNvSpPr/>
+          <p:nvPr/>
+        </p:nvSpPr>
+        <p:spPr>
+          <a:xfrm>
+            <a:off x="1064985" y="297919"/>
+            <a:ext cx="646558" cy="483810"/>
+          </a:xfrm>
+          <a:prstGeom prst="rect">
+            <a:avLst/>
+          </a:prstGeom>
+        </p:spPr>
+        <p:style>
+          <a:lnRef idx="2">
+            <a:schemeClr val="accent6">
+              <a:shade val="50000"/>
+            </a:schemeClr>
+          </a:lnRef>
+          <a:fillRef idx="1">
+            <a:schemeClr val="accent6"/>
+          </a:fillRef>
+          <a:effectRef idx="0">
+            <a:schemeClr val="accent6"/>
+          </a:effectRef>
+          <a:fontRef idx="minor">
+            <a:schemeClr val="lt1"/>
+          </a:fontRef>
+        </p:style>
+        <p:txBody>
+          <a:bodyPr rtlCol="0" anchor="ctr"/>
+          <a:lstStyle/>
+          <a:p>
+            <a:pPr algn="ctr"/>
+            <a:r>
+              <a:rPr lang="de-DE" sz="1028" dirty="0" err="1"/>
+              <a:t>stored</a:t>
+            </a:r>
+            <a:r>
+              <a:rPr lang="de-DE" sz="1028" dirty="0"/>
+              <a:t> Dataset</a:t>
+            </a:r>
+            <a:endParaRPr lang="en-GB" sz="1028" dirty="0"/>
+          </a:p>
+        </p:txBody>
+      </p:sp>
+      <p:cxnSp>
+        <p:nvCxnSpPr>
+          <p:cNvPr id="24" name="Gerade Verbindung mit Pfeil 23">
+            <a:extLst>
+              <a:ext uri="{FF2B5EF4-FFF2-40B4-BE49-F238E27FC236}">
+                <a16:creationId xmlns:a16="http://schemas.microsoft.com/office/drawing/2014/main" id="{DC5F5FE2-F355-4EED-BB0F-BE46E1C17331}"/>
+              </a:ext>
+            </a:extLst>
+          </p:cNvPr>
+          <p:cNvCxnSpPr>
+            <a:stCxn id="48" idx="3"/>
+          </p:cNvCxnSpPr>
+          <p:nvPr/>
+        </p:nvCxnSpPr>
+        <p:spPr>
+          <a:xfrm>
+            <a:off x="1711543" y="539824"/>
+            <a:ext cx="2260494" cy="0"/>
+          </a:xfrm>
+          <a:prstGeom prst="straightConnector1">
+            <a:avLst/>
+          </a:prstGeom>
+          <a:ln>
+            <a:tailEnd type="triangle"/>
+          </a:ln>
+        </p:spPr>
+        <p:style>
+          <a:lnRef idx="1">
+            <a:schemeClr val="accent1"/>
+          </a:lnRef>
+          <a:fillRef idx="0">
+            <a:schemeClr val="accent1"/>
+          </a:fillRef>
+          <a:effectRef idx="0">
+            <a:schemeClr val="accent1"/>
+          </a:effectRef>
+          <a:fontRef idx="minor">
+            <a:schemeClr val="tx1"/>
+          </a:fontRef>
+        </p:style>
+      </p:cxnSp>
+      <p:sp>
+        <p:nvSpPr>
+          <p:cNvPr id="49" name="Rechteck 2">
+            <a:extLst>
+              <a:ext uri="{FF2B5EF4-FFF2-40B4-BE49-F238E27FC236}">
+                <a16:creationId xmlns:a16="http://schemas.microsoft.com/office/drawing/2014/main" id="{32DF45BC-7821-437D-8FCC-760D3F3A5AD5}"/>
+              </a:ext>
+            </a:extLst>
+          </p:cNvPr>
+          <p:cNvSpPr/>
+          <p:nvPr/>
+        </p:nvSpPr>
+        <p:spPr>
+          <a:xfrm>
+            <a:off x="1055978" y="1797779"/>
+            <a:ext cx="646558" cy="483810"/>
+          </a:xfrm>
+          <a:prstGeom prst="rect">
+            <a:avLst/>
+          </a:prstGeom>
+        </p:spPr>
+        <p:style>
+          <a:lnRef idx="2">
+            <a:schemeClr val="accent6">
+              <a:shade val="50000"/>
+            </a:schemeClr>
+          </a:lnRef>
+          <a:fillRef idx="1">
+            <a:schemeClr val="accent6"/>
+          </a:fillRef>
+          <a:effectRef idx="0">
+            <a:schemeClr val="accent6"/>
+          </a:effectRef>
+          <a:fontRef idx="minor">
+            <a:schemeClr val="lt1"/>
+          </a:fontRef>
+        </p:style>
+        <p:txBody>
+          <a:bodyPr rtlCol="0" anchor="ctr"/>
+          <a:lstStyle/>
+          <a:p>
+            <a:pPr algn="ctr"/>
+            <a:r>
+              <a:rPr lang="de-DE" sz="1028" dirty="0"/>
+              <a:t>ROS</a:t>
+            </a:r>
+          </a:p>
+          <a:p>
+            <a:pPr algn="ctr"/>
+            <a:r>
+              <a:rPr lang="de-DE" sz="1028" dirty="0"/>
+              <a:t>.</a:t>
+            </a:r>
+            <a:r>
+              <a:rPr lang="de-DE" sz="1028" dirty="0" err="1"/>
+              <a:t>bag</a:t>
+            </a:r>
+            <a:endParaRPr lang="en-GB" sz="1028" dirty="0"/>
+          </a:p>
+        </p:txBody>
+      </p:sp>
+      <p:sp>
+        <p:nvSpPr>
+          <p:cNvPr id="50" name="Rechteck 2">
+            <a:extLst>
+              <a:ext uri="{FF2B5EF4-FFF2-40B4-BE49-F238E27FC236}">
+                <a16:creationId xmlns:a16="http://schemas.microsoft.com/office/drawing/2014/main" id="{E42CC7B8-B30B-4298-991A-20A482DF9E75}"/>
+              </a:ext>
+            </a:extLst>
+          </p:cNvPr>
+          <p:cNvSpPr/>
+          <p:nvPr/>
+        </p:nvSpPr>
+        <p:spPr>
+          <a:xfrm>
+            <a:off x="3104763" y="1056540"/>
+            <a:ext cx="646558" cy="483810"/>
+          </a:xfrm>
+          <a:prstGeom prst="rect">
+            <a:avLst/>
+          </a:prstGeom>
+        </p:spPr>
+        <p:style>
+          <a:lnRef idx="2">
+            <a:schemeClr val="accent6">
+              <a:shade val="50000"/>
+            </a:schemeClr>
+          </a:lnRef>
+          <a:fillRef idx="1">
+            <a:schemeClr val="accent6"/>
+          </a:fillRef>
+          <a:effectRef idx="0">
+            <a:schemeClr val="accent6"/>
+          </a:effectRef>
+          <a:fontRef idx="minor">
+            <a:schemeClr val="lt1"/>
+          </a:fontRef>
+        </p:style>
+        <p:txBody>
+          <a:bodyPr rtlCol="0" anchor="ctr"/>
+          <a:lstStyle/>
+          <a:p>
+            <a:pPr algn="ctr"/>
+            <a:r>
+              <a:rPr lang="de-DE" sz="1028" dirty="0" err="1"/>
+              <a:t>stored</a:t>
+            </a:r>
+            <a:r>
+              <a:rPr lang="de-DE" sz="1028" dirty="0"/>
+              <a:t> Dataset</a:t>
+            </a:r>
+            <a:endParaRPr lang="en-GB" sz="1028" dirty="0"/>
+          </a:p>
+        </p:txBody>
+      </p:sp>
+      <p:sp>
+        <p:nvSpPr>
+          <p:cNvPr id="51" name="Textfeld 50">
+            <a:extLst>
+              <a:ext uri="{FF2B5EF4-FFF2-40B4-BE49-F238E27FC236}">
+                <a16:creationId xmlns:a16="http://schemas.microsoft.com/office/drawing/2014/main" id="{347C2E79-1029-4B15-BE93-338C9131B717}"/>
+              </a:ext>
+            </a:extLst>
+          </p:cNvPr>
+          <p:cNvSpPr txBox="1"/>
+          <p:nvPr/>
+        </p:nvSpPr>
+        <p:spPr>
+          <a:xfrm>
+            <a:off x="2094518" y="275571"/>
+            <a:ext cx="1205779" cy="250518"/>
+          </a:xfrm>
+          <a:prstGeom prst="rect">
+            <a:avLst/>
+          </a:prstGeom>
+          <a:noFill/>
+        </p:spPr>
+        <p:txBody>
+          <a:bodyPr wrap="none" rtlCol="0">
+            <a:spAutoFit/>
+          </a:bodyPr>
+          <a:lstStyle/>
+          <a:p>
+            <a:r>
+              <a:rPr lang="de-DE" sz="1000" dirty="0" err="1"/>
+              <a:t>Dataset.from_file</a:t>
+            </a:r>
+            <a:r>
+              <a:rPr lang="de-DE" sz="1000" dirty="0"/>
+              <a:t>()</a:t>
+            </a:r>
+            <a:endParaRPr lang="en-GB" sz="1000" dirty="0"/>
+          </a:p>
+        </p:txBody>
+      </p:sp>
+      <p:cxnSp>
+        <p:nvCxnSpPr>
+          <p:cNvPr id="52" name="Gerade Verbindung mit Pfeil 51">
+            <a:extLst>
+              <a:ext uri="{FF2B5EF4-FFF2-40B4-BE49-F238E27FC236}">
+                <a16:creationId xmlns:a16="http://schemas.microsoft.com/office/drawing/2014/main" id="{D35A84B6-18F7-4B47-9E91-C50D39C87979}"/>
+              </a:ext>
+            </a:extLst>
+          </p:cNvPr>
+          <p:cNvCxnSpPr/>
+          <p:nvPr/>
+        </p:nvCxnSpPr>
+        <p:spPr>
+          <a:xfrm>
+            <a:off x="1710733" y="2049348"/>
+            <a:ext cx="2260494" cy="0"/>
+          </a:xfrm>
+          <a:prstGeom prst="straightConnector1">
+            <a:avLst/>
+          </a:prstGeom>
+          <a:ln>
+            <a:tailEnd type="triangle"/>
+          </a:ln>
+        </p:spPr>
+        <p:style>
+          <a:lnRef idx="1">
+            <a:schemeClr val="accent1"/>
+          </a:lnRef>
+          <a:fillRef idx="0">
+            <a:schemeClr val="accent1"/>
+          </a:fillRef>
+          <a:effectRef idx="0">
+            <a:schemeClr val="accent1"/>
+          </a:effectRef>
+          <a:fontRef idx="minor">
+            <a:schemeClr val="tx1"/>
+          </a:fontRef>
+        </p:style>
+      </p:cxnSp>
+      <p:sp>
+        <p:nvSpPr>
+          <p:cNvPr id="54" name="Rechteck 7">
+            <a:extLst>
+              <a:ext uri="{FF2B5EF4-FFF2-40B4-BE49-F238E27FC236}">
+                <a16:creationId xmlns:a16="http://schemas.microsoft.com/office/drawing/2014/main" id="{9704CEBF-BAFC-4DE2-92E1-84DB120FF15D}"/>
+              </a:ext>
+            </a:extLst>
+          </p:cNvPr>
+          <p:cNvSpPr/>
+          <p:nvPr/>
+        </p:nvSpPr>
+        <p:spPr>
+          <a:xfrm>
+            <a:off x="450935" y="2458763"/>
+            <a:ext cx="534952" cy="435630"/>
+          </a:xfrm>
+          <a:prstGeom prst="rect">
+            <a:avLst/>
+          </a:prstGeom>
+        </p:spPr>
+        <p:style>
+          <a:lnRef idx="2">
+            <a:schemeClr val="accent4">
+              <a:shade val="50000"/>
+            </a:schemeClr>
+          </a:lnRef>
+          <a:fillRef idx="1">
+            <a:schemeClr val="accent4"/>
+          </a:fillRef>
+          <a:effectRef idx="0">
+            <a:schemeClr val="accent4"/>
+          </a:effectRef>
+          <a:fontRef idx="minor">
+            <a:schemeClr val="lt1"/>
+          </a:fontRef>
+        </p:style>
+        <p:txBody>
+          <a:bodyPr rtlCol="0" anchor="ctr"/>
+          <a:lstStyle/>
+          <a:p>
+            <a:pPr algn="ctr"/>
+            <a:r>
+              <a:rPr lang="de-DE" sz="1028" dirty="0"/>
+              <a:t>Point Cloud</a:t>
+            </a:r>
+            <a:endParaRPr lang="en-GB" sz="1028" dirty="0"/>
+          </a:p>
+        </p:txBody>
+      </p:sp>
+      <p:sp>
+        <p:nvSpPr>
+          <p:cNvPr id="55" name="Rechteck 7">
+            <a:extLst>
+              <a:ext uri="{FF2B5EF4-FFF2-40B4-BE49-F238E27FC236}">
+                <a16:creationId xmlns:a16="http://schemas.microsoft.com/office/drawing/2014/main" id="{DA2AD21A-6A90-4584-9472-145962640365}"/>
+              </a:ext>
+            </a:extLst>
+          </p:cNvPr>
+          <p:cNvSpPr/>
+          <p:nvPr/>
+        </p:nvSpPr>
+        <p:spPr>
+          <a:xfrm>
+            <a:off x="1091047" y="2458763"/>
+            <a:ext cx="534952" cy="435630"/>
+          </a:xfrm>
+          <a:prstGeom prst="rect">
+            <a:avLst/>
+          </a:prstGeom>
+        </p:spPr>
+        <p:style>
+          <a:lnRef idx="2">
+            <a:schemeClr val="accent4">
+              <a:shade val="50000"/>
+            </a:schemeClr>
+          </a:lnRef>
+          <a:fillRef idx="1">
+            <a:schemeClr val="accent4"/>
+          </a:fillRef>
+          <a:effectRef idx="0">
+            <a:schemeClr val="accent4"/>
+          </a:effectRef>
+          <a:fontRef idx="minor">
+            <a:schemeClr val="lt1"/>
+          </a:fontRef>
+        </p:style>
+        <p:txBody>
+          <a:bodyPr rtlCol="0" anchor="ctr"/>
+          <a:lstStyle/>
+          <a:p>
+            <a:pPr algn="ctr"/>
+            <a:r>
+              <a:rPr lang="de-DE" sz="1028" dirty="0"/>
+              <a:t>Point Cloud</a:t>
+            </a:r>
+            <a:endParaRPr lang="en-GB" sz="1028" dirty="0"/>
+          </a:p>
+        </p:txBody>
+      </p:sp>
+      <p:sp>
+        <p:nvSpPr>
+          <p:cNvPr id="39" name="Textfeld 38">
+            <a:extLst>
+              <a:ext uri="{FF2B5EF4-FFF2-40B4-BE49-F238E27FC236}">
+                <a16:creationId xmlns:a16="http://schemas.microsoft.com/office/drawing/2014/main" id="{B76610C6-B2BA-4C60-BB74-3BFDDA3332EF}"/>
+              </a:ext>
+            </a:extLst>
+          </p:cNvPr>
+          <p:cNvSpPr txBox="1"/>
+          <p:nvPr/>
+        </p:nvSpPr>
+        <p:spPr>
+          <a:xfrm>
+            <a:off x="142259" y="2319711"/>
+            <a:ext cx="1821332" cy="646331"/>
+          </a:xfrm>
+          <a:prstGeom prst="rect">
+            <a:avLst/>
+          </a:prstGeom>
+          <a:noFill/>
+        </p:spPr>
+        <p:txBody>
+          <a:bodyPr wrap="none" rtlCol="0">
+            <a:spAutoFit/>
+          </a:bodyPr>
+          <a:lstStyle/>
+          <a:p>
+            <a:r>
+              <a:rPr lang="de-DE" sz="3600" dirty="0"/>
+              <a:t>[             ]</a:t>
+            </a:r>
+            <a:endParaRPr lang="en-GB" sz="3600" dirty="0"/>
+          </a:p>
+        </p:txBody>
+      </p:sp>
+      <p:sp>
+        <p:nvSpPr>
+          <p:cNvPr id="56" name="Textfeld 55">
+            <a:extLst>
+              <a:ext uri="{FF2B5EF4-FFF2-40B4-BE49-F238E27FC236}">
+                <a16:creationId xmlns:a16="http://schemas.microsoft.com/office/drawing/2014/main" id="{5908B713-2D16-4042-8940-72F5673B5BDB}"/>
+              </a:ext>
+            </a:extLst>
+          </p:cNvPr>
+          <p:cNvSpPr txBox="1"/>
+          <p:nvPr/>
+        </p:nvSpPr>
+        <p:spPr>
+          <a:xfrm>
+            <a:off x="412653" y="2910334"/>
+            <a:ext cx="1146468" cy="246221"/>
+          </a:xfrm>
+          <a:prstGeom prst="rect">
+            <a:avLst/>
+          </a:prstGeom>
+          <a:noFill/>
+        </p:spPr>
+        <p:txBody>
+          <a:bodyPr wrap="none" rtlCol="0">
+            <a:spAutoFit/>
+          </a:bodyPr>
+          <a:lstStyle/>
+          <a:p>
+            <a:r>
+              <a:rPr lang="de-DE" sz="1000" dirty="0"/>
+              <a:t>List </a:t>
+            </a:r>
+            <a:r>
+              <a:rPr lang="de-DE" sz="1000" dirty="0" err="1"/>
+              <a:t>of</a:t>
+            </a:r>
+            <a:r>
+              <a:rPr lang="de-DE" sz="1000" dirty="0"/>
+              <a:t> </a:t>
+            </a:r>
+            <a:r>
+              <a:rPr lang="de-DE" sz="1000" dirty="0" err="1"/>
+              <a:t>PointClouds</a:t>
+            </a:r>
+            <a:endParaRPr lang="en-GB" sz="1000" dirty="0"/>
+          </a:p>
+        </p:txBody>
+      </p:sp>
+      <p:cxnSp>
+        <p:nvCxnSpPr>
+          <p:cNvPr id="58" name="Gerade Verbindung mit Pfeil 57">
+            <a:extLst>
+              <a:ext uri="{FF2B5EF4-FFF2-40B4-BE49-F238E27FC236}">
+                <a16:creationId xmlns:a16="http://schemas.microsoft.com/office/drawing/2014/main" id="{620229BE-A8DA-4F9D-A18B-A335C1B22D5E}"/>
+              </a:ext>
+            </a:extLst>
+          </p:cNvPr>
+          <p:cNvCxnSpPr>
+            <a:cxnSpLocks/>
+          </p:cNvCxnSpPr>
+          <p:nvPr/>
+        </p:nvCxnSpPr>
+        <p:spPr>
+          <a:xfrm>
+            <a:off x="1792986" y="2676578"/>
+            <a:ext cx="2178241" cy="0"/>
+          </a:xfrm>
+          <a:prstGeom prst="straightConnector1">
+            <a:avLst/>
+          </a:prstGeom>
+          <a:ln>
+            <a:tailEnd type="triangle"/>
+          </a:ln>
+        </p:spPr>
+        <p:style>
+          <a:lnRef idx="1">
+            <a:schemeClr val="accent1"/>
+          </a:lnRef>
+          <a:fillRef idx="0">
+            <a:schemeClr val="accent1"/>
+          </a:fillRef>
+          <a:effectRef idx="0">
+            <a:schemeClr val="accent1"/>
+          </a:effectRef>
+          <a:fontRef idx="minor">
+            <a:schemeClr val="tx1"/>
+          </a:fontRef>
+        </p:style>
+      </p:cxnSp>
+      <p:sp>
+        <p:nvSpPr>
+          <p:cNvPr id="60" name="Textfeld 59">
+            <a:extLst>
+              <a:ext uri="{FF2B5EF4-FFF2-40B4-BE49-F238E27FC236}">
+                <a16:creationId xmlns:a16="http://schemas.microsoft.com/office/drawing/2014/main" id="{6955327D-E210-4C46-BE46-F733C959AF27}"/>
+              </a:ext>
+            </a:extLst>
+          </p:cNvPr>
+          <p:cNvSpPr txBox="1"/>
+          <p:nvPr/>
+        </p:nvSpPr>
+        <p:spPr>
+          <a:xfrm>
+            <a:off x="2094519" y="1787166"/>
+            <a:ext cx="1205779" cy="250518"/>
+          </a:xfrm>
+          <a:prstGeom prst="rect">
+            <a:avLst/>
+          </a:prstGeom>
+          <a:noFill/>
+        </p:spPr>
+        <p:txBody>
+          <a:bodyPr wrap="none" rtlCol="0">
+            <a:spAutoFit/>
+          </a:bodyPr>
+          <a:lstStyle/>
+          <a:p>
+            <a:r>
+              <a:rPr lang="de-DE" sz="1000" dirty="0" err="1"/>
+              <a:t>Dataset.from_file</a:t>
+            </a:r>
+            <a:r>
+              <a:rPr lang="de-DE" sz="1000" dirty="0"/>
+              <a:t>()</a:t>
+            </a:r>
+            <a:endParaRPr lang="en-GB" sz="1000" dirty="0"/>
+          </a:p>
+        </p:txBody>
+      </p:sp>
+      <p:sp>
+        <p:nvSpPr>
+          <p:cNvPr id="62" name="Rechteck 2">
+            <a:extLst>
+              <a:ext uri="{FF2B5EF4-FFF2-40B4-BE49-F238E27FC236}">
+                <a16:creationId xmlns:a16="http://schemas.microsoft.com/office/drawing/2014/main" id="{F484C540-C772-4A15-AC2C-090C3E6BBF41}"/>
+              </a:ext>
+            </a:extLst>
+          </p:cNvPr>
+          <p:cNvSpPr/>
+          <p:nvPr/>
+        </p:nvSpPr>
+        <p:spPr>
+          <a:xfrm>
+            <a:off x="8340300" y="1469840"/>
+            <a:ext cx="646558" cy="483810"/>
+          </a:xfrm>
+          <a:prstGeom prst="rect">
+            <a:avLst/>
+          </a:prstGeom>
+        </p:spPr>
+        <p:style>
+          <a:lnRef idx="2">
+            <a:schemeClr val="accent6">
+              <a:shade val="50000"/>
+            </a:schemeClr>
+          </a:lnRef>
+          <a:fillRef idx="1">
+            <a:schemeClr val="accent6"/>
+          </a:fillRef>
+          <a:effectRef idx="0">
+            <a:schemeClr val="accent6"/>
+          </a:effectRef>
+          <a:fontRef idx="minor">
+            <a:schemeClr val="lt1"/>
+          </a:fontRef>
+        </p:style>
+        <p:txBody>
+          <a:bodyPr rtlCol="0" anchor="ctr"/>
+          <a:lstStyle/>
+          <a:p>
+            <a:pPr algn="ctr"/>
+            <a:r>
+              <a:rPr lang="de-DE" sz="1028" dirty="0" err="1"/>
+              <a:t>stored</a:t>
+            </a:r>
+            <a:r>
+              <a:rPr lang="de-DE" sz="1028" dirty="0"/>
+              <a:t> Dataset</a:t>
+            </a:r>
+            <a:endParaRPr lang="en-GB" sz="1028" dirty="0"/>
+          </a:p>
+        </p:txBody>
+      </p:sp>
+      <p:cxnSp>
+        <p:nvCxnSpPr>
+          <p:cNvPr id="63" name="Gerade Verbindung mit Pfeil 62">
+            <a:extLst>
+              <a:ext uri="{FF2B5EF4-FFF2-40B4-BE49-F238E27FC236}">
+                <a16:creationId xmlns:a16="http://schemas.microsoft.com/office/drawing/2014/main" id="{1E8F9521-D8B4-4152-BA2F-C0DEF7A78E0D}"/>
+              </a:ext>
+            </a:extLst>
+          </p:cNvPr>
+          <p:cNvCxnSpPr>
+            <a:cxnSpLocks/>
+            <a:endCxn id="62" idx="1"/>
+          </p:cNvCxnSpPr>
+          <p:nvPr/>
+        </p:nvCxnSpPr>
+        <p:spPr>
+          <a:xfrm>
+            <a:off x="7802481" y="1711745"/>
+            <a:ext cx="537819" cy="0"/>
+          </a:xfrm>
+          <a:prstGeom prst="straightConnector1">
+            <a:avLst/>
+          </a:prstGeom>
+          <a:ln>
+            <a:tailEnd type="triangle"/>
+          </a:ln>
+        </p:spPr>
+        <p:style>
+          <a:lnRef idx="1">
+            <a:schemeClr val="accent1"/>
+          </a:lnRef>
+          <a:fillRef idx="0">
+            <a:schemeClr val="accent1"/>
+          </a:fillRef>
+          <a:effectRef idx="0">
+            <a:schemeClr val="accent1"/>
+          </a:effectRef>
+          <a:fontRef idx="minor">
+            <a:schemeClr val="tx1"/>
+          </a:fontRef>
+        </p:style>
+      </p:cxnSp>
+    </p:spTree>
+    <p:extLst>
+      <p:ext uri="{BB962C8B-B14F-4D97-AF65-F5344CB8AC3E}">
+        <p14:creationId xmlns:p14="http://schemas.microsoft.com/office/powerpoint/2010/main" val="3225980603"/>
+      </p:ext>
+    </p:extLst>
+  </p:cSld>
+  <p:clrMapOvr>
+    <a:masterClrMapping/>
+  </p:clrMapOvr>
+</p:sld>
+</file>
+
+<file path=ppt/slides/slide3.xml><?xml version="1.0" encoding="utf-8"?>
+<p:sld xmlns:a="http://schemas.openxmlformats.org/drawingml/2006/main" xmlns:r="http://schemas.openxmlformats.org/officeDocument/2006/relationships" xmlns:p="http://schemas.openxmlformats.org/presentationml/2006/main">
+  <p:cSld>
+    <p:spTree>
+      <p:nvGrpSpPr>
+        <p:cNvPr id="1" name=""/>
+        <p:cNvGrpSpPr/>
+        <p:nvPr/>
+      </p:nvGrpSpPr>
+      <p:grpSpPr>
+        <a:xfrm>
+          <a:off x="0" y="0"/>
+          <a:ext cx="0" cy="0"/>
+          <a:chOff x="0" y="0"/>
+          <a:chExt cx="0" cy="0"/>
+        </a:xfrm>
+      </p:grpSpPr>
+      <p:sp>
+        <p:nvSpPr>
+          <p:cNvPr id="2" name="Rechteck 18">
+            <a:extLst>
+              <a:ext uri="{FF2B5EF4-FFF2-40B4-BE49-F238E27FC236}">
+                <a16:creationId xmlns:a16="http://schemas.microsoft.com/office/drawing/2014/main" id="{BE696CB9-2E92-4955-9540-8C5CCDD44FAE}"/>
+              </a:ext>
+            </a:extLst>
+          </p:cNvPr>
+          <p:cNvSpPr/>
+          <p:nvPr/>
+        </p:nvSpPr>
+        <p:spPr>
+          <a:xfrm>
+            <a:off x="2487799" y="167575"/>
+            <a:ext cx="2163566" cy="1373889"/>
+          </a:xfrm>
+          <a:prstGeom prst="rect">
+            <a:avLst/>
+          </a:prstGeom>
+        </p:spPr>
+        <p:style>
+          <a:lnRef idx="2">
+            <a:schemeClr val="accent4">
+              <a:shade val="50000"/>
+            </a:schemeClr>
+          </a:lnRef>
+          <a:fillRef idx="1">
+            <a:schemeClr val="accent4"/>
+          </a:fillRef>
+          <a:effectRef idx="0">
+            <a:schemeClr val="accent4"/>
+          </a:effectRef>
+          <a:fontRef idx="minor">
+            <a:schemeClr val="lt1"/>
+          </a:fontRef>
+        </p:style>
+        <p:txBody>
+          <a:bodyPr rtlCol="0" anchor="ctr"/>
+          <a:lstStyle/>
+          <a:p>
+            <a:pPr algn="ctr"/>
+            <a:endParaRPr lang="en-GB" sz="1028" dirty="0"/>
+          </a:p>
+        </p:txBody>
+      </p:sp>
+      <p:sp>
+        <p:nvSpPr>
+          <p:cNvPr id="3" name="Textfeld 19">
+            <a:extLst>
+              <a:ext uri="{FF2B5EF4-FFF2-40B4-BE49-F238E27FC236}">
+                <a16:creationId xmlns:a16="http://schemas.microsoft.com/office/drawing/2014/main" id="{555569D4-1CA4-4F38-BE38-0BB7A16D404B}"/>
+              </a:ext>
+            </a:extLst>
+          </p:cNvPr>
+          <p:cNvSpPr txBox="1"/>
+          <p:nvPr/>
+        </p:nvSpPr>
+        <p:spPr>
+          <a:xfrm>
+            <a:off x="2816647" y="221996"/>
+            <a:ext cx="1544012" cy="250518"/>
+          </a:xfrm>
+          <a:prstGeom prst="rect">
+            <a:avLst/>
+          </a:prstGeom>
+          <a:noFill/>
+        </p:spPr>
+        <p:txBody>
+          <a:bodyPr wrap="none" rtlCol="0">
+            <a:spAutoFit/>
+          </a:bodyPr>
+          <a:lstStyle/>
+          <a:p>
+            <a:r>
+              <a:rPr lang="de-DE" sz="1028" dirty="0" err="1">
+                <a:solidFill>
+                  <a:schemeClr val="bg1"/>
+                </a:solidFill>
+              </a:rPr>
+              <a:t>pointcloudset.PointCloud</a:t>
+            </a:r>
+            <a:endParaRPr lang="en-GB" sz="1028" dirty="0">
+              <a:solidFill>
+                <a:schemeClr val="bg1"/>
+              </a:solidFill>
+            </a:endParaRPr>
+          </a:p>
+        </p:txBody>
+      </p:sp>
+      <p:sp>
+        <p:nvSpPr>
+          <p:cNvPr id="4" name="Rechteck 2">
+            <a:extLst>
+              <a:ext uri="{FF2B5EF4-FFF2-40B4-BE49-F238E27FC236}">
+                <a16:creationId xmlns:a16="http://schemas.microsoft.com/office/drawing/2014/main" id="{C8F0826A-6DEA-4409-9FE7-B1AFC13089AC}"/>
+              </a:ext>
+            </a:extLst>
+          </p:cNvPr>
+          <p:cNvSpPr/>
+          <p:nvPr/>
+        </p:nvSpPr>
+        <p:spPr>
+          <a:xfrm>
+            <a:off x="72343" y="518094"/>
+            <a:ext cx="718159" cy="672851"/>
+          </a:xfrm>
+          <a:prstGeom prst="rect">
+            <a:avLst/>
+          </a:prstGeom>
+        </p:spPr>
+        <p:style>
+          <a:lnRef idx="2">
+            <a:schemeClr val="accent6">
+              <a:shade val="50000"/>
+            </a:schemeClr>
+          </a:lnRef>
+          <a:fillRef idx="1">
+            <a:schemeClr val="accent6"/>
+          </a:fillRef>
+          <a:effectRef idx="0">
+            <a:schemeClr val="accent6"/>
+          </a:effectRef>
+          <a:fontRef idx="minor">
+            <a:schemeClr val="lt1"/>
+          </a:fontRef>
+        </p:style>
+        <p:txBody>
+          <a:bodyPr rtlCol="0" anchor="ctr"/>
+          <a:lstStyle/>
+          <a:p>
+            <a:pPr algn="ctr"/>
+            <a:r>
+              <a:rPr lang="de-DE" sz="1028" dirty="0"/>
+              <a:t>.las</a:t>
+            </a:r>
+          </a:p>
+          <a:p>
+            <a:pPr algn="ctr"/>
+            <a:r>
+              <a:rPr lang="de-DE" sz="1028" dirty="0"/>
+              <a:t>.</a:t>
+            </a:r>
+            <a:r>
+              <a:rPr lang="de-DE" sz="1028" dirty="0" err="1"/>
+              <a:t>csv</a:t>
+            </a:r>
+            <a:endParaRPr lang="de-DE" sz="1028" dirty="0"/>
+          </a:p>
+          <a:p>
+            <a:pPr algn="ctr"/>
+            <a:r>
+              <a:rPr lang="de-DE" sz="1028" dirty="0"/>
+              <a:t>And </a:t>
+            </a:r>
+            <a:r>
+              <a:rPr lang="de-DE" sz="1028" dirty="0" err="1"/>
+              <a:t>more</a:t>
+            </a:r>
+            <a:endParaRPr lang="en-GB" sz="1028" dirty="0"/>
+          </a:p>
+        </p:txBody>
+      </p:sp>
+      <p:cxnSp>
+        <p:nvCxnSpPr>
+          <p:cNvPr id="5" name="Gerade Verbindung mit Pfeil 4">
+            <a:extLst>
+              <a:ext uri="{FF2B5EF4-FFF2-40B4-BE49-F238E27FC236}">
+                <a16:creationId xmlns:a16="http://schemas.microsoft.com/office/drawing/2014/main" id="{849AB70B-DDAF-45D6-9CC5-91F67DA93463}"/>
+              </a:ext>
+            </a:extLst>
+          </p:cNvPr>
+          <p:cNvCxnSpPr>
+            <a:cxnSpLocks/>
+            <a:stCxn id="4" idx="3"/>
+            <a:endCxn id="2" idx="1"/>
+          </p:cNvCxnSpPr>
+          <p:nvPr/>
+        </p:nvCxnSpPr>
+        <p:spPr bwMode="auto">
+          <a:xfrm>
+            <a:off x="790502" y="854520"/>
+            <a:ext cx="1697297" cy="0"/>
+          </a:xfrm>
+          <a:prstGeom prst="straightConnector1">
+            <a:avLst/>
+          </a:prstGeom>
+          <a:noFill/>
+          <a:ln w="9525" cap="flat" cmpd="sng" algn="ctr">
+            <a:solidFill>
+              <a:schemeClr val="tx1"/>
+            </a:solidFill>
+            <a:prstDash val="solid"/>
+            <a:round/>
+            <a:headEnd type="none" w="med" len="med"/>
+            <a:tailEnd type="triangle"/>
+          </a:ln>
+          <a:effectLst/>
+        </p:spPr>
+      </p:cxnSp>
+      <p:sp>
+        <p:nvSpPr>
+          <p:cNvPr id="6" name="Textfeld 5">
+            <a:extLst>
+              <a:ext uri="{FF2B5EF4-FFF2-40B4-BE49-F238E27FC236}">
+                <a16:creationId xmlns:a16="http://schemas.microsoft.com/office/drawing/2014/main" id="{8613A152-ED81-4C87-9488-548FD2939B44}"/>
+              </a:ext>
+            </a:extLst>
+          </p:cNvPr>
+          <p:cNvSpPr txBox="1"/>
+          <p:nvPr/>
+        </p:nvSpPr>
+        <p:spPr>
+          <a:xfrm>
+            <a:off x="896065" y="635609"/>
+            <a:ext cx="1380506" cy="250518"/>
+          </a:xfrm>
+          <a:prstGeom prst="rect">
+            <a:avLst/>
+          </a:prstGeom>
+          <a:noFill/>
+        </p:spPr>
+        <p:txBody>
+          <a:bodyPr wrap="none" rtlCol="0">
+            <a:spAutoFit/>
+          </a:bodyPr>
+          <a:lstStyle/>
+          <a:p>
+            <a:r>
+              <a:rPr lang="de-DE" sz="1028" dirty="0" err="1"/>
+              <a:t>PointCloud.from_file</a:t>
+            </a:r>
+            <a:r>
+              <a:rPr lang="de-DE" sz="1028" dirty="0"/>
+              <a:t>()</a:t>
+            </a:r>
+            <a:endParaRPr lang="en-GB" sz="1028" dirty="0"/>
+          </a:p>
+        </p:txBody>
+      </p:sp>
+      <p:sp>
+        <p:nvSpPr>
+          <p:cNvPr id="7" name="Textfeld 6">
+            <a:extLst>
+              <a:ext uri="{FF2B5EF4-FFF2-40B4-BE49-F238E27FC236}">
+                <a16:creationId xmlns:a16="http://schemas.microsoft.com/office/drawing/2014/main" id="{9FA3070A-8EEF-4FF1-B7DC-9CAE06763A08}"/>
+              </a:ext>
+            </a:extLst>
+          </p:cNvPr>
+          <p:cNvSpPr txBox="1"/>
+          <p:nvPr/>
+        </p:nvSpPr>
+        <p:spPr>
+          <a:xfrm>
+            <a:off x="2543309" y="510350"/>
+            <a:ext cx="423514" cy="250518"/>
+          </a:xfrm>
+          <a:prstGeom prst="rect">
+            <a:avLst/>
+          </a:prstGeom>
+          <a:noFill/>
+        </p:spPr>
+        <p:txBody>
+          <a:bodyPr wrap="none" rtlCol="0">
+            <a:spAutoFit/>
+          </a:bodyPr>
+          <a:lstStyle/>
+          <a:p>
+            <a:r>
+              <a:rPr lang="de-DE" sz="1028" dirty="0" err="1">
+                <a:solidFill>
+                  <a:schemeClr val="bg1"/>
+                </a:solidFill>
+              </a:rPr>
+              <a:t>data</a:t>
+            </a:r>
+            <a:endParaRPr lang="en-GB" sz="1028" dirty="0">
+              <a:solidFill>
+                <a:schemeClr val="bg1"/>
+              </a:solidFill>
+            </a:endParaRPr>
+          </a:p>
+        </p:txBody>
+      </p:sp>
+      <p:sp>
+        <p:nvSpPr>
+          <p:cNvPr id="8" name="Textfeld 7">
+            <a:extLst>
+              <a:ext uri="{FF2B5EF4-FFF2-40B4-BE49-F238E27FC236}">
+                <a16:creationId xmlns:a16="http://schemas.microsoft.com/office/drawing/2014/main" id="{DE703C1C-4CC8-45D0-A363-FFC2F3C54ECA}"/>
+              </a:ext>
+            </a:extLst>
+          </p:cNvPr>
+          <p:cNvSpPr txBox="1"/>
+          <p:nvPr/>
+        </p:nvSpPr>
+        <p:spPr>
+          <a:xfrm>
+            <a:off x="2543310" y="716775"/>
+            <a:ext cx="518091" cy="250518"/>
+          </a:xfrm>
+          <a:prstGeom prst="rect">
+            <a:avLst/>
+          </a:prstGeom>
+          <a:noFill/>
+        </p:spPr>
+        <p:txBody>
+          <a:bodyPr wrap="none" rtlCol="0">
+            <a:spAutoFit/>
+          </a:bodyPr>
+          <a:lstStyle/>
+          <a:p>
+            <a:r>
+              <a:rPr lang="de-DE" sz="1028" dirty="0" err="1">
+                <a:solidFill>
+                  <a:schemeClr val="bg1"/>
+                </a:solidFill>
+              </a:rPr>
+              <a:t>points</a:t>
+            </a:r>
+            <a:endParaRPr lang="en-GB" sz="1028" dirty="0">
+              <a:solidFill>
+                <a:schemeClr val="bg1"/>
+              </a:solidFill>
+            </a:endParaRPr>
+          </a:p>
+        </p:txBody>
+      </p:sp>
+      <p:sp>
+        <p:nvSpPr>
+          <p:cNvPr id="9" name="Textfeld 8">
+            <a:extLst>
+              <a:ext uri="{FF2B5EF4-FFF2-40B4-BE49-F238E27FC236}">
+                <a16:creationId xmlns:a16="http://schemas.microsoft.com/office/drawing/2014/main" id="{33E1A08A-EFC9-4356-A14D-47A2F1AF6613}"/>
+              </a:ext>
+            </a:extLst>
+          </p:cNvPr>
+          <p:cNvSpPr txBox="1"/>
+          <p:nvPr/>
+        </p:nvSpPr>
+        <p:spPr>
+          <a:xfrm>
+            <a:off x="2535331" y="958544"/>
+            <a:ext cx="764953" cy="250518"/>
+          </a:xfrm>
+          <a:prstGeom prst="rect">
+            <a:avLst/>
+          </a:prstGeom>
+          <a:noFill/>
+        </p:spPr>
+        <p:txBody>
+          <a:bodyPr wrap="none" rtlCol="0">
+            <a:spAutoFit/>
+          </a:bodyPr>
+          <a:lstStyle/>
+          <a:p>
+            <a:r>
+              <a:rPr lang="de-DE" sz="1028" dirty="0" err="1">
+                <a:solidFill>
+                  <a:schemeClr val="bg1"/>
+                </a:solidFill>
+              </a:rPr>
+              <a:t>timestamp</a:t>
+            </a:r>
+            <a:endParaRPr lang="en-GB" sz="1028" dirty="0">
+              <a:solidFill>
+                <a:schemeClr val="bg1"/>
+              </a:solidFill>
+            </a:endParaRPr>
+          </a:p>
+        </p:txBody>
+      </p:sp>
+      <p:sp>
+        <p:nvSpPr>
+          <p:cNvPr id="10" name="Textfeld 9">
+            <a:extLst>
+              <a:ext uri="{FF2B5EF4-FFF2-40B4-BE49-F238E27FC236}">
+                <a16:creationId xmlns:a16="http://schemas.microsoft.com/office/drawing/2014/main" id="{E7A99595-0E81-4091-93BC-DD902CB86592}"/>
+              </a:ext>
+            </a:extLst>
+          </p:cNvPr>
+          <p:cNvSpPr txBox="1"/>
+          <p:nvPr/>
+        </p:nvSpPr>
+        <p:spPr>
+          <a:xfrm>
+            <a:off x="2543310" y="1220925"/>
+            <a:ext cx="625492" cy="250518"/>
+          </a:xfrm>
+          <a:prstGeom prst="rect">
+            <a:avLst/>
+          </a:prstGeom>
+          <a:noFill/>
+        </p:spPr>
+        <p:txBody>
+          <a:bodyPr wrap="none" rtlCol="0">
+            <a:spAutoFit/>
+          </a:bodyPr>
+          <a:lstStyle/>
+          <a:p>
+            <a:r>
+              <a:rPr lang="de-DE" sz="1028" dirty="0" err="1">
+                <a:solidFill>
+                  <a:schemeClr val="bg1"/>
+                </a:solidFill>
+              </a:rPr>
+              <a:t>orig_file</a:t>
+            </a:r>
+            <a:endParaRPr lang="en-GB" sz="1028" dirty="0">
+              <a:solidFill>
+                <a:schemeClr val="bg1"/>
+              </a:solidFill>
+            </a:endParaRPr>
+          </a:p>
+        </p:txBody>
+      </p:sp>
+      <p:pic>
+        <p:nvPicPr>
+          <p:cNvPr id="11" name="Picture 2" descr="pandas (Software) – Wikipedia">
+            <a:extLst>
+              <a:ext uri="{FF2B5EF4-FFF2-40B4-BE49-F238E27FC236}">
+                <a16:creationId xmlns:a16="http://schemas.microsoft.com/office/drawing/2014/main" id="{B2763C47-14D6-4484-B385-56030139C69A}"/>
+              </a:ext>
+            </a:extLst>
+          </p:cNvPr>
+          <p:cNvPicPr>
+            <a:picLocks noChangeAspect="1" noChangeArrowheads="1"/>
+          </p:cNvPicPr>
+          <p:nvPr/>
+        </p:nvPicPr>
+        <p:blipFill>
+          <a:blip r:embed="rId2" cstate="print">
+            <a:extLst>
+              <a:ext uri="{28A0092B-C50C-407E-A947-70E740481C1C}">
+                <a14:useLocalDpi xmlns:a14="http://schemas.microsoft.com/office/drawing/2010/main" val="0"/>
+              </a:ext>
+            </a:extLst>
+          </a:blip>
+          <a:srcRect/>
+          <a:stretch>
+            <a:fillRect/>
+          </a:stretch>
+        </p:blipFill>
+        <p:spPr bwMode="auto">
+          <a:xfrm>
+            <a:off x="4028185" y="523092"/>
+            <a:ext cx="499768" cy="202456"/>
+          </a:xfrm>
+          <a:prstGeom prst="rect">
+            <a:avLst/>
+          </a:prstGeom>
+          <a:noFill/>
+          <a:extLst>
+            <a:ext uri="{909E8E84-426E-40DD-AFC4-6F175D3DCCD1}">
+              <a14:hiddenFill xmlns:a14="http://schemas.microsoft.com/office/drawing/2010/main">
+                <a:solidFill>
+                  <a:srgbClr val="FFFFFF"/>
+                </a:solidFill>
+              </a14:hiddenFill>
+            </a:ext>
+          </a:extLst>
+        </p:spPr>
+      </p:pic>
+      <p:sp>
+        <p:nvSpPr>
+          <p:cNvPr id="12" name="Textfeld 11">
+            <a:extLst>
+              <a:ext uri="{FF2B5EF4-FFF2-40B4-BE49-F238E27FC236}">
+                <a16:creationId xmlns:a16="http://schemas.microsoft.com/office/drawing/2014/main" id="{0EF478DB-EA60-40A8-A622-DAB7EE16BB15}"/>
+              </a:ext>
+            </a:extLst>
+          </p:cNvPr>
+          <p:cNvSpPr txBox="1"/>
+          <p:nvPr/>
+        </p:nvSpPr>
+        <p:spPr>
+          <a:xfrm>
+            <a:off x="3943267" y="741136"/>
+            <a:ext cx="720069" cy="250518"/>
+          </a:xfrm>
+          <a:prstGeom prst="rect">
+            <a:avLst/>
+          </a:prstGeom>
+          <a:noFill/>
+        </p:spPr>
+        <p:txBody>
+          <a:bodyPr wrap="none" rtlCol="0">
+            <a:spAutoFit/>
+          </a:bodyPr>
+          <a:lstStyle/>
+          <a:p>
+            <a:r>
+              <a:rPr lang="de-DE" sz="1028" dirty="0" err="1">
+                <a:solidFill>
+                  <a:schemeClr val="bg1"/>
+                </a:solidFill>
+              </a:rPr>
+              <a:t>pyntcloud</a:t>
+            </a:r>
+            <a:endParaRPr lang="en-GB" sz="1028" dirty="0">
+              <a:solidFill>
+                <a:schemeClr val="bg1"/>
+              </a:solidFill>
+            </a:endParaRPr>
+          </a:p>
+        </p:txBody>
+      </p:sp>
+      <p:sp>
+        <p:nvSpPr>
+          <p:cNvPr id="13" name="Textfeld 12">
+            <a:extLst>
+              <a:ext uri="{FF2B5EF4-FFF2-40B4-BE49-F238E27FC236}">
+                <a16:creationId xmlns:a16="http://schemas.microsoft.com/office/drawing/2014/main" id="{A9A4D259-0842-4010-BFD6-3AB1D0B7F51B}"/>
+              </a:ext>
+            </a:extLst>
+          </p:cNvPr>
+          <p:cNvSpPr txBox="1"/>
+          <p:nvPr/>
+        </p:nvSpPr>
+        <p:spPr>
+          <a:xfrm>
+            <a:off x="3943267" y="953539"/>
+            <a:ext cx="673582" cy="250518"/>
+          </a:xfrm>
+          <a:prstGeom prst="rect">
+            <a:avLst/>
+          </a:prstGeom>
+          <a:noFill/>
+        </p:spPr>
+        <p:txBody>
+          <a:bodyPr wrap="none" rtlCol="0">
+            <a:spAutoFit/>
+          </a:bodyPr>
+          <a:lstStyle/>
+          <a:p>
+            <a:r>
+              <a:rPr lang="de-DE" sz="1028" dirty="0" err="1">
+                <a:solidFill>
+                  <a:schemeClr val="bg1"/>
+                </a:solidFill>
+              </a:rPr>
+              <a:t>datetime</a:t>
+            </a:r>
+            <a:endParaRPr lang="en-GB" sz="1028" dirty="0">
+              <a:solidFill>
+                <a:schemeClr val="bg1"/>
+              </a:solidFill>
+            </a:endParaRPr>
+          </a:p>
+        </p:txBody>
+      </p:sp>
+      <p:sp>
+        <p:nvSpPr>
+          <p:cNvPr id="14" name="Textfeld 13">
+            <a:extLst>
+              <a:ext uri="{FF2B5EF4-FFF2-40B4-BE49-F238E27FC236}">
+                <a16:creationId xmlns:a16="http://schemas.microsoft.com/office/drawing/2014/main" id="{F0197811-55CD-4640-BED4-A9742F675565}"/>
+              </a:ext>
+            </a:extLst>
+          </p:cNvPr>
+          <p:cNvSpPr txBox="1"/>
+          <p:nvPr/>
+        </p:nvSpPr>
+        <p:spPr>
+          <a:xfrm>
+            <a:off x="3988661" y="1186899"/>
+            <a:ext cx="327334" cy="250518"/>
+          </a:xfrm>
+          <a:prstGeom prst="rect">
+            <a:avLst/>
+          </a:prstGeom>
+          <a:noFill/>
+        </p:spPr>
+        <p:txBody>
+          <a:bodyPr wrap="none" rtlCol="0">
+            <a:spAutoFit/>
+          </a:bodyPr>
+          <a:lstStyle/>
+          <a:p>
+            <a:r>
+              <a:rPr lang="de-DE" sz="1028" dirty="0" err="1">
+                <a:solidFill>
+                  <a:schemeClr val="bg1"/>
+                </a:solidFill>
+              </a:rPr>
+              <a:t>str</a:t>
+            </a:r>
+            <a:endParaRPr lang="en-GB" sz="1028" dirty="0">
+              <a:solidFill>
+                <a:schemeClr val="bg1"/>
+              </a:solidFill>
+            </a:endParaRPr>
+          </a:p>
+        </p:txBody>
+      </p:sp>
+    </p:spTree>
+    <p:extLst>
+      <p:ext uri="{BB962C8B-B14F-4D97-AF65-F5344CB8AC3E}">
+        <p14:creationId xmlns:p14="http://schemas.microsoft.com/office/powerpoint/2010/main" val="2312552727"/>
       </p:ext>
     </p:extLst>
   </p:cSld>

--- a/paper/figures/data_pipeline.pptx
+++ b/paper/figures/data_pipeline.pptx
@@ -199,7 +199,7 @@
           <a:p>
             <a:fld id="{ACC8D1E5-734B-D648-9544-C1B3E7710CE7}" type="datetimeFigureOut">
               <a:rPr lang="en-GB" smtClean="0"/>
-              <a:t>28/04/2021</a:t>
+              <a:t>03/05/2021</a:t>
             </a:fld>
             <a:endParaRPr lang="en-GB"/>
           </a:p>
@@ -686,7 +686,7 @@
           <a:p>
             <a:fld id="{70A666A6-2FAB-D348-B19D-8A510A298A73}" type="datetimeFigureOut">
               <a:rPr lang="en-GB" smtClean="0"/>
-              <a:t>28/04/2021</a:t>
+              <a:t>03/05/2021</a:t>
             </a:fld>
             <a:endParaRPr lang="en-GB"/>
           </a:p>
@@ -856,7 +856,7 @@
           <a:p>
             <a:fld id="{70A666A6-2FAB-D348-B19D-8A510A298A73}" type="datetimeFigureOut">
               <a:rPr lang="en-GB" smtClean="0"/>
-              <a:t>28/04/2021</a:t>
+              <a:t>03/05/2021</a:t>
             </a:fld>
             <a:endParaRPr lang="en-GB"/>
           </a:p>
@@ -1036,7 +1036,7 @@
           <a:p>
             <a:fld id="{70A666A6-2FAB-D348-B19D-8A510A298A73}" type="datetimeFigureOut">
               <a:rPr lang="en-GB" smtClean="0"/>
-              <a:t>28/04/2021</a:t>
+              <a:t>03/05/2021</a:t>
             </a:fld>
             <a:endParaRPr lang="en-GB"/>
           </a:p>
@@ -1473,7 +1473,7 @@
           <a:p>
             <a:fld id="{70A666A6-2FAB-D348-B19D-8A510A298A73}" type="datetimeFigureOut">
               <a:rPr lang="en-GB" smtClean="0"/>
-              <a:t>28/04/2021</a:t>
+              <a:t>03/05/2021</a:t>
             </a:fld>
             <a:endParaRPr lang="en-GB"/>
           </a:p>
@@ -1719,7 +1719,7 @@
           <a:p>
             <a:fld id="{70A666A6-2FAB-D348-B19D-8A510A298A73}" type="datetimeFigureOut">
               <a:rPr lang="en-GB" smtClean="0"/>
-              <a:t>28/04/2021</a:t>
+              <a:t>03/05/2021</a:t>
             </a:fld>
             <a:endParaRPr lang="en-GB"/>
           </a:p>
@@ -1951,7 +1951,7 @@
           <a:p>
             <a:fld id="{70A666A6-2FAB-D348-B19D-8A510A298A73}" type="datetimeFigureOut">
               <a:rPr lang="en-GB" smtClean="0"/>
-              <a:t>28/04/2021</a:t>
+              <a:t>03/05/2021</a:t>
             </a:fld>
             <a:endParaRPr lang="en-GB"/>
           </a:p>
@@ -2318,7 +2318,7 @@
           <a:p>
             <a:fld id="{70A666A6-2FAB-D348-B19D-8A510A298A73}" type="datetimeFigureOut">
               <a:rPr lang="en-GB" smtClean="0"/>
-              <a:t>28/04/2021</a:t>
+              <a:t>03/05/2021</a:t>
             </a:fld>
             <a:endParaRPr lang="en-GB"/>
           </a:p>
@@ -2436,7 +2436,7 @@
           <a:p>
             <a:fld id="{70A666A6-2FAB-D348-B19D-8A510A298A73}" type="datetimeFigureOut">
               <a:rPr lang="en-GB" smtClean="0"/>
-              <a:t>28/04/2021</a:t>
+              <a:t>03/05/2021</a:t>
             </a:fld>
             <a:endParaRPr lang="en-GB"/>
           </a:p>
@@ -2531,7 +2531,7 @@
           <a:p>
             <a:fld id="{70A666A6-2FAB-D348-B19D-8A510A298A73}" type="datetimeFigureOut">
               <a:rPr lang="en-GB" smtClean="0"/>
-              <a:t>28/04/2021</a:t>
+              <a:t>03/05/2021</a:t>
             </a:fld>
             <a:endParaRPr lang="en-GB"/>
           </a:p>
@@ -2808,7 +2808,7 @@
           <a:p>
             <a:fld id="{70A666A6-2FAB-D348-B19D-8A510A298A73}" type="datetimeFigureOut">
               <a:rPr lang="en-GB" smtClean="0"/>
-              <a:t>28/04/2021</a:t>
+              <a:t>03/05/2021</a:t>
             </a:fld>
             <a:endParaRPr lang="en-GB"/>
           </a:p>
@@ -3065,7 +3065,7 @@
           <a:p>
             <a:fld id="{70A666A6-2FAB-D348-B19D-8A510A298A73}" type="datetimeFigureOut">
               <a:rPr lang="en-GB" smtClean="0"/>
-              <a:t>28/04/2021</a:t>
+              <a:t>03/05/2021</a:t>
             </a:fld>
             <a:endParaRPr lang="en-GB"/>
           </a:p>
@@ -3278,7 +3278,7 @@
           <a:p>
             <a:fld id="{70A666A6-2FAB-D348-B19D-8A510A298A73}" type="datetimeFigureOut">
               <a:rPr lang="en-GB" smtClean="0"/>
-              <a:t>28/04/2021</a:t>
+              <a:t>03/05/2021</a:t>
             </a:fld>
             <a:endParaRPr lang="en-GB"/>
           </a:p>
@@ -7419,6 +7419,116 @@
           </a:p>
         </p:txBody>
       </p:sp>
+      <p:sp>
+        <p:nvSpPr>
+          <p:cNvPr id="15" name="Rechteck 2">
+            <a:extLst>
+              <a:ext uri="{FF2B5EF4-FFF2-40B4-BE49-F238E27FC236}">
+                <a16:creationId xmlns:a16="http://schemas.microsoft.com/office/drawing/2014/main" id="{BE697381-DBC6-408B-BEEB-CF1AC95F3379}"/>
+              </a:ext>
+            </a:extLst>
+          </p:cNvPr>
+          <p:cNvSpPr/>
+          <p:nvPr/>
+        </p:nvSpPr>
+        <p:spPr>
+          <a:xfrm>
+            <a:off x="5224553" y="536211"/>
+            <a:ext cx="718159" cy="672851"/>
+          </a:xfrm>
+          <a:prstGeom prst="rect">
+            <a:avLst/>
+          </a:prstGeom>
+        </p:spPr>
+        <p:style>
+          <a:lnRef idx="2">
+            <a:schemeClr val="accent6">
+              <a:shade val="50000"/>
+            </a:schemeClr>
+          </a:lnRef>
+          <a:fillRef idx="1">
+            <a:schemeClr val="accent6"/>
+          </a:fillRef>
+          <a:effectRef idx="0">
+            <a:schemeClr val="accent6"/>
+          </a:effectRef>
+          <a:fontRef idx="minor">
+            <a:schemeClr val="lt1"/>
+          </a:fontRef>
+        </p:style>
+        <p:txBody>
+          <a:bodyPr rtlCol="0" anchor="ctr"/>
+          <a:lstStyle/>
+          <a:p>
+            <a:pPr algn="ctr"/>
+            <a:r>
+              <a:rPr lang="de-DE" sz="1028" dirty="0"/>
+              <a:t>.las</a:t>
+            </a:r>
+          </a:p>
+          <a:p>
+            <a:pPr algn="ctr"/>
+            <a:r>
+              <a:rPr lang="de-DE" sz="1028" dirty="0"/>
+              <a:t>.</a:t>
+            </a:r>
+            <a:r>
+              <a:rPr lang="de-DE" sz="1028" dirty="0" err="1"/>
+              <a:t>csv</a:t>
+            </a:r>
+            <a:endParaRPr lang="de-DE" sz="1028" dirty="0"/>
+          </a:p>
+          <a:p>
+            <a:pPr algn="ctr"/>
+            <a:r>
+              <a:rPr lang="de-DE" sz="1028" dirty="0"/>
+              <a:t>And </a:t>
+            </a:r>
+            <a:r>
+              <a:rPr lang="de-DE" sz="1028" dirty="0" err="1"/>
+              <a:t>more</a:t>
+            </a:r>
+            <a:endParaRPr lang="en-GB" sz="1028" dirty="0"/>
+          </a:p>
+        </p:txBody>
+      </p:sp>
+      <p:cxnSp>
+        <p:nvCxnSpPr>
+          <p:cNvPr id="16" name="Gerade Verbindung mit Pfeil 15">
+            <a:extLst>
+              <a:ext uri="{FF2B5EF4-FFF2-40B4-BE49-F238E27FC236}">
+                <a16:creationId xmlns:a16="http://schemas.microsoft.com/office/drawing/2014/main" id="{6CAAEFC2-E84E-4594-AA0E-3CBAC159D114}"/>
+              </a:ext>
+            </a:extLst>
+          </p:cNvPr>
+          <p:cNvCxnSpPr>
+            <a:cxnSpLocks/>
+            <a:stCxn id="12" idx="3"/>
+            <a:endCxn id="15" idx="1"/>
+          </p:cNvCxnSpPr>
+          <p:nvPr/>
+        </p:nvCxnSpPr>
+        <p:spPr bwMode="auto">
+          <a:xfrm>
+            <a:off x="4663336" y="866395"/>
+            <a:ext cx="561217" cy="6242"/>
+          </a:xfrm>
+          <a:prstGeom prst="straightConnector1">
+            <a:avLst/>
+          </a:prstGeom>
+          <a:noFill/>
+          <a:ln w="9525" cap="flat" cmpd="sng" algn="ctr">
+            <a:solidFill>
+              <a:schemeClr val="tx1"/>
+            </a:solidFill>
+            <a:prstDash val="solid"/>
+            <a:round/>
+            <a:headEnd type="none" w="med" len="med"/>
+            <a:tailEnd type="triangle"/>
+          </a:ln>
+          <a:effectLst/>
+        </p:spPr>
+      </p:cxnSp>
     </p:spTree>
     <p:extLst>
       <p:ext uri="{BB962C8B-B14F-4D97-AF65-F5344CB8AC3E}">

--- a/paper/figures/data_pipeline.pptx
+++ b/paper/figures/data_pipeline.pptx
@@ -199,7 +199,7 @@
           <a:p>
             <a:fld id="{ACC8D1E5-734B-D648-9544-C1B3E7710CE7}" type="datetimeFigureOut">
               <a:rPr lang="en-GB" smtClean="0"/>
-              <a:t>03/05/2021</a:t>
+              <a:t>06/05/2021</a:t>
             </a:fld>
             <a:endParaRPr lang="en-GB"/>
           </a:p>
@@ -686,7 +686,7 @@
           <a:p>
             <a:fld id="{70A666A6-2FAB-D348-B19D-8A510A298A73}" type="datetimeFigureOut">
               <a:rPr lang="en-GB" smtClean="0"/>
-              <a:t>03/05/2021</a:t>
+              <a:t>06/05/2021</a:t>
             </a:fld>
             <a:endParaRPr lang="en-GB"/>
           </a:p>
@@ -856,7 +856,7 @@
           <a:p>
             <a:fld id="{70A666A6-2FAB-D348-B19D-8A510A298A73}" type="datetimeFigureOut">
               <a:rPr lang="en-GB" smtClean="0"/>
-              <a:t>03/05/2021</a:t>
+              <a:t>06/05/2021</a:t>
             </a:fld>
             <a:endParaRPr lang="en-GB"/>
           </a:p>
@@ -1036,7 +1036,7 @@
           <a:p>
             <a:fld id="{70A666A6-2FAB-D348-B19D-8A510A298A73}" type="datetimeFigureOut">
               <a:rPr lang="en-GB" smtClean="0"/>
-              <a:t>03/05/2021</a:t>
+              <a:t>06/05/2021</a:t>
             </a:fld>
             <a:endParaRPr lang="en-GB"/>
           </a:p>
@@ -1473,7 +1473,7 @@
           <a:p>
             <a:fld id="{70A666A6-2FAB-D348-B19D-8A510A298A73}" type="datetimeFigureOut">
               <a:rPr lang="en-GB" smtClean="0"/>
-              <a:t>03/05/2021</a:t>
+              <a:t>06/05/2021</a:t>
             </a:fld>
             <a:endParaRPr lang="en-GB"/>
           </a:p>
@@ -1719,7 +1719,7 @@
           <a:p>
             <a:fld id="{70A666A6-2FAB-D348-B19D-8A510A298A73}" type="datetimeFigureOut">
               <a:rPr lang="en-GB" smtClean="0"/>
-              <a:t>03/05/2021</a:t>
+              <a:t>06/05/2021</a:t>
             </a:fld>
             <a:endParaRPr lang="en-GB"/>
           </a:p>
@@ -1951,7 +1951,7 @@
           <a:p>
             <a:fld id="{70A666A6-2FAB-D348-B19D-8A510A298A73}" type="datetimeFigureOut">
               <a:rPr lang="en-GB" smtClean="0"/>
-              <a:t>03/05/2021</a:t>
+              <a:t>06/05/2021</a:t>
             </a:fld>
             <a:endParaRPr lang="en-GB"/>
           </a:p>
@@ -2318,7 +2318,7 @@
           <a:p>
             <a:fld id="{70A666A6-2FAB-D348-B19D-8A510A298A73}" type="datetimeFigureOut">
               <a:rPr lang="en-GB" smtClean="0"/>
-              <a:t>03/05/2021</a:t>
+              <a:t>06/05/2021</a:t>
             </a:fld>
             <a:endParaRPr lang="en-GB"/>
           </a:p>
@@ -2436,7 +2436,7 @@
           <a:p>
             <a:fld id="{70A666A6-2FAB-D348-B19D-8A510A298A73}" type="datetimeFigureOut">
               <a:rPr lang="en-GB" smtClean="0"/>
-              <a:t>03/05/2021</a:t>
+              <a:t>06/05/2021</a:t>
             </a:fld>
             <a:endParaRPr lang="en-GB"/>
           </a:p>
@@ -2531,7 +2531,7 @@
           <a:p>
             <a:fld id="{70A666A6-2FAB-D348-B19D-8A510A298A73}" type="datetimeFigureOut">
               <a:rPr lang="en-GB" smtClean="0"/>
-              <a:t>03/05/2021</a:t>
+              <a:t>06/05/2021</a:t>
             </a:fld>
             <a:endParaRPr lang="en-GB"/>
           </a:p>
@@ -2808,7 +2808,7 @@
           <a:p>
             <a:fld id="{70A666A6-2FAB-D348-B19D-8A510A298A73}" type="datetimeFigureOut">
               <a:rPr lang="en-GB" smtClean="0"/>
-              <a:t>03/05/2021</a:t>
+              <a:t>06/05/2021</a:t>
             </a:fld>
             <a:endParaRPr lang="en-GB"/>
           </a:p>
@@ -3065,7 +3065,7 @@
           <a:p>
             <a:fld id="{70A666A6-2FAB-D348-B19D-8A510A298A73}" type="datetimeFigureOut">
               <a:rPr lang="en-GB" smtClean="0"/>
-              <a:t>03/05/2021</a:t>
+              <a:t>06/05/2021</a:t>
             </a:fld>
             <a:endParaRPr lang="en-GB"/>
           </a:p>
@@ -3278,7 +3278,7 @@
           <a:p>
             <a:fld id="{70A666A6-2FAB-D348-B19D-8A510A298A73}" type="datetimeFigureOut">
               <a:rPr lang="en-GB" smtClean="0"/>
-              <a:t>03/05/2021</a:t>
+              <a:t>06/05/2021</a:t>
             </a:fld>
             <a:endParaRPr lang="en-GB"/>
           </a:p>
